--- a/게임잼 유아이.pptx
+++ b/게임잼 유아이.pptx
@@ -107,6 +107,11 @@
       </a:defRPr>
     </a:lvl9pPr>
   </p:defaultTextStyle>
+  <p:extLst>
+    <p:ext uri="{EFAFB233-063F-42B5-8137-9DF3F51BA10A}">
+      <p15:sldGuideLst xmlns:p15="http://schemas.microsoft.com/office/powerpoint/2012/main"/>
+    </p:ext>
+  </p:extLst>
 </p:presentation>
 </file>
 
@@ -3431,64 +3436,79 @@
           </a:p>
         </p:txBody>
       </p:sp>
-      <p:pic>
-        <p:nvPicPr>
-          <p:cNvPr id="10" name="그림 9">
-            <a:extLst>
-              <a:ext uri="{FF2B5EF4-FFF2-40B4-BE49-F238E27FC236}">
-                <a16:creationId xmlns:a16="http://schemas.microsoft.com/office/drawing/2014/main" id="{EDE8264A-A679-00C5-BB47-7836FD5BEB33}"/>
-              </a:ext>
-            </a:extLst>
-          </p:cNvPr>
-          <p:cNvPicPr>
-            <a:picLocks noChangeAspect="1"/>
-          </p:cNvPicPr>
+      <p:grpSp>
+        <p:nvGrpSpPr>
+          <p:cNvPr id="2" name="그룹 1"/>
+          <p:cNvGrpSpPr/>
           <p:nvPr/>
-        </p:nvPicPr>
-        <p:blipFill rotWithShape="1">
-          <a:blip r:embed="rId3"/>
-          <a:srcRect l="87014"/>
-          <a:stretch/>
-        </p:blipFill>
-        <p:spPr>
+        </p:nvGrpSpPr>
+        <p:grpSpPr>
           <a:xfrm>
-            <a:off x="5727975" y="900062"/>
-            <a:ext cx="661828" cy="714475"/>
-          </a:xfrm>
-          <a:prstGeom prst="rect">
-            <a:avLst/>
-          </a:prstGeom>
-        </p:spPr>
-      </p:pic>
-      <p:pic>
-        <p:nvPicPr>
-          <p:cNvPr id="11" name="그림 10">
-            <a:extLst>
-              <a:ext uri="{FF2B5EF4-FFF2-40B4-BE49-F238E27FC236}">
-                <a16:creationId xmlns:a16="http://schemas.microsoft.com/office/drawing/2014/main" id="{88EAAACA-EB34-90D1-EACA-7B9AC944E836}"/>
-              </a:ext>
-            </a:extLst>
-          </p:cNvPr>
-          <p:cNvPicPr>
-            <a:picLocks noChangeAspect="1"/>
-          </p:cNvPicPr>
-          <p:nvPr/>
-        </p:nvPicPr>
-        <p:blipFill rotWithShape="1">
-          <a:blip r:embed="rId3"/>
-          <a:srcRect l="112" r="86902"/>
-          <a:stretch/>
-        </p:blipFill>
-        <p:spPr>
-          <a:xfrm>
-            <a:off x="5765086" y="22047"/>
-            <a:ext cx="661828" cy="714475"/>
-          </a:xfrm>
-          <a:prstGeom prst="rect">
-            <a:avLst/>
-          </a:prstGeom>
-        </p:spPr>
-      </p:pic>
+            <a:off x="5846588" y="77441"/>
+            <a:ext cx="443638" cy="1000476"/>
+            <a:chOff x="5765086" y="22047"/>
+            <a:chExt cx="661828" cy="1492529"/>
+          </a:xfrm>
+        </p:grpSpPr>
+        <p:pic>
+          <p:nvPicPr>
+            <p:cNvPr id="10" name="그림 9">
+              <a:extLst>
+                <a:ext uri="{FF2B5EF4-FFF2-40B4-BE49-F238E27FC236}">
+                  <a16:creationId xmlns:a16="http://schemas.microsoft.com/office/drawing/2014/main" id="{EDE8264A-A679-00C5-BB47-7836FD5BEB33}"/>
+                </a:ext>
+              </a:extLst>
+            </p:cNvPr>
+            <p:cNvPicPr>
+              <a:picLocks noChangeAspect="1"/>
+            </p:cNvPicPr>
+            <p:nvPr/>
+          </p:nvPicPr>
+          <p:blipFill rotWithShape="1">
+            <a:blip r:embed="rId3"/>
+            <a:srcRect l="87014"/>
+            <a:stretch/>
+          </p:blipFill>
+          <p:spPr>
+            <a:xfrm>
+              <a:off x="5765086" y="800101"/>
+              <a:ext cx="661828" cy="714475"/>
+            </a:xfrm>
+            <a:prstGeom prst="rect">
+              <a:avLst/>
+            </a:prstGeom>
+          </p:spPr>
+        </p:pic>
+        <p:pic>
+          <p:nvPicPr>
+            <p:cNvPr id="11" name="그림 10">
+              <a:extLst>
+                <a:ext uri="{FF2B5EF4-FFF2-40B4-BE49-F238E27FC236}">
+                  <a16:creationId xmlns:a16="http://schemas.microsoft.com/office/drawing/2014/main" id="{88EAAACA-EB34-90D1-EACA-7B9AC944E836}"/>
+                </a:ext>
+              </a:extLst>
+            </p:cNvPr>
+            <p:cNvPicPr>
+              <a:picLocks noChangeAspect="1"/>
+            </p:cNvPicPr>
+            <p:nvPr/>
+          </p:nvPicPr>
+          <p:blipFill rotWithShape="1">
+            <a:blip r:embed="rId3"/>
+            <a:srcRect l="112" r="86902"/>
+            <a:stretch/>
+          </p:blipFill>
+          <p:spPr>
+            <a:xfrm>
+              <a:off x="5765086" y="22047"/>
+              <a:ext cx="661828" cy="714475"/>
+            </a:xfrm>
+            <a:prstGeom prst="rect">
+              <a:avLst/>
+            </a:prstGeom>
+          </p:spPr>
+        </p:pic>
+      </p:grpSp>
       <p:sp>
         <p:nvSpPr>
           <p:cNvPr id="12" name="사각형: 둥근 모서리 11">
@@ -3594,13 +3614,13 @@
           <p:nvPr/>
         </p:nvPicPr>
         <p:blipFill>
-          <a:blip r:embed="rId4">
+          <a:blip r:embed="rId4" cstate="hqprint">
             <a:extLst>
               <a:ext uri="{28A0092B-C50C-407E-A947-70E740481C1C}">
                 <a14:useLocalDpi xmlns:a14="http://schemas.microsoft.com/office/drawing/2010/main" val="0"/>
               </a:ext>
               <a:ext uri="{96DAC541-7B7A-43D3-8B79-37D633B846F1}">
-                <asvg:svgBlip xmlns:asvg="http://schemas.microsoft.com/office/drawing/2016/SVG/main" r:embed="rId5"/>
+                <asvg:svgBlip xmlns:asvg="http://schemas.microsoft.com/office/drawing/2016/SVG/main" xmlns="" r:embed="rId5"/>
               </a:ext>
             </a:extLst>
           </a:blip>
@@ -3639,8 +3659,32 @@
         </p:blipFill>
         <p:spPr>
           <a:xfrm>
-            <a:off x="3842951" y="577679"/>
+            <a:off x="3842951" y="455325"/>
             <a:ext cx="1334530" cy="444844"/>
+          </a:xfrm>
+          <a:prstGeom prst="rect">
+            <a:avLst/>
+          </a:prstGeom>
+        </p:spPr>
+      </p:pic>
+      <p:pic>
+        <p:nvPicPr>
+          <p:cNvPr id="13" name="그림 12"/>
+          <p:cNvPicPr>
+            <a:picLocks noChangeAspect="1"/>
+          </p:cNvPicPr>
+          <p:nvPr/>
+        </p:nvPicPr>
+        <p:blipFill>
+          <a:blip r:embed="rId7"/>
+          <a:stretch>
+            <a:fillRect/>
+          </a:stretch>
+        </p:blipFill>
+        <p:spPr>
+          <a:xfrm>
+            <a:off x="7537966" y="3734175"/>
+            <a:ext cx="4450277" cy="939049"/>
           </a:xfrm>
           <a:prstGeom prst="rect">
             <a:avLst/>
@@ -3813,35 +3857,6 @@
       </p:sp>
       <p:pic>
         <p:nvPicPr>
-          <p:cNvPr id="8" name="그림 7">
-            <a:extLst>
-              <a:ext uri="{FF2B5EF4-FFF2-40B4-BE49-F238E27FC236}">
-                <a16:creationId xmlns:a16="http://schemas.microsoft.com/office/drawing/2014/main" id="{118EB16D-9E10-7A4B-1657-C1F62CBEA51E}"/>
-              </a:ext>
-            </a:extLst>
-          </p:cNvPr>
-          <p:cNvPicPr>
-            <a:picLocks noChangeAspect="1"/>
-          </p:cNvPicPr>
-          <p:nvPr/>
-        </p:nvPicPr>
-        <p:blipFill rotWithShape="1">
-          <a:blip r:embed="rId3"/>
-          <a:srcRect l="6029" t="30460" r="30531" b="11890"/>
-          <a:stretch/>
-        </p:blipFill>
-        <p:spPr>
-          <a:xfrm>
-            <a:off x="3367389" y="1924231"/>
-            <a:ext cx="2263791" cy="1852719"/>
-          </a:xfrm>
-          <a:prstGeom prst="rect">
-            <a:avLst/>
-          </a:prstGeom>
-        </p:spPr>
-      </p:pic>
-      <p:pic>
-        <p:nvPicPr>
           <p:cNvPr id="10" name="그림 9">
             <a:extLst>
               <a:ext uri="{FF2B5EF4-FFF2-40B4-BE49-F238E27FC236}">
@@ -3855,7 +3870,7 @@
           <p:nvPr/>
         </p:nvPicPr>
         <p:blipFill>
-          <a:blip r:embed="rId4"/>
+          <a:blip r:embed="rId3"/>
           <a:stretch>
             <a:fillRect/>
           </a:stretch>
@@ -3885,13 +3900,13 @@
           <p:nvPr/>
         </p:nvPicPr>
         <p:blipFill rotWithShape="1">
-          <a:blip r:embed="rId5"/>
+          <a:blip r:embed="rId4"/>
           <a:srcRect r="49521"/>
           <a:stretch/>
         </p:blipFill>
         <p:spPr>
           <a:xfrm>
-            <a:off x="3558109" y="0"/>
+            <a:off x="3558109" y="277414"/>
             <a:ext cx="1833081" cy="1523342"/>
           </a:xfrm>
           <a:prstGeom prst="rect">
@@ -3914,7 +3929,7 @@
           <p:nvPr/>
         </p:nvPicPr>
         <p:blipFill rotWithShape="1">
-          <a:blip r:embed="rId5"/>
+          <a:blip r:embed="rId4"/>
           <a:srcRect l="50047" r="-526"/>
           <a:stretch/>
         </p:blipFill>
@@ -3928,45 +3943,6 @@
           </a:prstGeom>
         </p:spPr>
       </p:pic>
-      <p:pic>
-        <p:nvPicPr>
-          <p:cNvPr id="17" name="그래픽 16" descr="동전 단색으로 채워진">
-            <a:extLst>
-              <a:ext uri="{FF2B5EF4-FFF2-40B4-BE49-F238E27FC236}">
-                <a16:creationId xmlns:a16="http://schemas.microsoft.com/office/drawing/2014/main" id="{B906055D-8814-625A-1489-A1A1A7CCCE36}"/>
-              </a:ext>
-            </a:extLst>
-          </p:cNvPr>
-          <p:cNvPicPr>
-            <a:picLocks noChangeAspect="1"/>
-          </p:cNvPicPr>
-          <p:nvPr/>
-        </p:nvPicPr>
-        <p:blipFill>
-          <a:blip r:embed="rId6">
-            <a:extLst>
-              <a:ext uri="{28A0092B-C50C-407E-A947-70E740481C1C}">
-                <a14:useLocalDpi xmlns:a14="http://schemas.microsoft.com/office/drawing/2010/main" val="0"/>
-              </a:ext>
-              <a:ext uri="{96DAC541-7B7A-43D3-8B79-37D633B846F1}">
-                <asvg:svgBlip xmlns:asvg="http://schemas.microsoft.com/office/drawing/2016/SVG/main" r:embed="rId7"/>
-              </a:ext>
-            </a:extLst>
-          </a:blip>
-          <a:stretch>
-            <a:fillRect/>
-          </a:stretch>
-        </p:blipFill>
-        <p:spPr>
-          <a:xfrm>
-            <a:off x="4539812" y="4385012"/>
-            <a:ext cx="367468" cy="367468"/>
-          </a:xfrm>
-          <a:prstGeom prst="rect">
-            <a:avLst/>
-          </a:prstGeom>
-        </p:spPr>
-      </p:pic>
       <p:sp>
         <p:nvSpPr>
           <p:cNvPr id="20" name="TextBox 19">
@@ -3982,7 +3958,7 @@
         <p:spPr>
           <a:xfrm>
             <a:off x="4854955" y="4383148"/>
-            <a:ext cx="922047" cy="369332"/>
+            <a:ext cx="691215" cy="369332"/>
           </a:xfrm>
           <a:prstGeom prst="rect">
             <a:avLst/>
@@ -3996,13 +3972,10 @@
           <a:lstStyle/>
           <a:p>
             <a:r>
-              <a:rPr lang="en-US" altLang="ko-KR" dirty="0"/>
+              <a:rPr lang="en-US" altLang="ko-KR" dirty="0" smtClean="0"/>
               <a:t>1000</a:t>
             </a:r>
-            <a:r>
-              <a:rPr lang="ko-KR" altLang="en-US" dirty="0"/>
-              <a:t>원</a:t>
-            </a:r>
+            <a:endParaRPr lang="ko-KR" altLang="en-US" dirty="0"/>
           </a:p>
         </p:txBody>
       </p:sp>
@@ -4346,6 +4319,701 @@
               <a:rPr lang="ko-KR" altLang="en-US" dirty="0"/>
               <a:t>홈</a:t>
             </a:r>
+          </a:p>
+        </p:txBody>
+      </p:sp>
+      <p:grpSp>
+        <p:nvGrpSpPr>
+          <p:cNvPr id="2" name="그룹 1"/>
+          <p:cNvGrpSpPr/>
+          <p:nvPr/>
+        </p:nvGrpSpPr>
+        <p:grpSpPr>
+          <a:xfrm>
+            <a:off x="3440289" y="1902891"/>
+            <a:ext cx="2074971" cy="2059110"/>
+            <a:chOff x="3342753" y="1831134"/>
+            <a:chExt cx="2263791" cy="2246487"/>
+          </a:xfrm>
+        </p:grpSpPr>
+        <p:pic>
+          <p:nvPicPr>
+            <p:cNvPr id="8" name="그림 7">
+              <a:extLst>
+                <a:ext uri="{FF2B5EF4-FFF2-40B4-BE49-F238E27FC236}">
+                  <a16:creationId xmlns:a16="http://schemas.microsoft.com/office/drawing/2014/main" id="{118EB16D-9E10-7A4B-1657-C1F62CBEA51E}"/>
+                </a:ext>
+              </a:extLst>
+            </p:cNvPr>
+            <p:cNvPicPr>
+              <a:picLocks noChangeAspect="1"/>
+            </p:cNvPicPr>
+            <p:nvPr/>
+          </p:nvPicPr>
+          <p:blipFill rotWithShape="1">
+            <a:blip r:embed="rId5"/>
+            <a:srcRect l="6029" t="30460" r="30531" b="41053"/>
+            <a:stretch/>
+          </p:blipFill>
+          <p:spPr>
+            <a:xfrm>
+              <a:off x="3342753" y="1831134"/>
+              <a:ext cx="2263791" cy="915489"/>
+            </a:xfrm>
+            <a:prstGeom prst="rect">
+              <a:avLst/>
+            </a:prstGeom>
+          </p:spPr>
+        </p:pic>
+        <p:pic>
+          <p:nvPicPr>
+            <p:cNvPr id="19" name="그림 18">
+              <a:extLst>
+                <a:ext uri="{FF2B5EF4-FFF2-40B4-BE49-F238E27FC236}">
+                  <a16:creationId xmlns:a16="http://schemas.microsoft.com/office/drawing/2014/main" id="{118EB16D-9E10-7A4B-1657-C1F62CBEA51E}"/>
+                </a:ext>
+              </a:extLst>
+            </p:cNvPr>
+            <p:cNvPicPr>
+              <a:picLocks noChangeAspect="1"/>
+            </p:cNvPicPr>
+            <p:nvPr/>
+          </p:nvPicPr>
+          <p:blipFill rotWithShape="1">
+            <a:blip r:embed="rId5"/>
+            <a:srcRect l="6029" t="59579" r="30531" b="11890"/>
+            <a:stretch/>
+          </p:blipFill>
+          <p:spPr>
+            <a:xfrm>
+              <a:off x="3342753" y="3160712"/>
+              <a:ext cx="2263791" cy="916909"/>
+            </a:xfrm>
+            <a:prstGeom prst="rect">
+              <a:avLst/>
+            </a:prstGeom>
+          </p:spPr>
+        </p:pic>
+      </p:grpSp>
+      <p:grpSp>
+        <p:nvGrpSpPr>
+          <p:cNvPr id="7" name="그룹 6"/>
+          <p:cNvGrpSpPr/>
+          <p:nvPr/>
+        </p:nvGrpSpPr>
+        <p:grpSpPr>
+          <a:xfrm>
+            <a:off x="3479114" y="2730621"/>
+            <a:ext cx="1994312" cy="369332"/>
+            <a:chOff x="3479114" y="2730621"/>
+            <a:chExt cx="1994312" cy="369332"/>
+          </a:xfrm>
+        </p:grpSpPr>
+        <p:sp>
+          <p:nvSpPr>
+            <p:cNvPr id="28" name="TextBox 27">
+              <a:extLst>
+                <a:ext uri="{FF2B5EF4-FFF2-40B4-BE49-F238E27FC236}">
+                  <a16:creationId xmlns:a16="http://schemas.microsoft.com/office/drawing/2014/main" id="{96F5A1AF-36EC-B9D6-990D-2C9C627824FC}"/>
+                </a:ext>
+              </a:extLst>
+            </p:cNvPr>
+            <p:cNvSpPr txBox="1"/>
+            <p:nvPr/>
+          </p:nvSpPr>
+          <p:spPr>
+            <a:xfrm>
+              <a:off x="3725752" y="2730621"/>
+              <a:ext cx="311304" cy="369332"/>
+            </a:xfrm>
+            <a:prstGeom prst="rect">
+              <a:avLst/>
+            </a:prstGeom>
+            <a:noFill/>
+          </p:spPr>
+          <p:txBody>
+            <a:bodyPr wrap="none" rtlCol="0">
+              <a:spAutoFit/>
+            </a:bodyPr>
+            <a:lstStyle/>
+            <a:p>
+              <a:r>
+                <a:rPr lang="en-US" altLang="ko-KR" dirty="0" smtClean="0"/>
+                <a:t>5</a:t>
+              </a:r>
+              <a:endParaRPr lang="ko-KR" altLang="en-US" dirty="0"/>
+            </a:p>
+          </p:txBody>
+        </p:sp>
+        <p:pic>
+          <p:nvPicPr>
+            <p:cNvPr id="3" name="그림 2"/>
+            <p:cNvPicPr>
+              <a:picLocks noChangeAspect="1"/>
+            </p:cNvPicPr>
+            <p:nvPr/>
+          </p:nvPicPr>
+          <p:blipFill>
+            <a:blip r:embed="rId6"/>
+            <a:stretch>
+              <a:fillRect/>
+            </a:stretch>
+          </p:blipFill>
+          <p:spPr>
+            <a:xfrm>
+              <a:off x="3479114" y="2788862"/>
+              <a:ext cx="246638" cy="246638"/>
+            </a:xfrm>
+            <a:prstGeom prst="rect">
+              <a:avLst/>
+            </a:prstGeom>
+          </p:spPr>
+        </p:pic>
+        <p:sp>
+          <p:nvSpPr>
+            <p:cNvPr id="33" name="TextBox 32">
+              <a:extLst>
+                <a:ext uri="{FF2B5EF4-FFF2-40B4-BE49-F238E27FC236}">
+                  <a16:creationId xmlns:a16="http://schemas.microsoft.com/office/drawing/2014/main" id="{96F5A1AF-36EC-B9D6-990D-2C9C627824FC}"/>
+                </a:ext>
+              </a:extLst>
+            </p:cNvPr>
+            <p:cNvSpPr txBox="1"/>
+            <p:nvPr/>
+          </p:nvSpPr>
+          <p:spPr>
+            <a:xfrm>
+              <a:off x="4422982" y="2730621"/>
+              <a:ext cx="311304" cy="369332"/>
+            </a:xfrm>
+            <a:prstGeom prst="rect">
+              <a:avLst/>
+            </a:prstGeom>
+            <a:noFill/>
+          </p:spPr>
+          <p:txBody>
+            <a:bodyPr wrap="none" rtlCol="0">
+              <a:spAutoFit/>
+            </a:bodyPr>
+            <a:lstStyle/>
+            <a:p>
+              <a:r>
+                <a:rPr lang="en-US" altLang="ko-KR" dirty="0" smtClean="0"/>
+                <a:t>3</a:t>
+              </a:r>
+              <a:endParaRPr lang="ko-KR" altLang="en-US" dirty="0"/>
+            </a:p>
+          </p:txBody>
+        </p:sp>
+        <p:pic>
+          <p:nvPicPr>
+            <p:cNvPr id="34" name="그림 33"/>
+            <p:cNvPicPr>
+              <a:picLocks noChangeAspect="1"/>
+            </p:cNvPicPr>
+            <p:nvPr/>
+          </p:nvPicPr>
+          <p:blipFill>
+            <a:blip r:embed="rId6"/>
+            <a:stretch>
+              <a:fillRect/>
+            </a:stretch>
+          </p:blipFill>
+          <p:spPr>
+            <a:xfrm>
+              <a:off x="4176344" y="2788862"/>
+              <a:ext cx="246638" cy="246638"/>
+            </a:xfrm>
+            <a:prstGeom prst="rect">
+              <a:avLst/>
+            </a:prstGeom>
+          </p:spPr>
+        </p:pic>
+        <p:sp>
+          <p:nvSpPr>
+            <p:cNvPr id="35" name="TextBox 34">
+              <a:extLst>
+                <a:ext uri="{FF2B5EF4-FFF2-40B4-BE49-F238E27FC236}">
+                  <a16:creationId xmlns:a16="http://schemas.microsoft.com/office/drawing/2014/main" id="{96F5A1AF-36EC-B9D6-990D-2C9C627824FC}"/>
+                </a:ext>
+              </a:extLst>
+            </p:cNvPr>
+            <p:cNvSpPr txBox="1"/>
+            <p:nvPr/>
+          </p:nvSpPr>
+          <p:spPr>
+            <a:xfrm>
+              <a:off x="5162122" y="2730621"/>
+              <a:ext cx="311304" cy="369332"/>
+            </a:xfrm>
+            <a:prstGeom prst="rect">
+              <a:avLst/>
+            </a:prstGeom>
+            <a:noFill/>
+          </p:spPr>
+          <p:txBody>
+            <a:bodyPr wrap="none" rtlCol="0">
+              <a:spAutoFit/>
+            </a:bodyPr>
+            <a:lstStyle/>
+            <a:p>
+              <a:r>
+                <a:rPr lang="en-US" altLang="ko-KR" dirty="0" smtClean="0"/>
+                <a:t>2</a:t>
+              </a:r>
+              <a:endParaRPr lang="ko-KR" altLang="en-US" dirty="0"/>
+            </a:p>
+          </p:txBody>
+        </p:sp>
+        <p:pic>
+          <p:nvPicPr>
+            <p:cNvPr id="36" name="그림 35"/>
+            <p:cNvPicPr>
+              <a:picLocks noChangeAspect="1"/>
+            </p:cNvPicPr>
+            <p:nvPr/>
+          </p:nvPicPr>
+          <p:blipFill>
+            <a:blip r:embed="rId6"/>
+            <a:stretch>
+              <a:fillRect/>
+            </a:stretch>
+          </p:blipFill>
+          <p:spPr>
+            <a:xfrm>
+              <a:off x="4915484" y="2788862"/>
+              <a:ext cx="246638" cy="246638"/>
+            </a:xfrm>
+            <a:prstGeom prst="rect">
+              <a:avLst/>
+            </a:prstGeom>
+          </p:spPr>
+        </p:pic>
+      </p:grpSp>
+      <p:grpSp>
+        <p:nvGrpSpPr>
+          <p:cNvPr id="37" name="그룹 36"/>
+          <p:cNvGrpSpPr/>
+          <p:nvPr/>
+        </p:nvGrpSpPr>
+        <p:grpSpPr>
+          <a:xfrm>
+            <a:off x="3479114" y="3942201"/>
+            <a:ext cx="1994312" cy="369332"/>
+            <a:chOff x="3479114" y="2730621"/>
+            <a:chExt cx="1994312" cy="369332"/>
+          </a:xfrm>
+        </p:grpSpPr>
+        <p:sp>
+          <p:nvSpPr>
+            <p:cNvPr id="38" name="TextBox 37">
+              <a:extLst>
+                <a:ext uri="{FF2B5EF4-FFF2-40B4-BE49-F238E27FC236}">
+                  <a16:creationId xmlns:a16="http://schemas.microsoft.com/office/drawing/2014/main" id="{96F5A1AF-36EC-B9D6-990D-2C9C627824FC}"/>
+                </a:ext>
+              </a:extLst>
+            </p:cNvPr>
+            <p:cNvSpPr txBox="1"/>
+            <p:nvPr/>
+          </p:nvSpPr>
+          <p:spPr>
+            <a:xfrm>
+              <a:off x="3725752" y="2730621"/>
+              <a:ext cx="311304" cy="369332"/>
+            </a:xfrm>
+            <a:prstGeom prst="rect">
+              <a:avLst/>
+            </a:prstGeom>
+            <a:noFill/>
+          </p:spPr>
+          <p:txBody>
+            <a:bodyPr wrap="none" rtlCol="0">
+              <a:spAutoFit/>
+            </a:bodyPr>
+            <a:lstStyle/>
+            <a:p>
+              <a:r>
+                <a:rPr lang="en-US" altLang="ko-KR" dirty="0" smtClean="0"/>
+                <a:t>5</a:t>
+              </a:r>
+              <a:endParaRPr lang="ko-KR" altLang="en-US" dirty="0"/>
+            </a:p>
+          </p:txBody>
+        </p:sp>
+        <p:pic>
+          <p:nvPicPr>
+            <p:cNvPr id="39" name="그림 38"/>
+            <p:cNvPicPr>
+              <a:picLocks noChangeAspect="1"/>
+            </p:cNvPicPr>
+            <p:nvPr/>
+          </p:nvPicPr>
+          <p:blipFill>
+            <a:blip r:embed="rId6"/>
+            <a:stretch>
+              <a:fillRect/>
+            </a:stretch>
+          </p:blipFill>
+          <p:spPr>
+            <a:xfrm>
+              <a:off x="3479114" y="2788862"/>
+              <a:ext cx="246638" cy="246638"/>
+            </a:xfrm>
+            <a:prstGeom prst="rect">
+              <a:avLst/>
+            </a:prstGeom>
+          </p:spPr>
+        </p:pic>
+        <p:sp>
+          <p:nvSpPr>
+            <p:cNvPr id="40" name="TextBox 39">
+              <a:extLst>
+                <a:ext uri="{FF2B5EF4-FFF2-40B4-BE49-F238E27FC236}">
+                  <a16:creationId xmlns:a16="http://schemas.microsoft.com/office/drawing/2014/main" id="{96F5A1AF-36EC-B9D6-990D-2C9C627824FC}"/>
+                </a:ext>
+              </a:extLst>
+            </p:cNvPr>
+            <p:cNvSpPr txBox="1"/>
+            <p:nvPr/>
+          </p:nvSpPr>
+          <p:spPr>
+            <a:xfrm>
+              <a:off x="4422982" y="2730621"/>
+              <a:ext cx="311304" cy="369332"/>
+            </a:xfrm>
+            <a:prstGeom prst="rect">
+              <a:avLst/>
+            </a:prstGeom>
+            <a:noFill/>
+          </p:spPr>
+          <p:txBody>
+            <a:bodyPr wrap="none" rtlCol="0">
+              <a:spAutoFit/>
+            </a:bodyPr>
+            <a:lstStyle/>
+            <a:p>
+              <a:r>
+                <a:rPr lang="en-US" altLang="ko-KR" dirty="0" smtClean="0"/>
+                <a:t>3</a:t>
+              </a:r>
+              <a:endParaRPr lang="ko-KR" altLang="en-US" dirty="0"/>
+            </a:p>
+          </p:txBody>
+        </p:sp>
+        <p:pic>
+          <p:nvPicPr>
+            <p:cNvPr id="41" name="그림 40"/>
+            <p:cNvPicPr>
+              <a:picLocks noChangeAspect="1"/>
+            </p:cNvPicPr>
+            <p:nvPr/>
+          </p:nvPicPr>
+          <p:blipFill>
+            <a:blip r:embed="rId6"/>
+            <a:stretch>
+              <a:fillRect/>
+            </a:stretch>
+          </p:blipFill>
+          <p:spPr>
+            <a:xfrm>
+              <a:off x="4176344" y="2788862"/>
+              <a:ext cx="246638" cy="246638"/>
+            </a:xfrm>
+            <a:prstGeom prst="rect">
+              <a:avLst/>
+            </a:prstGeom>
+          </p:spPr>
+        </p:pic>
+        <p:sp>
+          <p:nvSpPr>
+            <p:cNvPr id="42" name="TextBox 41">
+              <a:extLst>
+                <a:ext uri="{FF2B5EF4-FFF2-40B4-BE49-F238E27FC236}">
+                  <a16:creationId xmlns:a16="http://schemas.microsoft.com/office/drawing/2014/main" id="{96F5A1AF-36EC-B9D6-990D-2C9C627824FC}"/>
+                </a:ext>
+              </a:extLst>
+            </p:cNvPr>
+            <p:cNvSpPr txBox="1"/>
+            <p:nvPr/>
+          </p:nvSpPr>
+          <p:spPr>
+            <a:xfrm>
+              <a:off x="5162122" y="2730621"/>
+              <a:ext cx="311304" cy="369332"/>
+            </a:xfrm>
+            <a:prstGeom prst="rect">
+              <a:avLst/>
+            </a:prstGeom>
+            <a:noFill/>
+          </p:spPr>
+          <p:txBody>
+            <a:bodyPr wrap="none" rtlCol="0">
+              <a:spAutoFit/>
+            </a:bodyPr>
+            <a:lstStyle/>
+            <a:p>
+              <a:r>
+                <a:rPr lang="en-US" altLang="ko-KR" dirty="0" smtClean="0"/>
+                <a:t>2</a:t>
+              </a:r>
+              <a:endParaRPr lang="ko-KR" altLang="en-US" dirty="0"/>
+            </a:p>
+          </p:txBody>
+        </p:sp>
+        <p:pic>
+          <p:nvPicPr>
+            <p:cNvPr id="43" name="그림 42"/>
+            <p:cNvPicPr>
+              <a:picLocks noChangeAspect="1"/>
+            </p:cNvPicPr>
+            <p:nvPr/>
+          </p:nvPicPr>
+          <p:blipFill>
+            <a:blip r:embed="rId6"/>
+            <a:stretch>
+              <a:fillRect/>
+            </a:stretch>
+          </p:blipFill>
+          <p:spPr>
+            <a:xfrm>
+              <a:off x="4915484" y="2788862"/>
+              <a:ext cx="246638" cy="246638"/>
+            </a:xfrm>
+            <a:prstGeom prst="rect">
+              <a:avLst/>
+            </a:prstGeom>
+          </p:spPr>
+        </p:pic>
+      </p:grpSp>
+      <p:grpSp>
+        <p:nvGrpSpPr>
+          <p:cNvPr id="9" name="그룹 8"/>
+          <p:cNvGrpSpPr/>
+          <p:nvPr/>
+        </p:nvGrpSpPr>
+        <p:grpSpPr>
+          <a:xfrm>
+            <a:off x="271094" y="1906844"/>
+            <a:ext cx="1979805" cy="369332"/>
+            <a:chOff x="3631514" y="2883021"/>
+            <a:chExt cx="1979805" cy="369332"/>
+          </a:xfrm>
+        </p:grpSpPr>
+        <p:sp>
+          <p:nvSpPr>
+            <p:cNvPr id="44" name="TextBox 43">
+              <a:extLst>
+                <a:ext uri="{FF2B5EF4-FFF2-40B4-BE49-F238E27FC236}">
+                  <a16:creationId xmlns:a16="http://schemas.microsoft.com/office/drawing/2014/main" id="{96F5A1AF-36EC-B9D6-990D-2C9C627824FC}"/>
+                </a:ext>
+              </a:extLst>
+            </p:cNvPr>
+            <p:cNvSpPr txBox="1"/>
+            <p:nvPr/>
+          </p:nvSpPr>
+          <p:spPr>
+            <a:xfrm>
+              <a:off x="3878152" y="2883021"/>
+              <a:ext cx="1733167" cy="369332"/>
+            </a:xfrm>
+            <a:prstGeom prst="rect">
+              <a:avLst/>
+            </a:prstGeom>
+            <a:noFill/>
+          </p:spPr>
+          <p:txBody>
+            <a:bodyPr wrap="none" rtlCol="0">
+              <a:spAutoFit/>
+            </a:bodyPr>
+            <a:lstStyle/>
+            <a:p>
+              <a:r>
+                <a:rPr lang="ko-KR" altLang="en-US" dirty="0" smtClean="0"/>
+                <a:t>죽인 횟수 표시</a:t>
+              </a:r>
+              <a:endParaRPr lang="ko-KR" altLang="en-US" dirty="0"/>
+            </a:p>
+          </p:txBody>
+        </p:sp>
+        <p:pic>
+          <p:nvPicPr>
+            <p:cNvPr id="45" name="그림 44"/>
+            <p:cNvPicPr>
+              <a:picLocks noChangeAspect="1"/>
+            </p:cNvPicPr>
+            <p:nvPr/>
+          </p:nvPicPr>
+          <p:blipFill>
+            <a:blip r:embed="rId6"/>
+            <a:stretch>
+              <a:fillRect/>
+            </a:stretch>
+          </p:blipFill>
+          <p:spPr>
+            <a:xfrm>
+              <a:off x="3631514" y="2941262"/>
+              <a:ext cx="246638" cy="246638"/>
+            </a:xfrm>
+            <a:prstGeom prst="rect">
+              <a:avLst/>
+            </a:prstGeom>
+          </p:spPr>
+        </p:pic>
+      </p:grpSp>
+      <p:sp>
+        <p:nvSpPr>
+          <p:cNvPr id="11" name="자유형 10"/>
+          <p:cNvSpPr/>
+          <p:nvPr/>
+        </p:nvSpPr>
+        <p:spPr>
+          <a:xfrm>
+            <a:off x="4649039" y="4389546"/>
+            <a:ext cx="261651" cy="358248"/>
+          </a:xfrm>
+          <a:custGeom>
+            <a:avLst/>
+            <a:gdLst>
+              <a:gd name="connsiteX0" fmla="*/ 91538 w 350618"/>
+              <a:gd name="connsiteY0" fmla="*/ 472440 h 480060"/>
+              <a:gd name="connsiteX1" fmla="*/ 98 w 350618"/>
+              <a:gd name="connsiteY1" fmla="*/ 259080 h 480060"/>
+              <a:gd name="connsiteX2" fmla="*/ 106778 w 350618"/>
+              <a:gd name="connsiteY2" fmla="*/ 144780 h 480060"/>
+              <a:gd name="connsiteX3" fmla="*/ 99158 w 350618"/>
+              <a:gd name="connsiteY3" fmla="*/ 220980 h 480060"/>
+              <a:gd name="connsiteX4" fmla="*/ 190598 w 350618"/>
+              <a:gd name="connsiteY4" fmla="*/ 106680 h 480060"/>
+              <a:gd name="connsiteX5" fmla="*/ 228698 w 350618"/>
+              <a:gd name="connsiteY5" fmla="*/ 0 h 480060"/>
+              <a:gd name="connsiteX6" fmla="*/ 274418 w 350618"/>
+              <a:gd name="connsiteY6" fmla="*/ 175260 h 480060"/>
+              <a:gd name="connsiteX7" fmla="*/ 274418 w 350618"/>
+              <a:gd name="connsiteY7" fmla="*/ 281940 h 480060"/>
+              <a:gd name="connsiteX8" fmla="*/ 350618 w 350618"/>
+              <a:gd name="connsiteY8" fmla="*/ 259080 h 480060"/>
+              <a:gd name="connsiteX9" fmla="*/ 342998 w 350618"/>
+              <a:gd name="connsiteY9" fmla="*/ 411480 h 480060"/>
+              <a:gd name="connsiteX10" fmla="*/ 259178 w 350618"/>
+              <a:gd name="connsiteY10" fmla="*/ 480060 h 480060"/>
+              <a:gd name="connsiteX11" fmla="*/ 91538 w 350618"/>
+              <a:gd name="connsiteY11" fmla="*/ 472440 h 480060"/>
+            </a:gdLst>
+            <a:ahLst/>
+            <a:cxnLst>
+              <a:cxn ang="0">
+                <a:pos x="connsiteX0" y="connsiteY0"/>
+              </a:cxn>
+              <a:cxn ang="0">
+                <a:pos x="connsiteX1" y="connsiteY1"/>
+              </a:cxn>
+              <a:cxn ang="0">
+                <a:pos x="connsiteX2" y="connsiteY2"/>
+              </a:cxn>
+              <a:cxn ang="0">
+                <a:pos x="connsiteX3" y="connsiteY3"/>
+              </a:cxn>
+              <a:cxn ang="0">
+                <a:pos x="connsiteX4" y="connsiteY4"/>
+              </a:cxn>
+              <a:cxn ang="0">
+                <a:pos x="connsiteX5" y="connsiteY5"/>
+              </a:cxn>
+              <a:cxn ang="0">
+                <a:pos x="connsiteX6" y="connsiteY6"/>
+              </a:cxn>
+              <a:cxn ang="0">
+                <a:pos x="connsiteX7" y="connsiteY7"/>
+              </a:cxn>
+              <a:cxn ang="0">
+                <a:pos x="connsiteX8" y="connsiteY8"/>
+              </a:cxn>
+              <a:cxn ang="0">
+                <a:pos x="connsiteX9" y="connsiteY9"/>
+              </a:cxn>
+              <a:cxn ang="0">
+                <a:pos x="connsiteX10" y="connsiteY10"/>
+              </a:cxn>
+              <a:cxn ang="0">
+                <a:pos x="connsiteX11" y="connsiteY11"/>
+              </a:cxn>
+            </a:cxnLst>
+            <a:rect l="l" t="t" r="r" b="b"/>
+            <a:pathLst>
+              <a:path w="350618" h="480060">
+                <a:moveTo>
+                  <a:pt x="91538" y="472440"/>
+                </a:moveTo>
+                <a:cubicBezTo>
+                  <a:pt x="44548" y="393065"/>
+                  <a:pt x="-2442" y="313690"/>
+                  <a:pt x="98" y="259080"/>
+                </a:cubicBezTo>
+                <a:cubicBezTo>
+                  <a:pt x="2638" y="204470"/>
+                  <a:pt x="90268" y="151130"/>
+                  <a:pt x="106778" y="144780"/>
+                </a:cubicBezTo>
+                <a:cubicBezTo>
+                  <a:pt x="123288" y="138430"/>
+                  <a:pt x="85188" y="227330"/>
+                  <a:pt x="99158" y="220980"/>
+                </a:cubicBezTo>
+                <a:cubicBezTo>
+                  <a:pt x="113128" y="214630"/>
+                  <a:pt x="169008" y="143510"/>
+                  <a:pt x="190598" y="106680"/>
+                </a:cubicBezTo>
+                <a:cubicBezTo>
+                  <a:pt x="212188" y="69850"/>
+                  <a:pt x="217268" y="1270"/>
+                  <a:pt x="228698" y="0"/>
+                </a:cubicBezTo>
+                <a:lnTo>
+                  <a:pt x="274418" y="175260"/>
+                </a:lnTo>
+                <a:lnTo>
+                  <a:pt x="274418" y="281940"/>
+                </a:lnTo>
+                <a:lnTo>
+                  <a:pt x="350618" y="259080"/>
+                </a:lnTo>
+                <a:lnTo>
+                  <a:pt x="342998" y="411480"/>
+                </a:lnTo>
+                <a:lnTo>
+                  <a:pt x="259178" y="480060"/>
+                </a:lnTo>
+                <a:lnTo>
+                  <a:pt x="91538" y="472440"/>
+                </a:lnTo>
+                <a:close/>
+              </a:path>
+            </a:pathLst>
+          </a:custGeom>
+        </p:spPr>
+        <p:style>
+          <a:lnRef idx="2">
+            <a:schemeClr val="accent1">
+              <a:shade val="50000"/>
+            </a:schemeClr>
+          </a:lnRef>
+          <a:fillRef idx="1">
+            <a:schemeClr val="accent1"/>
+          </a:fillRef>
+          <a:effectRef idx="0">
+            <a:schemeClr val="accent1"/>
+          </a:effectRef>
+          <a:fontRef idx="minor">
+            <a:schemeClr val="lt1"/>
+          </a:fontRef>
+        </p:style>
+        <p:txBody>
+          <a:bodyPr rtlCol="0" anchor="ctr"/>
+          <a:lstStyle/>
+          <a:p>
+            <a:pPr algn="ctr"/>
+            <a:endParaRPr lang="ko-KR" altLang="en-US"/>
           </a:p>
         </p:txBody>
       </p:sp>
@@ -4932,6 +5600,30 @@
           <a:chExt cx="0" cy="0"/>
         </a:xfrm>
       </p:grpSpPr>
+      <p:pic>
+        <p:nvPicPr>
+          <p:cNvPr id="2" name="그림 1"/>
+          <p:cNvPicPr>
+            <a:picLocks noChangeAspect="1"/>
+          </p:cNvPicPr>
+          <p:nvPr/>
+        </p:nvPicPr>
+        <p:blipFill>
+          <a:blip r:embed="rId2"/>
+          <a:stretch>
+            <a:fillRect/>
+          </a:stretch>
+        </p:blipFill>
+        <p:spPr>
+          <a:xfrm>
+            <a:off x="3933523" y="1466576"/>
+            <a:ext cx="4324954" cy="3924848"/>
+          </a:xfrm>
+          <a:prstGeom prst="rect">
+            <a:avLst/>
+          </a:prstGeom>
+        </p:spPr>
+      </p:pic>
     </p:spTree>
     <p:extLst>
       <p:ext uri="{BB962C8B-B14F-4D97-AF65-F5344CB8AC3E}">

--- a/게임잼 유아이.pptx
+++ b/게임잼 유아이.pptx
@@ -9,6 +9,7 @@
     <p:sldId id="259" r:id="rId3"/>
     <p:sldId id="257" r:id="rId4"/>
     <p:sldId id="258" r:id="rId5"/>
+    <p:sldId id="260" r:id="rId6"/>
   </p:sldIdLst>
   <p:sldSz cx="12192000" cy="6858000"/>
   <p:notesSz cx="6858000" cy="9144000"/>
@@ -262,7 +263,7 @@
           <a:p>
             <a:fld id="{A8D06FE8-B6D5-44F0-B879-528385EF61D8}" type="datetimeFigureOut">
               <a:rPr lang="ko-KR" altLang="en-US" smtClean="0"/>
-              <a:t>2023-09-22</a:t>
+              <a:t>2023-10-21</a:t>
             </a:fld>
             <a:endParaRPr lang="ko-KR" altLang="en-US"/>
           </a:p>
@@ -460,7 +461,7 @@
           <a:p>
             <a:fld id="{A8D06FE8-B6D5-44F0-B879-528385EF61D8}" type="datetimeFigureOut">
               <a:rPr lang="ko-KR" altLang="en-US" smtClean="0"/>
-              <a:t>2023-09-22</a:t>
+              <a:t>2023-10-21</a:t>
             </a:fld>
             <a:endParaRPr lang="ko-KR" altLang="en-US"/>
           </a:p>
@@ -668,7 +669,7 @@
           <a:p>
             <a:fld id="{A8D06FE8-B6D5-44F0-B879-528385EF61D8}" type="datetimeFigureOut">
               <a:rPr lang="ko-KR" altLang="en-US" smtClean="0"/>
-              <a:t>2023-09-22</a:t>
+              <a:t>2023-10-21</a:t>
             </a:fld>
             <a:endParaRPr lang="ko-KR" altLang="en-US"/>
           </a:p>
@@ -866,7 +867,7 @@
           <a:p>
             <a:fld id="{A8D06FE8-B6D5-44F0-B879-528385EF61D8}" type="datetimeFigureOut">
               <a:rPr lang="ko-KR" altLang="en-US" smtClean="0"/>
-              <a:t>2023-09-22</a:t>
+              <a:t>2023-10-21</a:t>
             </a:fld>
             <a:endParaRPr lang="ko-KR" altLang="en-US"/>
           </a:p>
@@ -1141,7 +1142,7 @@
           <a:p>
             <a:fld id="{A8D06FE8-B6D5-44F0-B879-528385EF61D8}" type="datetimeFigureOut">
               <a:rPr lang="ko-KR" altLang="en-US" smtClean="0"/>
-              <a:t>2023-09-22</a:t>
+              <a:t>2023-10-21</a:t>
             </a:fld>
             <a:endParaRPr lang="ko-KR" altLang="en-US"/>
           </a:p>
@@ -1406,7 +1407,7 @@
           <a:p>
             <a:fld id="{A8D06FE8-B6D5-44F0-B879-528385EF61D8}" type="datetimeFigureOut">
               <a:rPr lang="ko-KR" altLang="en-US" smtClean="0"/>
-              <a:t>2023-09-22</a:t>
+              <a:t>2023-10-21</a:t>
             </a:fld>
             <a:endParaRPr lang="ko-KR" altLang="en-US"/>
           </a:p>
@@ -1818,7 +1819,7 @@
           <a:p>
             <a:fld id="{A8D06FE8-B6D5-44F0-B879-528385EF61D8}" type="datetimeFigureOut">
               <a:rPr lang="ko-KR" altLang="en-US" smtClean="0"/>
-              <a:t>2023-09-22</a:t>
+              <a:t>2023-10-21</a:t>
             </a:fld>
             <a:endParaRPr lang="ko-KR" altLang="en-US"/>
           </a:p>
@@ -1959,7 +1960,7 @@
           <a:p>
             <a:fld id="{A8D06FE8-B6D5-44F0-B879-528385EF61D8}" type="datetimeFigureOut">
               <a:rPr lang="ko-KR" altLang="en-US" smtClean="0"/>
-              <a:t>2023-09-22</a:t>
+              <a:t>2023-10-21</a:t>
             </a:fld>
             <a:endParaRPr lang="ko-KR" altLang="en-US"/>
           </a:p>
@@ -2072,7 +2073,7 @@
           <a:p>
             <a:fld id="{A8D06FE8-B6D5-44F0-B879-528385EF61D8}" type="datetimeFigureOut">
               <a:rPr lang="ko-KR" altLang="en-US" smtClean="0"/>
-              <a:t>2023-09-22</a:t>
+              <a:t>2023-10-21</a:t>
             </a:fld>
             <a:endParaRPr lang="ko-KR" altLang="en-US"/>
           </a:p>
@@ -2383,7 +2384,7 @@
           <a:p>
             <a:fld id="{A8D06FE8-B6D5-44F0-B879-528385EF61D8}" type="datetimeFigureOut">
               <a:rPr lang="ko-KR" altLang="en-US" smtClean="0"/>
-              <a:t>2023-09-22</a:t>
+              <a:t>2023-10-21</a:t>
             </a:fld>
             <a:endParaRPr lang="ko-KR" altLang="en-US"/>
           </a:p>
@@ -2671,7 +2672,7 @@
           <a:p>
             <a:fld id="{A8D06FE8-B6D5-44F0-B879-528385EF61D8}" type="datetimeFigureOut">
               <a:rPr lang="ko-KR" altLang="en-US" smtClean="0"/>
-              <a:t>2023-09-22</a:t>
+              <a:t>2023-10-21</a:t>
             </a:fld>
             <a:endParaRPr lang="ko-KR" altLang="en-US"/>
           </a:p>
@@ -2912,7 +2913,7 @@
           <a:p>
             <a:fld id="{A8D06FE8-B6D5-44F0-B879-528385EF61D8}" type="datetimeFigureOut">
               <a:rPr lang="ko-KR" altLang="en-US" smtClean="0"/>
-              <a:t>2023-09-22</a:t>
+              <a:t>2023-10-21</a:t>
             </a:fld>
             <a:endParaRPr lang="ko-KR" altLang="en-US"/>
           </a:p>
@@ -3620,7 +3621,7 @@
                 <a14:useLocalDpi xmlns:a14="http://schemas.microsoft.com/office/drawing/2010/main" val="0"/>
               </a:ext>
               <a:ext uri="{96DAC541-7B7A-43D3-8B79-37D633B846F1}">
-                <asvg:svgBlip xmlns:asvg="http://schemas.microsoft.com/office/drawing/2016/SVG/main" xmlns="" r:embed="rId5"/>
+                <asvg:svgBlip xmlns="" xmlns:asvg="http://schemas.microsoft.com/office/drawing/2016/SVG/main" r:embed="rId5"/>
               </a:ext>
             </a:extLst>
           </a:blip>
@@ -5637,6 +5638,5742 @@
 </p:sld>
 </file>
 
+<file path=ppt/slides/slide5.xml><?xml version="1.0" encoding="utf-8"?>
+<p:sld xmlns:a="http://schemas.openxmlformats.org/drawingml/2006/main" xmlns:r="http://schemas.openxmlformats.org/officeDocument/2006/relationships" xmlns:p="http://schemas.openxmlformats.org/presentationml/2006/main">
+  <p:cSld>
+    <p:spTree>
+      <p:nvGrpSpPr>
+        <p:cNvPr id="1" name=""/>
+        <p:cNvGrpSpPr/>
+        <p:nvPr/>
+      </p:nvGrpSpPr>
+      <p:grpSpPr>
+        <a:xfrm>
+          <a:off x="0" y="0"/>
+          <a:ext cx="0" cy="0"/>
+          <a:chOff x="0" y="0"/>
+          <a:chExt cx="0" cy="0"/>
+        </a:xfrm>
+      </p:grpSpPr>
+      <p:pic>
+        <p:nvPicPr>
+          <p:cNvPr id="4" name="그림 3"/>
+          <p:cNvPicPr>
+            <a:picLocks noChangeAspect="1"/>
+          </p:cNvPicPr>
+          <p:nvPr/>
+        </p:nvPicPr>
+        <p:blipFill>
+          <a:blip r:embed="rId2"/>
+          <a:stretch>
+            <a:fillRect/>
+          </a:stretch>
+        </p:blipFill>
+        <p:spPr>
+          <a:xfrm>
+            <a:off x="324351" y="-6131"/>
+            <a:ext cx="3874269" cy="6864131"/>
+          </a:xfrm>
+          <a:prstGeom prst="rect">
+            <a:avLst/>
+          </a:prstGeom>
+        </p:spPr>
+      </p:pic>
+      <p:sp>
+        <p:nvSpPr>
+          <p:cNvPr id="5" name="모서리가 둥근 직사각형 4"/>
+          <p:cNvSpPr/>
+          <p:nvPr/>
+        </p:nvSpPr>
+        <p:spPr>
+          <a:xfrm>
+            <a:off x="470785" y="647700"/>
+            <a:ext cx="3581400" cy="2552700"/>
+          </a:xfrm>
+          <a:prstGeom prst="roundRect">
+            <a:avLst>
+              <a:gd name="adj" fmla="val 4864"/>
+            </a:avLst>
+          </a:prstGeom>
+          <a:solidFill>
+            <a:schemeClr val="accent5"/>
+          </a:solidFill>
+          <a:ln>
+            <a:solidFill>
+              <a:srgbClr val="002060"/>
+            </a:solidFill>
+          </a:ln>
+        </p:spPr>
+        <p:style>
+          <a:lnRef idx="2">
+            <a:schemeClr val="accent1">
+              <a:shade val="50000"/>
+            </a:schemeClr>
+          </a:lnRef>
+          <a:fillRef idx="1">
+            <a:schemeClr val="accent1"/>
+          </a:fillRef>
+          <a:effectRef idx="0">
+            <a:schemeClr val="accent1"/>
+          </a:effectRef>
+          <a:fontRef idx="minor">
+            <a:schemeClr val="lt1"/>
+          </a:fontRef>
+        </p:style>
+        <p:txBody>
+          <a:bodyPr rtlCol="0" anchor="ctr"/>
+          <a:lstStyle/>
+          <a:p>
+            <a:pPr algn="ctr"/>
+            <a:endParaRPr lang="ko-KR" altLang="en-US"/>
+          </a:p>
+        </p:txBody>
+      </p:sp>
+      <p:pic>
+        <p:nvPicPr>
+          <p:cNvPr id="7" name="그림 6"/>
+          <p:cNvPicPr>
+            <a:picLocks noChangeAspect="1"/>
+          </p:cNvPicPr>
+          <p:nvPr/>
+        </p:nvPicPr>
+        <p:blipFill>
+          <a:blip r:embed="rId3" cstate="print">
+            <a:extLst>
+              <a:ext uri="{28A0092B-C50C-407E-A947-70E740481C1C}">
+                <a14:useLocalDpi xmlns:a14="http://schemas.microsoft.com/office/drawing/2010/main" val="0"/>
+              </a:ext>
+            </a:extLst>
+          </a:blip>
+          <a:stretch>
+            <a:fillRect/>
+          </a:stretch>
+        </p:blipFill>
+        <p:spPr>
+          <a:xfrm>
+            <a:off x="8736699" y="-6131"/>
+            <a:ext cx="3857625" cy="6858000"/>
+          </a:xfrm>
+          <a:prstGeom prst="rect">
+            <a:avLst/>
+          </a:prstGeom>
+        </p:spPr>
+      </p:pic>
+      <p:sp>
+        <p:nvSpPr>
+          <p:cNvPr id="9" name="모서리가 둥근 직사각형 7"/>
+          <p:cNvSpPr/>
+          <p:nvPr/>
+        </p:nvSpPr>
+        <p:spPr>
+          <a:xfrm>
+            <a:off x="1085836" y="2410207"/>
+            <a:ext cx="2478155" cy="654374"/>
+          </a:xfrm>
+          <a:custGeom>
+            <a:avLst/>
+            <a:gdLst>
+              <a:gd name="connsiteX0" fmla="*/ 0 w 3581400"/>
+              <a:gd name="connsiteY0" fmla="*/ 129723 h 1178766"/>
+              <a:gd name="connsiteX1" fmla="*/ 129723 w 3581400"/>
+              <a:gd name="connsiteY1" fmla="*/ 0 h 1178766"/>
+              <a:gd name="connsiteX2" fmla="*/ 3451677 w 3581400"/>
+              <a:gd name="connsiteY2" fmla="*/ 0 h 1178766"/>
+              <a:gd name="connsiteX3" fmla="*/ 3581400 w 3581400"/>
+              <a:gd name="connsiteY3" fmla="*/ 129723 h 1178766"/>
+              <a:gd name="connsiteX4" fmla="*/ 3581400 w 3581400"/>
+              <a:gd name="connsiteY4" fmla="*/ 1049043 h 1178766"/>
+              <a:gd name="connsiteX5" fmla="*/ 3451677 w 3581400"/>
+              <a:gd name="connsiteY5" fmla="*/ 1178766 h 1178766"/>
+              <a:gd name="connsiteX6" fmla="*/ 129723 w 3581400"/>
+              <a:gd name="connsiteY6" fmla="*/ 1178766 h 1178766"/>
+              <a:gd name="connsiteX7" fmla="*/ 0 w 3581400"/>
+              <a:gd name="connsiteY7" fmla="*/ 1049043 h 1178766"/>
+              <a:gd name="connsiteX8" fmla="*/ 0 w 3581400"/>
+              <a:gd name="connsiteY8" fmla="*/ 129723 h 1178766"/>
+              <a:gd name="connsiteX0" fmla="*/ 0 w 3581400"/>
+              <a:gd name="connsiteY0" fmla="*/ 129723 h 1178766"/>
+              <a:gd name="connsiteX1" fmla="*/ 129723 w 3581400"/>
+              <a:gd name="connsiteY1" fmla="*/ 0 h 1178766"/>
+              <a:gd name="connsiteX2" fmla="*/ 1319915 w 3581400"/>
+              <a:gd name="connsiteY2" fmla="*/ 1477 h 1178766"/>
+              <a:gd name="connsiteX3" fmla="*/ 3451677 w 3581400"/>
+              <a:gd name="connsiteY3" fmla="*/ 0 h 1178766"/>
+              <a:gd name="connsiteX4" fmla="*/ 3581400 w 3581400"/>
+              <a:gd name="connsiteY4" fmla="*/ 129723 h 1178766"/>
+              <a:gd name="connsiteX5" fmla="*/ 3581400 w 3581400"/>
+              <a:gd name="connsiteY5" fmla="*/ 1049043 h 1178766"/>
+              <a:gd name="connsiteX6" fmla="*/ 3451677 w 3581400"/>
+              <a:gd name="connsiteY6" fmla="*/ 1178766 h 1178766"/>
+              <a:gd name="connsiteX7" fmla="*/ 129723 w 3581400"/>
+              <a:gd name="connsiteY7" fmla="*/ 1178766 h 1178766"/>
+              <a:gd name="connsiteX8" fmla="*/ 0 w 3581400"/>
+              <a:gd name="connsiteY8" fmla="*/ 1049043 h 1178766"/>
+              <a:gd name="connsiteX9" fmla="*/ 0 w 3581400"/>
+              <a:gd name="connsiteY9" fmla="*/ 129723 h 1178766"/>
+              <a:gd name="connsiteX0" fmla="*/ 0 w 3581400"/>
+              <a:gd name="connsiteY0" fmla="*/ 129723 h 1178766"/>
+              <a:gd name="connsiteX1" fmla="*/ 129723 w 3581400"/>
+              <a:gd name="connsiteY1" fmla="*/ 0 h 1178766"/>
+              <a:gd name="connsiteX2" fmla="*/ 1319915 w 3581400"/>
+              <a:gd name="connsiteY2" fmla="*/ 1477 h 1178766"/>
+              <a:gd name="connsiteX3" fmla="*/ 3030605 w 3581400"/>
+              <a:gd name="connsiteY3" fmla="*/ 1477 h 1178766"/>
+              <a:gd name="connsiteX4" fmla="*/ 3451677 w 3581400"/>
+              <a:gd name="connsiteY4" fmla="*/ 0 h 1178766"/>
+              <a:gd name="connsiteX5" fmla="*/ 3581400 w 3581400"/>
+              <a:gd name="connsiteY5" fmla="*/ 129723 h 1178766"/>
+              <a:gd name="connsiteX6" fmla="*/ 3581400 w 3581400"/>
+              <a:gd name="connsiteY6" fmla="*/ 1049043 h 1178766"/>
+              <a:gd name="connsiteX7" fmla="*/ 3451677 w 3581400"/>
+              <a:gd name="connsiteY7" fmla="*/ 1178766 h 1178766"/>
+              <a:gd name="connsiteX8" fmla="*/ 129723 w 3581400"/>
+              <a:gd name="connsiteY8" fmla="*/ 1178766 h 1178766"/>
+              <a:gd name="connsiteX9" fmla="*/ 0 w 3581400"/>
+              <a:gd name="connsiteY9" fmla="*/ 1049043 h 1178766"/>
+              <a:gd name="connsiteX10" fmla="*/ 0 w 3581400"/>
+              <a:gd name="connsiteY10" fmla="*/ 129723 h 1178766"/>
+              <a:gd name="connsiteX0" fmla="*/ 0 w 3581400"/>
+              <a:gd name="connsiteY0" fmla="*/ 132056 h 1181099"/>
+              <a:gd name="connsiteX1" fmla="*/ 129723 w 3581400"/>
+              <a:gd name="connsiteY1" fmla="*/ 2333 h 1181099"/>
+              <a:gd name="connsiteX2" fmla="*/ 1319915 w 3581400"/>
+              <a:gd name="connsiteY2" fmla="*/ 3810 h 1181099"/>
+              <a:gd name="connsiteX3" fmla="*/ 2108585 w 3581400"/>
+              <a:gd name="connsiteY3" fmla="*/ 0 h 1181099"/>
+              <a:gd name="connsiteX4" fmla="*/ 3030605 w 3581400"/>
+              <a:gd name="connsiteY4" fmla="*/ 3810 h 1181099"/>
+              <a:gd name="connsiteX5" fmla="*/ 3451677 w 3581400"/>
+              <a:gd name="connsiteY5" fmla="*/ 2333 h 1181099"/>
+              <a:gd name="connsiteX6" fmla="*/ 3581400 w 3581400"/>
+              <a:gd name="connsiteY6" fmla="*/ 132056 h 1181099"/>
+              <a:gd name="connsiteX7" fmla="*/ 3581400 w 3581400"/>
+              <a:gd name="connsiteY7" fmla="*/ 1051376 h 1181099"/>
+              <a:gd name="connsiteX8" fmla="*/ 3451677 w 3581400"/>
+              <a:gd name="connsiteY8" fmla="*/ 1181099 h 1181099"/>
+              <a:gd name="connsiteX9" fmla="*/ 129723 w 3581400"/>
+              <a:gd name="connsiteY9" fmla="*/ 1181099 h 1181099"/>
+              <a:gd name="connsiteX10" fmla="*/ 0 w 3581400"/>
+              <a:gd name="connsiteY10" fmla="*/ 1051376 h 1181099"/>
+              <a:gd name="connsiteX11" fmla="*/ 0 w 3581400"/>
+              <a:gd name="connsiteY11" fmla="*/ 132056 h 1181099"/>
+              <a:gd name="connsiteX0" fmla="*/ 0 w 3581400"/>
+              <a:gd name="connsiteY0" fmla="*/ 132056 h 1181099"/>
+              <a:gd name="connsiteX1" fmla="*/ 129723 w 3581400"/>
+              <a:gd name="connsiteY1" fmla="*/ 2333 h 1181099"/>
+              <a:gd name="connsiteX2" fmla="*/ 706505 w 3581400"/>
+              <a:gd name="connsiteY2" fmla="*/ 3811 h 1181099"/>
+              <a:gd name="connsiteX3" fmla="*/ 1319915 w 3581400"/>
+              <a:gd name="connsiteY3" fmla="*/ 3810 h 1181099"/>
+              <a:gd name="connsiteX4" fmla="*/ 2108585 w 3581400"/>
+              <a:gd name="connsiteY4" fmla="*/ 0 h 1181099"/>
+              <a:gd name="connsiteX5" fmla="*/ 3030605 w 3581400"/>
+              <a:gd name="connsiteY5" fmla="*/ 3810 h 1181099"/>
+              <a:gd name="connsiteX6" fmla="*/ 3451677 w 3581400"/>
+              <a:gd name="connsiteY6" fmla="*/ 2333 h 1181099"/>
+              <a:gd name="connsiteX7" fmla="*/ 3581400 w 3581400"/>
+              <a:gd name="connsiteY7" fmla="*/ 132056 h 1181099"/>
+              <a:gd name="connsiteX8" fmla="*/ 3581400 w 3581400"/>
+              <a:gd name="connsiteY8" fmla="*/ 1051376 h 1181099"/>
+              <a:gd name="connsiteX9" fmla="*/ 3451677 w 3581400"/>
+              <a:gd name="connsiteY9" fmla="*/ 1181099 h 1181099"/>
+              <a:gd name="connsiteX10" fmla="*/ 129723 w 3581400"/>
+              <a:gd name="connsiteY10" fmla="*/ 1181099 h 1181099"/>
+              <a:gd name="connsiteX11" fmla="*/ 0 w 3581400"/>
+              <a:gd name="connsiteY11" fmla="*/ 1051376 h 1181099"/>
+              <a:gd name="connsiteX12" fmla="*/ 0 w 3581400"/>
+              <a:gd name="connsiteY12" fmla="*/ 132056 h 1181099"/>
+              <a:gd name="connsiteX0" fmla="*/ 0 w 3581400"/>
+              <a:gd name="connsiteY0" fmla="*/ 132056 h 1181099"/>
+              <a:gd name="connsiteX1" fmla="*/ 706505 w 3581400"/>
+              <a:gd name="connsiteY1" fmla="*/ 3811 h 1181099"/>
+              <a:gd name="connsiteX2" fmla="*/ 1319915 w 3581400"/>
+              <a:gd name="connsiteY2" fmla="*/ 3810 h 1181099"/>
+              <a:gd name="connsiteX3" fmla="*/ 2108585 w 3581400"/>
+              <a:gd name="connsiteY3" fmla="*/ 0 h 1181099"/>
+              <a:gd name="connsiteX4" fmla="*/ 3030605 w 3581400"/>
+              <a:gd name="connsiteY4" fmla="*/ 3810 h 1181099"/>
+              <a:gd name="connsiteX5" fmla="*/ 3451677 w 3581400"/>
+              <a:gd name="connsiteY5" fmla="*/ 2333 h 1181099"/>
+              <a:gd name="connsiteX6" fmla="*/ 3581400 w 3581400"/>
+              <a:gd name="connsiteY6" fmla="*/ 132056 h 1181099"/>
+              <a:gd name="connsiteX7" fmla="*/ 3581400 w 3581400"/>
+              <a:gd name="connsiteY7" fmla="*/ 1051376 h 1181099"/>
+              <a:gd name="connsiteX8" fmla="*/ 3451677 w 3581400"/>
+              <a:gd name="connsiteY8" fmla="*/ 1181099 h 1181099"/>
+              <a:gd name="connsiteX9" fmla="*/ 129723 w 3581400"/>
+              <a:gd name="connsiteY9" fmla="*/ 1181099 h 1181099"/>
+              <a:gd name="connsiteX10" fmla="*/ 0 w 3581400"/>
+              <a:gd name="connsiteY10" fmla="*/ 1051376 h 1181099"/>
+              <a:gd name="connsiteX11" fmla="*/ 0 w 3581400"/>
+              <a:gd name="connsiteY11" fmla="*/ 132056 h 1181099"/>
+              <a:gd name="connsiteX0" fmla="*/ 0 w 3581400"/>
+              <a:gd name="connsiteY0" fmla="*/ 132056 h 1181099"/>
+              <a:gd name="connsiteX1" fmla="*/ 1319915 w 3581400"/>
+              <a:gd name="connsiteY1" fmla="*/ 3810 h 1181099"/>
+              <a:gd name="connsiteX2" fmla="*/ 2108585 w 3581400"/>
+              <a:gd name="connsiteY2" fmla="*/ 0 h 1181099"/>
+              <a:gd name="connsiteX3" fmla="*/ 3030605 w 3581400"/>
+              <a:gd name="connsiteY3" fmla="*/ 3810 h 1181099"/>
+              <a:gd name="connsiteX4" fmla="*/ 3451677 w 3581400"/>
+              <a:gd name="connsiteY4" fmla="*/ 2333 h 1181099"/>
+              <a:gd name="connsiteX5" fmla="*/ 3581400 w 3581400"/>
+              <a:gd name="connsiteY5" fmla="*/ 132056 h 1181099"/>
+              <a:gd name="connsiteX6" fmla="*/ 3581400 w 3581400"/>
+              <a:gd name="connsiteY6" fmla="*/ 1051376 h 1181099"/>
+              <a:gd name="connsiteX7" fmla="*/ 3451677 w 3581400"/>
+              <a:gd name="connsiteY7" fmla="*/ 1181099 h 1181099"/>
+              <a:gd name="connsiteX8" fmla="*/ 129723 w 3581400"/>
+              <a:gd name="connsiteY8" fmla="*/ 1181099 h 1181099"/>
+              <a:gd name="connsiteX9" fmla="*/ 0 w 3581400"/>
+              <a:gd name="connsiteY9" fmla="*/ 1051376 h 1181099"/>
+              <a:gd name="connsiteX10" fmla="*/ 0 w 3581400"/>
+              <a:gd name="connsiteY10" fmla="*/ 132056 h 1181099"/>
+              <a:gd name="connsiteX0" fmla="*/ 0 w 3581400"/>
+              <a:gd name="connsiteY0" fmla="*/ 132056 h 1181099"/>
+              <a:gd name="connsiteX1" fmla="*/ 1453265 w 3581400"/>
+              <a:gd name="connsiteY1" fmla="*/ 198120 h 1181099"/>
+              <a:gd name="connsiteX2" fmla="*/ 2108585 w 3581400"/>
+              <a:gd name="connsiteY2" fmla="*/ 0 h 1181099"/>
+              <a:gd name="connsiteX3" fmla="*/ 3030605 w 3581400"/>
+              <a:gd name="connsiteY3" fmla="*/ 3810 h 1181099"/>
+              <a:gd name="connsiteX4" fmla="*/ 3451677 w 3581400"/>
+              <a:gd name="connsiteY4" fmla="*/ 2333 h 1181099"/>
+              <a:gd name="connsiteX5" fmla="*/ 3581400 w 3581400"/>
+              <a:gd name="connsiteY5" fmla="*/ 132056 h 1181099"/>
+              <a:gd name="connsiteX6" fmla="*/ 3581400 w 3581400"/>
+              <a:gd name="connsiteY6" fmla="*/ 1051376 h 1181099"/>
+              <a:gd name="connsiteX7" fmla="*/ 3451677 w 3581400"/>
+              <a:gd name="connsiteY7" fmla="*/ 1181099 h 1181099"/>
+              <a:gd name="connsiteX8" fmla="*/ 129723 w 3581400"/>
+              <a:gd name="connsiteY8" fmla="*/ 1181099 h 1181099"/>
+              <a:gd name="connsiteX9" fmla="*/ 0 w 3581400"/>
+              <a:gd name="connsiteY9" fmla="*/ 1051376 h 1181099"/>
+              <a:gd name="connsiteX10" fmla="*/ 0 w 3581400"/>
+              <a:gd name="connsiteY10" fmla="*/ 132056 h 1181099"/>
+              <a:gd name="connsiteX0" fmla="*/ 0 w 3581400"/>
+              <a:gd name="connsiteY0" fmla="*/ 132056 h 1181099"/>
+              <a:gd name="connsiteX1" fmla="*/ 1377065 w 3581400"/>
+              <a:gd name="connsiteY1" fmla="*/ 567690 h 1181099"/>
+              <a:gd name="connsiteX2" fmla="*/ 2108585 w 3581400"/>
+              <a:gd name="connsiteY2" fmla="*/ 0 h 1181099"/>
+              <a:gd name="connsiteX3" fmla="*/ 3030605 w 3581400"/>
+              <a:gd name="connsiteY3" fmla="*/ 3810 h 1181099"/>
+              <a:gd name="connsiteX4" fmla="*/ 3451677 w 3581400"/>
+              <a:gd name="connsiteY4" fmla="*/ 2333 h 1181099"/>
+              <a:gd name="connsiteX5" fmla="*/ 3581400 w 3581400"/>
+              <a:gd name="connsiteY5" fmla="*/ 132056 h 1181099"/>
+              <a:gd name="connsiteX6" fmla="*/ 3581400 w 3581400"/>
+              <a:gd name="connsiteY6" fmla="*/ 1051376 h 1181099"/>
+              <a:gd name="connsiteX7" fmla="*/ 3451677 w 3581400"/>
+              <a:gd name="connsiteY7" fmla="*/ 1181099 h 1181099"/>
+              <a:gd name="connsiteX8" fmla="*/ 129723 w 3581400"/>
+              <a:gd name="connsiteY8" fmla="*/ 1181099 h 1181099"/>
+              <a:gd name="connsiteX9" fmla="*/ 0 w 3581400"/>
+              <a:gd name="connsiteY9" fmla="*/ 1051376 h 1181099"/>
+              <a:gd name="connsiteX10" fmla="*/ 0 w 3581400"/>
+              <a:gd name="connsiteY10" fmla="*/ 132056 h 1181099"/>
+              <a:gd name="connsiteX0" fmla="*/ 0 w 3581400"/>
+              <a:gd name="connsiteY0" fmla="*/ 132056 h 1181099"/>
+              <a:gd name="connsiteX1" fmla="*/ 1468505 w 3581400"/>
+              <a:gd name="connsiteY1" fmla="*/ 567690 h 1181099"/>
+              <a:gd name="connsiteX2" fmla="*/ 2108585 w 3581400"/>
+              <a:gd name="connsiteY2" fmla="*/ 0 h 1181099"/>
+              <a:gd name="connsiteX3" fmla="*/ 3030605 w 3581400"/>
+              <a:gd name="connsiteY3" fmla="*/ 3810 h 1181099"/>
+              <a:gd name="connsiteX4" fmla="*/ 3451677 w 3581400"/>
+              <a:gd name="connsiteY4" fmla="*/ 2333 h 1181099"/>
+              <a:gd name="connsiteX5" fmla="*/ 3581400 w 3581400"/>
+              <a:gd name="connsiteY5" fmla="*/ 132056 h 1181099"/>
+              <a:gd name="connsiteX6" fmla="*/ 3581400 w 3581400"/>
+              <a:gd name="connsiteY6" fmla="*/ 1051376 h 1181099"/>
+              <a:gd name="connsiteX7" fmla="*/ 3451677 w 3581400"/>
+              <a:gd name="connsiteY7" fmla="*/ 1181099 h 1181099"/>
+              <a:gd name="connsiteX8" fmla="*/ 129723 w 3581400"/>
+              <a:gd name="connsiteY8" fmla="*/ 1181099 h 1181099"/>
+              <a:gd name="connsiteX9" fmla="*/ 0 w 3581400"/>
+              <a:gd name="connsiteY9" fmla="*/ 1051376 h 1181099"/>
+              <a:gd name="connsiteX10" fmla="*/ 0 w 3581400"/>
+              <a:gd name="connsiteY10" fmla="*/ 132056 h 1181099"/>
+              <a:gd name="connsiteX0" fmla="*/ 0 w 3581400"/>
+              <a:gd name="connsiteY0" fmla="*/ 129723 h 1178766"/>
+              <a:gd name="connsiteX1" fmla="*/ 1468505 w 3581400"/>
+              <a:gd name="connsiteY1" fmla="*/ 565357 h 1178766"/>
+              <a:gd name="connsiteX2" fmla="*/ 3030605 w 3581400"/>
+              <a:gd name="connsiteY2" fmla="*/ 1477 h 1178766"/>
+              <a:gd name="connsiteX3" fmla="*/ 3451677 w 3581400"/>
+              <a:gd name="connsiteY3" fmla="*/ 0 h 1178766"/>
+              <a:gd name="connsiteX4" fmla="*/ 3581400 w 3581400"/>
+              <a:gd name="connsiteY4" fmla="*/ 129723 h 1178766"/>
+              <a:gd name="connsiteX5" fmla="*/ 3581400 w 3581400"/>
+              <a:gd name="connsiteY5" fmla="*/ 1049043 h 1178766"/>
+              <a:gd name="connsiteX6" fmla="*/ 3451677 w 3581400"/>
+              <a:gd name="connsiteY6" fmla="*/ 1178766 h 1178766"/>
+              <a:gd name="connsiteX7" fmla="*/ 129723 w 3581400"/>
+              <a:gd name="connsiteY7" fmla="*/ 1178766 h 1178766"/>
+              <a:gd name="connsiteX8" fmla="*/ 0 w 3581400"/>
+              <a:gd name="connsiteY8" fmla="*/ 1049043 h 1178766"/>
+              <a:gd name="connsiteX9" fmla="*/ 0 w 3581400"/>
+              <a:gd name="connsiteY9" fmla="*/ 129723 h 1178766"/>
+              <a:gd name="connsiteX0" fmla="*/ 0 w 3581400"/>
+              <a:gd name="connsiteY0" fmla="*/ 129723 h 1178766"/>
+              <a:gd name="connsiteX1" fmla="*/ 1468505 w 3581400"/>
+              <a:gd name="connsiteY1" fmla="*/ 565357 h 1178766"/>
+              <a:gd name="connsiteX2" fmla="*/ 2965835 w 3581400"/>
+              <a:gd name="connsiteY2" fmla="*/ 466297 h 1178766"/>
+              <a:gd name="connsiteX3" fmla="*/ 3451677 w 3581400"/>
+              <a:gd name="connsiteY3" fmla="*/ 0 h 1178766"/>
+              <a:gd name="connsiteX4" fmla="*/ 3581400 w 3581400"/>
+              <a:gd name="connsiteY4" fmla="*/ 129723 h 1178766"/>
+              <a:gd name="connsiteX5" fmla="*/ 3581400 w 3581400"/>
+              <a:gd name="connsiteY5" fmla="*/ 1049043 h 1178766"/>
+              <a:gd name="connsiteX6" fmla="*/ 3451677 w 3581400"/>
+              <a:gd name="connsiteY6" fmla="*/ 1178766 h 1178766"/>
+              <a:gd name="connsiteX7" fmla="*/ 129723 w 3581400"/>
+              <a:gd name="connsiteY7" fmla="*/ 1178766 h 1178766"/>
+              <a:gd name="connsiteX8" fmla="*/ 0 w 3581400"/>
+              <a:gd name="connsiteY8" fmla="*/ 1049043 h 1178766"/>
+              <a:gd name="connsiteX9" fmla="*/ 0 w 3581400"/>
+              <a:gd name="connsiteY9" fmla="*/ 129723 h 1178766"/>
+              <a:gd name="connsiteX0" fmla="*/ 0 w 3581400"/>
+              <a:gd name="connsiteY0" fmla="*/ 30529 h 1079572"/>
+              <a:gd name="connsiteX1" fmla="*/ 1468505 w 3581400"/>
+              <a:gd name="connsiteY1" fmla="*/ 466163 h 1079572"/>
+              <a:gd name="connsiteX2" fmla="*/ 2965835 w 3581400"/>
+              <a:gd name="connsiteY2" fmla="*/ 367103 h 1079572"/>
+              <a:gd name="connsiteX3" fmla="*/ 3581400 w 3581400"/>
+              <a:gd name="connsiteY3" fmla="*/ 30529 h 1079572"/>
+              <a:gd name="connsiteX4" fmla="*/ 3581400 w 3581400"/>
+              <a:gd name="connsiteY4" fmla="*/ 949849 h 1079572"/>
+              <a:gd name="connsiteX5" fmla="*/ 3451677 w 3581400"/>
+              <a:gd name="connsiteY5" fmla="*/ 1079572 h 1079572"/>
+              <a:gd name="connsiteX6" fmla="*/ 129723 w 3581400"/>
+              <a:gd name="connsiteY6" fmla="*/ 1079572 h 1079572"/>
+              <a:gd name="connsiteX7" fmla="*/ 0 w 3581400"/>
+              <a:gd name="connsiteY7" fmla="*/ 949849 h 1079572"/>
+              <a:gd name="connsiteX8" fmla="*/ 0 w 3581400"/>
+              <a:gd name="connsiteY8" fmla="*/ 30529 h 1079572"/>
+              <a:gd name="connsiteX0" fmla="*/ 0 w 3581400"/>
+              <a:gd name="connsiteY0" fmla="*/ 30529 h 1079572"/>
+              <a:gd name="connsiteX1" fmla="*/ 1468505 w 3581400"/>
+              <a:gd name="connsiteY1" fmla="*/ 466163 h 1079572"/>
+              <a:gd name="connsiteX2" fmla="*/ 2965835 w 3581400"/>
+              <a:gd name="connsiteY2" fmla="*/ 367103 h 1079572"/>
+              <a:gd name="connsiteX3" fmla="*/ 3581400 w 3581400"/>
+              <a:gd name="connsiteY3" fmla="*/ 949849 h 1079572"/>
+              <a:gd name="connsiteX4" fmla="*/ 3451677 w 3581400"/>
+              <a:gd name="connsiteY4" fmla="*/ 1079572 h 1079572"/>
+              <a:gd name="connsiteX5" fmla="*/ 129723 w 3581400"/>
+              <a:gd name="connsiteY5" fmla="*/ 1079572 h 1079572"/>
+              <a:gd name="connsiteX6" fmla="*/ 0 w 3581400"/>
+              <a:gd name="connsiteY6" fmla="*/ 949849 h 1079572"/>
+              <a:gd name="connsiteX7" fmla="*/ 0 w 3581400"/>
+              <a:gd name="connsiteY7" fmla="*/ 30529 h 1079572"/>
+              <a:gd name="connsiteX0" fmla="*/ 0 w 3586865"/>
+              <a:gd name="connsiteY0" fmla="*/ 30529 h 1079572"/>
+              <a:gd name="connsiteX1" fmla="*/ 1468505 w 3586865"/>
+              <a:gd name="connsiteY1" fmla="*/ 466163 h 1079572"/>
+              <a:gd name="connsiteX2" fmla="*/ 3586865 w 3586865"/>
+              <a:gd name="connsiteY2" fmla="*/ 161363 h 1079572"/>
+              <a:gd name="connsiteX3" fmla="*/ 3581400 w 3586865"/>
+              <a:gd name="connsiteY3" fmla="*/ 949849 h 1079572"/>
+              <a:gd name="connsiteX4" fmla="*/ 3451677 w 3586865"/>
+              <a:gd name="connsiteY4" fmla="*/ 1079572 h 1079572"/>
+              <a:gd name="connsiteX5" fmla="*/ 129723 w 3586865"/>
+              <a:gd name="connsiteY5" fmla="*/ 1079572 h 1079572"/>
+              <a:gd name="connsiteX6" fmla="*/ 0 w 3586865"/>
+              <a:gd name="connsiteY6" fmla="*/ 949849 h 1079572"/>
+              <a:gd name="connsiteX7" fmla="*/ 0 w 3586865"/>
+              <a:gd name="connsiteY7" fmla="*/ 30529 h 1079572"/>
+              <a:gd name="connsiteX0" fmla="*/ 0 w 3586865"/>
+              <a:gd name="connsiteY0" fmla="*/ 30529 h 1079572"/>
+              <a:gd name="connsiteX1" fmla="*/ 1468505 w 3586865"/>
+              <a:gd name="connsiteY1" fmla="*/ 466163 h 1079572"/>
+              <a:gd name="connsiteX2" fmla="*/ 3586865 w 3586865"/>
+              <a:gd name="connsiteY2" fmla="*/ 161363 h 1079572"/>
+              <a:gd name="connsiteX3" fmla="*/ 3581400 w 3586865"/>
+              <a:gd name="connsiteY3" fmla="*/ 949849 h 1079572"/>
+              <a:gd name="connsiteX4" fmla="*/ 3451677 w 3586865"/>
+              <a:gd name="connsiteY4" fmla="*/ 1079572 h 1079572"/>
+              <a:gd name="connsiteX5" fmla="*/ 129723 w 3586865"/>
+              <a:gd name="connsiteY5" fmla="*/ 1079572 h 1079572"/>
+              <a:gd name="connsiteX6" fmla="*/ 0 w 3586865"/>
+              <a:gd name="connsiteY6" fmla="*/ 949849 h 1079572"/>
+              <a:gd name="connsiteX7" fmla="*/ 0 w 3586865"/>
+              <a:gd name="connsiteY7" fmla="*/ 30529 h 1079572"/>
+              <a:gd name="connsiteX0" fmla="*/ 0 w 3586865"/>
+              <a:gd name="connsiteY0" fmla="*/ 30529 h 1079572"/>
+              <a:gd name="connsiteX1" fmla="*/ 1468505 w 3586865"/>
+              <a:gd name="connsiteY1" fmla="*/ 466163 h 1079572"/>
+              <a:gd name="connsiteX2" fmla="*/ 3586865 w 3586865"/>
+              <a:gd name="connsiteY2" fmla="*/ 161363 h 1079572"/>
+              <a:gd name="connsiteX3" fmla="*/ 3581400 w 3586865"/>
+              <a:gd name="connsiteY3" fmla="*/ 949849 h 1079572"/>
+              <a:gd name="connsiteX4" fmla="*/ 3451677 w 3586865"/>
+              <a:gd name="connsiteY4" fmla="*/ 1079572 h 1079572"/>
+              <a:gd name="connsiteX5" fmla="*/ 129723 w 3586865"/>
+              <a:gd name="connsiteY5" fmla="*/ 1079572 h 1079572"/>
+              <a:gd name="connsiteX6" fmla="*/ 0 w 3586865"/>
+              <a:gd name="connsiteY6" fmla="*/ 949849 h 1079572"/>
+              <a:gd name="connsiteX7" fmla="*/ 0 w 3586865"/>
+              <a:gd name="connsiteY7" fmla="*/ 30529 h 1079572"/>
+              <a:gd name="connsiteX0" fmla="*/ 125730 w 3586865"/>
+              <a:gd name="connsiteY0" fmla="*/ 494006 h 918209"/>
+              <a:gd name="connsiteX1" fmla="*/ 1468505 w 3586865"/>
+              <a:gd name="connsiteY1" fmla="*/ 304800 h 918209"/>
+              <a:gd name="connsiteX2" fmla="*/ 3586865 w 3586865"/>
+              <a:gd name="connsiteY2" fmla="*/ 0 h 918209"/>
+              <a:gd name="connsiteX3" fmla="*/ 3581400 w 3586865"/>
+              <a:gd name="connsiteY3" fmla="*/ 788486 h 918209"/>
+              <a:gd name="connsiteX4" fmla="*/ 3451677 w 3586865"/>
+              <a:gd name="connsiteY4" fmla="*/ 918209 h 918209"/>
+              <a:gd name="connsiteX5" fmla="*/ 129723 w 3586865"/>
+              <a:gd name="connsiteY5" fmla="*/ 918209 h 918209"/>
+              <a:gd name="connsiteX6" fmla="*/ 0 w 3586865"/>
+              <a:gd name="connsiteY6" fmla="*/ 788486 h 918209"/>
+              <a:gd name="connsiteX7" fmla="*/ 125730 w 3586865"/>
+              <a:gd name="connsiteY7" fmla="*/ 494006 h 918209"/>
+              <a:gd name="connsiteX0" fmla="*/ 388620 w 3586865"/>
+              <a:gd name="connsiteY0" fmla="*/ 520676 h 918209"/>
+              <a:gd name="connsiteX1" fmla="*/ 1468505 w 3586865"/>
+              <a:gd name="connsiteY1" fmla="*/ 304800 h 918209"/>
+              <a:gd name="connsiteX2" fmla="*/ 3586865 w 3586865"/>
+              <a:gd name="connsiteY2" fmla="*/ 0 h 918209"/>
+              <a:gd name="connsiteX3" fmla="*/ 3581400 w 3586865"/>
+              <a:gd name="connsiteY3" fmla="*/ 788486 h 918209"/>
+              <a:gd name="connsiteX4" fmla="*/ 3451677 w 3586865"/>
+              <a:gd name="connsiteY4" fmla="*/ 918209 h 918209"/>
+              <a:gd name="connsiteX5" fmla="*/ 129723 w 3586865"/>
+              <a:gd name="connsiteY5" fmla="*/ 918209 h 918209"/>
+              <a:gd name="connsiteX6" fmla="*/ 0 w 3586865"/>
+              <a:gd name="connsiteY6" fmla="*/ 788486 h 918209"/>
+              <a:gd name="connsiteX7" fmla="*/ 388620 w 3586865"/>
+              <a:gd name="connsiteY7" fmla="*/ 520676 h 918209"/>
+              <a:gd name="connsiteX0" fmla="*/ 388620 w 3586865"/>
+              <a:gd name="connsiteY0" fmla="*/ 520676 h 918209"/>
+              <a:gd name="connsiteX1" fmla="*/ 1468505 w 3586865"/>
+              <a:gd name="connsiteY1" fmla="*/ 304800 h 918209"/>
+              <a:gd name="connsiteX2" fmla="*/ 3586865 w 3586865"/>
+              <a:gd name="connsiteY2" fmla="*/ 0 h 918209"/>
+              <a:gd name="connsiteX3" fmla="*/ 3581400 w 3586865"/>
+              <a:gd name="connsiteY3" fmla="*/ 788486 h 918209"/>
+              <a:gd name="connsiteX4" fmla="*/ 3451677 w 3586865"/>
+              <a:gd name="connsiteY4" fmla="*/ 918209 h 918209"/>
+              <a:gd name="connsiteX5" fmla="*/ 129723 w 3586865"/>
+              <a:gd name="connsiteY5" fmla="*/ 918209 h 918209"/>
+              <a:gd name="connsiteX6" fmla="*/ 0 w 3586865"/>
+              <a:gd name="connsiteY6" fmla="*/ 788486 h 918209"/>
+              <a:gd name="connsiteX7" fmla="*/ 388620 w 3586865"/>
+              <a:gd name="connsiteY7" fmla="*/ 520676 h 918209"/>
+              <a:gd name="connsiteX0" fmla="*/ 388620 w 3586865"/>
+              <a:gd name="connsiteY0" fmla="*/ 520676 h 918209"/>
+              <a:gd name="connsiteX1" fmla="*/ 1468505 w 3586865"/>
+              <a:gd name="connsiteY1" fmla="*/ 304800 h 918209"/>
+              <a:gd name="connsiteX2" fmla="*/ 3586865 w 3586865"/>
+              <a:gd name="connsiteY2" fmla="*/ 0 h 918209"/>
+              <a:gd name="connsiteX3" fmla="*/ 3581400 w 3586865"/>
+              <a:gd name="connsiteY3" fmla="*/ 788486 h 918209"/>
+              <a:gd name="connsiteX4" fmla="*/ 3451677 w 3586865"/>
+              <a:gd name="connsiteY4" fmla="*/ 918209 h 918209"/>
+              <a:gd name="connsiteX5" fmla="*/ 129723 w 3586865"/>
+              <a:gd name="connsiteY5" fmla="*/ 918209 h 918209"/>
+              <a:gd name="connsiteX6" fmla="*/ 0 w 3586865"/>
+              <a:gd name="connsiteY6" fmla="*/ 788486 h 918209"/>
+              <a:gd name="connsiteX7" fmla="*/ 388620 w 3586865"/>
+              <a:gd name="connsiteY7" fmla="*/ 520676 h 918209"/>
+              <a:gd name="connsiteX0" fmla="*/ 388620 w 3586865"/>
+              <a:gd name="connsiteY0" fmla="*/ 520676 h 918209"/>
+              <a:gd name="connsiteX1" fmla="*/ 1468505 w 3586865"/>
+              <a:gd name="connsiteY1" fmla="*/ 304800 h 918209"/>
+              <a:gd name="connsiteX2" fmla="*/ 3586865 w 3586865"/>
+              <a:gd name="connsiteY2" fmla="*/ 0 h 918209"/>
+              <a:gd name="connsiteX3" fmla="*/ 3581400 w 3586865"/>
+              <a:gd name="connsiteY3" fmla="*/ 788486 h 918209"/>
+              <a:gd name="connsiteX4" fmla="*/ 3451677 w 3586865"/>
+              <a:gd name="connsiteY4" fmla="*/ 918209 h 918209"/>
+              <a:gd name="connsiteX5" fmla="*/ 129723 w 3586865"/>
+              <a:gd name="connsiteY5" fmla="*/ 918209 h 918209"/>
+              <a:gd name="connsiteX6" fmla="*/ 0 w 3586865"/>
+              <a:gd name="connsiteY6" fmla="*/ 788486 h 918209"/>
+              <a:gd name="connsiteX7" fmla="*/ 388620 w 3586865"/>
+              <a:gd name="connsiteY7" fmla="*/ 520676 h 918209"/>
+              <a:gd name="connsiteX0" fmla="*/ 388620 w 3586865"/>
+              <a:gd name="connsiteY0" fmla="*/ 520676 h 918209"/>
+              <a:gd name="connsiteX1" fmla="*/ 1468505 w 3586865"/>
+              <a:gd name="connsiteY1" fmla="*/ 304800 h 918209"/>
+              <a:gd name="connsiteX2" fmla="*/ 3586865 w 3586865"/>
+              <a:gd name="connsiteY2" fmla="*/ 0 h 918209"/>
+              <a:gd name="connsiteX3" fmla="*/ 3581400 w 3586865"/>
+              <a:gd name="connsiteY3" fmla="*/ 788486 h 918209"/>
+              <a:gd name="connsiteX4" fmla="*/ 3451677 w 3586865"/>
+              <a:gd name="connsiteY4" fmla="*/ 918209 h 918209"/>
+              <a:gd name="connsiteX5" fmla="*/ 129723 w 3586865"/>
+              <a:gd name="connsiteY5" fmla="*/ 918209 h 918209"/>
+              <a:gd name="connsiteX6" fmla="*/ 0 w 3586865"/>
+              <a:gd name="connsiteY6" fmla="*/ 788486 h 918209"/>
+              <a:gd name="connsiteX7" fmla="*/ 388620 w 3586865"/>
+              <a:gd name="connsiteY7" fmla="*/ 520676 h 918209"/>
+              <a:gd name="connsiteX0" fmla="*/ 388620 w 3581400"/>
+              <a:gd name="connsiteY0" fmla="*/ 215876 h 613409"/>
+              <a:gd name="connsiteX1" fmla="*/ 1468505 w 3581400"/>
+              <a:gd name="connsiteY1" fmla="*/ 0 h 613409"/>
+              <a:gd name="connsiteX2" fmla="*/ 3581400 w 3581400"/>
+              <a:gd name="connsiteY2" fmla="*/ 483686 h 613409"/>
+              <a:gd name="connsiteX3" fmla="*/ 3451677 w 3581400"/>
+              <a:gd name="connsiteY3" fmla="*/ 613409 h 613409"/>
+              <a:gd name="connsiteX4" fmla="*/ 129723 w 3581400"/>
+              <a:gd name="connsiteY4" fmla="*/ 613409 h 613409"/>
+              <a:gd name="connsiteX5" fmla="*/ 0 w 3581400"/>
+              <a:gd name="connsiteY5" fmla="*/ 483686 h 613409"/>
+              <a:gd name="connsiteX6" fmla="*/ 388620 w 3581400"/>
+              <a:gd name="connsiteY6" fmla="*/ 215876 h 613409"/>
+              <a:gd name="connsiteX0" fmla="*/ 388620 w 3581400"/>
+              <a:gd name="connsiteY0" fmla="*/ 112613 h 510146"/>
+              <a:gd name="connsiteX1" fmla="*/ 2315849 w 3581400"/>
+              <a:gd name="connsiteY1" fmla="*/ 369 h 510146"/>
+              <a:gd name="connsiteX2" fmla="*/ 3581400 w 3581400"/>
+              <a:gd name="connsiteY2" fmla="*/ 380423 h 510146"/>
+              <a:gd name="connsiteX3" fmla="*/ 3451677 w 3581400"/>
+              <a:gd name="connsiteY3" fmla="*/ 510146 h 510146"/>
+              <a:gd name="connsiteX4" fmla="*/ 129723 w 3581400"/>
+              <a:gd name="connsiteY4" fmla="*/ 510146 h 510146"/>
+              <a:gd name="connsiteX5" fmla="*/ 0 w 3581400"/>
+              <a:gd name="connsiteY5" fmla="*/ 380423 h 510146"/>
+              <a:gd name="connsiteX6" fmla="*/ 388620 w 3581400"/>
+              <a:gd name="connsiteY6" fmla="*/ 112613 h 510146"/>
+              <a:gd name="connsiteX0" fmla="*/ 388620 w 3581400"/>
+              <a:gd name="connsiteY0" fmla="*/ 154916 h 552449"/>
+              <a:gd name="connsiteX1" fmla="*/ 2224409 w 3581400"/>
+              <a:gd name="connsiteY1" fmla="*/ 0 h 552449"/>
+              <a:gd name="connsiteX2" fmla="*/ 3581400 w 3581400"/>
+              <a:gd name="connsiteY2" fmla="*/ 422726 h 552449"/>
+              <a:gd name="connsiteX3" fmla="*/ 3451677 w 3581400"/>
+              <a:gd name="connsiteY3" fmla="*/ 552449 h 552449"/>
+              <a:gd name="connsiteX4" fmla="*/ 129723 w 3581400"/>
+              <a:gd name="connsiteY4" fmla="*/ 552449 h 552449"/>
+              <a:gd name="connsiteX5" fmla="*/ 0 w 3581400"/>
+              <a:gd name="connsiteY5" fmla="*/ 422726 h 552449"/>
+              <a:gd name="connsiteX6" fmla="*/ 388620 w 3581400"/>
+              <a:gd name="connsiteY6" fmla="*/ 154916 h 552449"/>
+              <a:gd name="connsiteX0" fmla="*/ 388620 w 3581400"/>
+              <a:gd name="connsiteY0" fmla="*/ 154916 h 552449"/>
+              <a:gd name="connsiteX1" fmla="*/ 2224409 w 3581400"/>
+              <a:gd name="connsiteY1" fmla="*/ 0 h 552449"/>
+              <a:gd name="connsiteX2" fmla="*/ 3581400 w 3581400"/>
+              <a:gd name="connsiteY2" fmla="*/ 422726 h 552449"/>
+              <a:gd name="connsiteX3" fmla="*/ 3451677 w 3581400"/>
+              <a:gd name="connsiteY3" fmla="*/ 552449 h 552449"/>
+              <a:gd name="connsiteX4" fmla="*/ 0 w 3581400"/>
+              <a:gd name="connsiteY4" fmla="*/ 422726 h 552449"/>
+              <a:gd name="connsiteX5" fmla="*/ 388620 w 3581400"/>
+              <a:gd name="connsiteY5" fmla="*/ 154916 h 552449"/>
+              <a:gd name="connsiteX0" fmla="*/ 388620 w 3581400"/>
+              <a:gd name="connsiteY0" fmla="*/ 154916 h 654374"/>
+              <a:gd name="connsiteX1" fmla="*/ 2224409 w 3581400"/>
+              <a:gd name="connsiteY1" fmla="*/ 0 h 654374"/>
+              <a:gd name="connsiteX2" fmla="*/ 3581400 w 3581400"/>
+              <a:gd name="connsiteY2" fmla="*/ 422726 h 654374"/>
+              <a:gd name="connsiteX3" fmla="*/ 3451677 w 3581400"/>
+              <a:gd name="connsiteY3" fmla="*/ 552449 h 654374"/>
+              <a:gd name="connsiteX4" fmla="*/ 0 w 3581400"/>
+              <a:gd name="connsiteY4" fmla="*/ 654374 h 654374"/>
+              <a:gd name="connsiteX5" fmla="*/ 388620 w 3581400"/>
+              <a:gd name="connsiteY5" fmla="*/ 154916 h 654374"/>
+            </a:gdLst>
+            <a:ahLst/>
+            <a:cxnLst>
+              <a:cxn ang="0">
+                <a:pos x="connsiteX0" y="connsiteY0"/>
+              </a:cxn>
+              <a:cxn ang="0">
+                <a:pos x="connsiteX1" y="connsiteY1"/>
+              </a:cxn>
+              <a:cxn ang="0">
+                <a:pos x="connsiteX2" y="connsiteY2"/>
+              </a:cxn>
+              <a:cxn ang="0">
+                <a:pos x="connsiteX3" y="connsiteY3"/>
+              </a:cxn>
+              <a:cxn ang="0">
+                <a:pos x="connsiteX4" y="connsiteY4"/>
+              </a:cxn>
+              <a:cxn ang="0">
+                <a:pos x="connsiteX5" y="connsiteY5"/>
+              </a:cxn>
+            </a:cxnLst>
+            <a:rect l="l" t="t" r="r" b="b"/>
+            <a:pathLst>
+              <a:path w="3581400" h="654374">
+                <a:moveTo>
+                  <a:pt x="388620" y="154916"/>
+                </a:moveTo>
+                <a:cubicBezTo>
+                  <a:pt x="696236" y="-15868"/>
+                  <a:pt x="1872978" y="22009"/>
+                  <a:pt x="2224409" y="0"/>
+                </a:cubicBezTo>
+                <a:cubicBezTo>
+                  <a:pt x="2756539" y="44635"/>
+                  <a:pt x="3250871" y="320491"/>
+                  <a:pt x="3581400" y="422726"/>
+                </a:cubicBezTo>
+                <a:cubicBezTo>
+                  <a:pt x="3581400" y="494370"/>
+                  <a:pt x="3523321" y="552449"/>
+                  <a:pt x="3451677" y="552449"/>
+                </a:cubicBezTo>
+                <a:lnTo>
+                  <a:pt x="0" y="654374"/>
+                </a:lnTo>
+                <a:cubicBezTo>
+                  <a:pt x="72390" y="473664"/>
+                  <a:pt x="163830" y="236566"/>
+                  <a:pt x="388620" y="154916"/>
+                </a:cubicBezTo>
+                <a:close/>
+              </a:path>
+            </a:pathLst>
+          </a:custGeom>
+          <a:solidFill>
+            <a:srgbClr val="78547B"/>
+          </a:solidFill>
+          <a:ln>
+            <a:solidFill>
+              <a:srgbClr val="002060"/>
+            </a:solidFill>
+          </a:ln>
+        </p:spPr>
+        <p:style>
+          <a:lnRef idx="2">
+            <a:schemeClr val="accent1">
+              <a:shade val="50000"/>
+            </a:schemeClr>
+          </a:lnRef>
+          <a:fillRef idx="1">
+            <a:schemeClr val="accent1"/>
+          </a:fillRef>
+          <a:effectRef idx="0">
+            <a:schemeClr val="accent1"/>
+          </a:effectRef>
+          <a:fontRef idx="minor">
+            <a:schemeClr val="lt1"/>
+          </a:fontRef>
+        </p:style>
+        <p:txBody>
+          <a:bodyPr rtlCol="0" anchor="ctr"/>
+          <a:lstStyle/>
+          <a:p>
+            <a:pPr algn="ctr"/>
+            <a:endParaRPr lang="ko-KR" altLang="en-US"/>
+          </a:p>
+        </p:txBody>
+      </p:sp>
+      <p:sp>
+        <p:nvSpPr>
+          <p:cNvPr id="8" name="모서리가 둥근 직사각형 7"/>
+          <p:cNvSpPr/>
+          <p:nvPr/>
+        </p:nvSpPr>
+        <p:spPr>
+          <a:xfrm>
+            <a:off x="470785" y="2282190"/>
+            <a:ext cx="3586865" cy="918209"/>
+          </a:xfrm>
+          <a:custGeom>
+            <a:avLst/>
+            <a:gdLst>
+              <a:gd name="connsiteX0" fmla="*/ 0 w 3581400"/>
+              <a:gd name="connsiteY0" fmla="*/ 129723 h 1178766"/>
+              <a:gd name="connsiteX1" fmla="*/ 129723 w 3581400"/>
+              <a:gd name="connsiteY1" fmla="*/ 0 h 1178766"/>
+              <a:gd name="connsiteX2" fmla="*/ 3451677 w 3581400"/>
+              <a:gd name="connsiteY2" fmla="*/ 0 h 1178766"/>
+              <a:gd name="connsiteX3" fmla="*/ 3581400 w 3581400"/>
+              <a:gd name="connsiteY3" fmla="*/ 129723 h 1178766"/>
+              <a:gd name="connsiteX4" fmla="*/ 3581400 w 3581400"/>
+              <a:gd name="connsiteY4" fmla="*/ 1049043 h 1178766"/>
+              <a:gd name="connsiteX5" fmla="*/ 3451677 w 3581400"/>
+              <a:gd name="connsiteY5" fmla="*/ 1178766 h 1178766"/>
+              <a:gd name="connsiteX6" fmla="*/ 129723 w 3581400"/>
+              <a:gd name="connsiteY6" fmla="*/ 1178766 h 1178766"/>
+              <a:gd name="connsiteX7" fmla="*/ 0 w 3581400"/>
+              <a:gd name="connsiteY7" fmla="*/ 1049043 h 1178766"/>
+              <a:gd name="connsiteX8" fmla="*/ 0 w 3581400"/>
+              <a:gd name="connsiteY8" fmla="*/ 129723 h 1178766"/>
+              <a:gd name="connsiteX0" fmla="*/ 0 w 3581400"/>
+              <a:gd name="connsiteY0" fmla="*/ 129723 h 1178766"/>
+              <a:gd name="connsiteX1" fmla="*/ 129723 w 3581400"/>
+              <a:gd name="connsiteY1" fmla="*/ 0 h 1178766"/>
+              <a:gd name="connsiteX2" fmla="*/ 1319915 w 3581400"/>
+              <a:gd name="connsiteY2" fmla="*/ 1477 h 1178766"/>
+              <a:gd name="connsiteX3" fmla="*/ 3451677 w 3581400"/>
+              <a:gd name="connsiteY3" fmla="*/ 0 h 1178766"/>
+              <a:gd name="connsiteX4" fmla="*/ 3581400 w 3581400"/>
+              <a:gd name="connsiteY4" fmla="*/ 129723 h 1178766"/>
+              <a:gd name="connsiteX5" fmla="*/ 3581400 w 3581400"/>
+              <a:gd name="connsiteY5" fmla="*/ 1049043 h 1178766"/>
+              <a:gd name="connsiteX6" fmla="*/ 3451677 w 3581400"/>
+              <a:gd name="connsiteY6" fmla="*/ 1178766 h 1178766"/>
+              <a:gd name="connsiteX7" fmla="*/ 129723 w 3581400"/>
+              <a:gd name="connsiteY7" fmla="*/ 1178766 h 1178766"/>
+              <a:gd name="connsiteX8" fmla="*/ 0 w 3581400"/>
+              <a:gd name="connsiteY8" fmla="*/ 1049043 h 1178766"/>
+              <a:gd name="connsiteX9" fmla="*/ 0 w 3581400"/>
+              <a:gd name="connsiteY9" fmla="*/ 129723 h 1178766"/>
+              <a:gd name="connsiteX0" fmla="*/ 0 w 3581400"/>
+              <a:gd name="connsiteY0" fmla="*/ 129723 h 1178766"/>
+              <a:gd name="connsiteX1" fmla="*/ 129723 w 3581400"/>
+              <a:gd name="connsiteY1" fmla="*/ 0 h 1178766"/>
+              <a:gd name="connsiteX2" fmla="*/ 1319915 w 3581400"/>
+              <a:gd name="connsiteY2" fmla="*/ 1477 h 1178766"/>
+              <a:gd name="connsiteX3" fmla="*/ 3030605 w 3581400"/>
+              <a:gd name="connsiteY3" fmla="*/ 1477 h 1178766"/>
+              <a:gd name="connsiteX4" fmla="*/ 3451677 w 3581400"/>
+              <a:gd name="connsiteY4" fmla="*/ 0 h 1178766"/>
+              <a:gd name="connsiteX5" fmla="*/ 3581400 w 3581400"/>
+              <a:gd name="connsiteY5" fmla="*/ 129723 h 1178766"/>
+              <a:gd name="connsiteX6" fmla="*/ 3581400 w 3581400"/>
+              <a:gd name="connsiteY6" fmla="*/ 1049043 h 1178766"/>
+              <a:gd name="connsiteX7" fmla="*/ 3451677 w 3581400"/>
+              <a:gd name="connsiteY7" fmla="*/ 1178766 h 1178766"/>
+              <a:gd name="connsiteX8" fmla="*/ 129723 w 3581400"/>
+              <a:gd name="connsiteY8" fmla="*/ 1178766 h 1178766"/>
+              <a:gd name="connsiteX9" fmla="*/ 0 w 3581400"/>
+              <a:gd name="connsiteY9" fmla="*/ 1049043 h 1178766"/>
+              <a:gd name="connsiteX10" fmla="*/ 0 w 3581400"/>
+              <a:gd name="connsiteY10" fmla="*/ 129723 h 1178766"/>
+              <a:gd name="connsiteX0" fmla="*/ 0 w 3581400"/>
+              <a:gd name="connsiteY0" fmla="*/ 132056 h 1181099"/>
+              <a:gd name="connsiteX1" fmla="*/ 129723 w 3581400"/>
+              <a:gd name="connsiteY1" fmla="*/ 2333 h 1181099"/>
+              <a:gd name="connsiteX2" fmla="*/ 1319915 w 3581400"/>
+              <a:gd name="connsiteY2" fmla="*/ 3810 h 1181099"/>
+              <a:gd name="connsiteX3" fmla="*/ 2108585 w 3581400"/>
+              <a:gd name="connsiteY3" fmla="*/ 0 h 1181099"/>
+              <a:gd name="connsiteX4" fmla="*/ 3030605 w 3581400"/>
+              <a:gd name="connsiteY4" fmla="*/ 3810 h 1181099"/>
+              <a:gd name="connsiteX5" fmla="*/ 3451677 w 3581400"/>
+              <a:gd name="connsiteY5" fmla="*/ 2333 h 1181099"/>
+              <a:gd name="connsiteX6" fmla="*/ 3581400 w 3581400"/>
+              <a:gd name="connsiteY6" fmla="*/ 132056 h 1181099"/>
+              <a:gd name="connsiteX7" fmla="*/ 3581400 w 3581400"/>
+              <a:gd name="connsiteY7" fmla="*/ 1051376 h 1181099"/>
+              <a:gd name="connsiteX8" fmla="*/ 3451677 w 3581400"/>
+              <a:gd name="connsiteY8" fmla="*/ 1181099 h 1181099"/>
+              <a:gd name="connsiteX9" fmla="*/ 129723 w 3581400"/>
+              <a:gd name="connsiteY9" fmla="*/ 1181099 h 1181099"/>
+              <a:gd name="connsiteX10" fmla="*/ 0 w 3581400"/>
+              <a:gd name="connsiteY10" fmla="*/ 1051376 h 1181099"/>
+              <a:gd name="connsiteX11" fmla="*/ 0 w 3581400"/>
+              <a:gd name="connsiteY11" fmla="*/ 132056 h 1181099"/>
+              <a:gd name="connsiteX0" fmla="*/ 0 w 3581400"/>
+              <a:gd name="connsiteY0" fmla="*/ 132056 h 1181099"/>
+              <a:gd name="connsiteX1" fmla="*/ 129723 w 3581400"/>
+              <a:gd name="connsiteY1" fmla="*/ 2333 h 1181099"/>
+              <a:gd name="connsiteX2" fmla="*/ 706505 w 3581400"/>
+              <a:gd name="connsiteY2" fmla="*/ 3811 h 1181099"/>
+              <a:gd name="connsiteX3" fmla="*/ 1319915 w 3581400"/>
+              <a:gd name="connsiteY3" fmla="*/ 3810 h 1181099"/>
+              <a:gd name="connsiteX4" fmla="*/ 2108585 w 3581400"/>
+              <a:gd name="connsiteY4" fmla="*/ 0 h 1181099"/>
+              <a:gd name="connsiteX5" fmla="*/ 3030605 w 3581400"/>
+              <a:gd name="connsiteY5" fmla="*/ 3810 h 1181099"/>
+              <a:gd name="connsiteX6" fmla="*/ 3451677 w 3581400"/>
+              <a:gd name="connsiteY6" fmla="*/ 2333 h 1181099"/>
+              <a:gd name="connsiteX7" fmla="*/ 3581400 w 3581400"/>
+              <a:gd name="connsiteY7" fmla="*/ 132056 h 1181099"/>
+              <a:gd name="connsiteX8" fmla="*/ 3581400 w 3581400"/>
+              <a:gd name="connsiteY8" fmla="*/ 1051376 h 1181099"/>
+              <a:gd name="connsiteX9" fmla="*/ 3451677 w 3581400"/>
+              <a:gd name="connsiteY9" fmla="*/ 1181099 h 1181099"/>
+              <a:gd name="connsiteX10" fmla="*/ 129723 w 3581400"/>
+              <a:gd name="connsiteY10" fmla="*/ 1181099 h 1181099"/>
+              <a:gd name="connsiteX11" fmla="*/ 0 w 3581400"/>
+              <a:gd name="connsiteY11" fmla="*/ 1051376 h 1181099"/>
+              <a:gd name="connsiteX12" fmla="*/ 0 w 3581400"/>
+              <a:gd name="connsiteY12" fmla="*/ 132056 h 1181099"/>
+              <a:gd name="connsiteX0" fmla="*/ 0 w 3581400"/>
+              <a:gd name="connsiteY0" fmla="*/ 132056 h 1181099"/>
+              <a:gd name="connsiteX1" fmla="*/ 706505 w 3581400"/>
+              <a:gd name="connsiteY1" fmla="*/ 3811 h 1181099"/>
+              <a:gd name="connsiteX2" fmla="*/ 1319915 w 3581400"/>
+              <a:gd name="connsiteY2" fmla="*/ 3810 h 1181099"/>
+              <a:gd name="connsiteX3" fmla="*/ 2108585 w 3581400"/>
+              <a:gd name="connsiteY3" fmla="*/ 0 h 1181099"/>
+              <a:gd name="connsiteX4" fmla="*/ 3030605 w 3581400"/>
+              <a:gd name="connsiteY4" fmla="*/ 3810 h 1181099"/>
+              <a:gd name="connsiteX5" fmla="*/ 3451677 w 3581400"/>
+              <a:gd name="connsiteY5" fmla="*/ 2333 h 1181099"/>
+              <a:gd name="connsiteX6" fmla="*/ 3581400 w 3581400"/>
+              <a:gd name="connsiteY6" fmla="*/ 132056 h 1181099"/>
+              <a:gd name="connsiteX7" fmla="*/ 3581400 w 3581400"/>
+              <a:gd name="connsiteY7" fmla="*/ 1051376 h 1181099"/>
+              <a:gd name="connsiteX8" fmla="*/ 3451677 w 3581400"/>
+              <a:gd name="connsiteY8" fmla="*/ 1181099 h 1181099"/>
+              <a:gd name="connsiteX9" fmla="*/ 129723 w 3581400"/>
+              <a:gd name="connsiteY9" fmla="*/ 1181099 h 1181099"/>
+              <a:gd name="connsiteX10" fmla="*/ 0 w 3581400"/>
+              <a:gd name="connsiteY10" fmla="*/ 1051376 h 1181099"/>
+              <a:gd name="connsiteX11" fmla="*/ 0 w 3581400"/>
+              <a:gd name="connsiteY11" fmla="*/ 132056 h 1181099"/>
+              <a:gd name="connsiteX0" fmla="*/ 0 w 3581400"/>
+              <a:gd name="connsiteY0" fmla="*/ 132056 h 1181099"/>
+              <a:gd name="connsiteX1" fmla="*/ 1319915 w 3581400"/>
+              <a:gd name="connsiteY1" fmla="*/ 3810 h 1181099"/>
+              <a:gd name="connsiteX2" fmla="*/ 2108585 w 3581400"/>
+              <a:gd name="connsiteY2" fmla="*/ 0 h 1181099"/>
+              <a:gd name="connsiteX3" fmla="*/ 3030605 w 3581400"/>
+              <a:gd name="connsiteY3" fmla="*/ 3810 h 1181099"/>
+              <a:gd name="connsiteX4" fmla="*/ 3451677 w 3581400"/>
+              <a:gd name="connsiteY4" fmla="*/ 2333 h 1181099"/>
+              <a:gd name="connsiteX5" fmla="*/ 3581400 w 3581400"/>
+              <a:gd name="connsiteY5" fmla="*/ 132056 h 1181099"/>
+              <a:gd name="connsiteX6" fmla="*/ 3581400 w 3581400"/>
+              <a:gd name="connsiteY6" fmla="*/ 1051376 h 1181099"/>
+              <a:gd name="connsiteX7" fmla="*/ 3451677 w 3581400"/>
+              <a:gd name="connsiteY7" fmla="*/ 1181099 h 1181099"/>
+              <a:gd name="connsiteX8" fmla="*/ 129723 w 3581400"/>
+              <a:gd name="connsiteY8" fmla="*/ 1181099 h 1181099"/>
+              <a:gd name="connsiteX9" fmla="*/ 0 w 3581400"/>
+              <a:gd name="connsiteY9" fmla="*/ 1051376 h 1181099"/>
+              <a:gd name="connsiteX10" fmla="*/ 0 w 3581400"/>
+              <a:gd name="connsiteY10" fmla="*/ 132056 h 1181099"/>
+              <a:gd name="connsiteX0" fmla="*/ 0 w 3581400"/>
+              <a:gd name="connsiteY0" fmla="*/ 132056 h 1181099"/>
+              <a:gd name="connsiteX1" fmla="*/ 1453265 w 3581400"/>
+              <a:gd name="connsiteY1" fmla="*/ 198120 h 1181099"/>
+              <a:gd name="connsiteX2" fmla="*/ 2108585 w 3581400"/>
+              <a:gd name="connsiteY2" fmla="*/ 0 h 1181099"/>
+              <a:gd name="connsiteX3" fmla="*/ 3030605 w 3581400"/>
+              <a:gd name="connsiteY3" fmla="*/ 3810 h 1181099"/>
+              <a:gd name="connsiteX4" fmla="*/ 3451677 w 3581400"/>
+              <a:gd name="connsiteY4" fmla="*/ 2333 h 1181099"/>
+              <a:gd name="connsiteX5" fmla="*/ 3581400 w 3581400"/>
+              <a:gd name="connsiteY5" fmla="*/ 132056 h 1181099"/>
+              <a:gd name="connsiteX6" fmla="*/ 3581400 w 3581400"/>
+              <a:gd name="connsiteY6" fmla="*/ 1051376 h 1181099"/>
+              <a:gd name="connsiteX7" fmla="*/ 3451677 w 3581400"/>
+              <a:gd name="connsiteY7" fmla="*/ 1181099 h 1181099"/>
+              <a:gd name="connsiteX8" fmla="*/ 129723 w 3581400"/>
+              <a:gd name="connsiteY8" fmla="*/ 1181099 h 1181099"/>
+              <a:gd name="connsiteX9" fmla="*/ 0 w 3581400"/>
+              <a:gd name="connsiteY9" fmla="*/ 1051376 h 1181099"/>
+              <a:gd name="connsiteX10" fmla="*/ 0 w 3581400"/>
+              <a:gd name="connsiteY10" fmla="*/ 132056 h 1181099"/>
+              <a:gd name="connsiteX0" fmla="*/ 0 w 3581400"/>
+              <a:gd name="connsiteY0" fmla="*/ 132056 h 1181099"/>
+              <a:gd name="connsiteX1" fmla="*/ 1377065 w 3581400"/>
+              <a:gd name="connsiteY1" fmla="*/ 567690 h 1181099"/>
+              <a:gd name="connsiteX2" fmla="*/ 2108585 w 3581400"/>
+              <a:gd name="connsiteY2" fmla="*/ 0 h 1181099"/>
+              <a:gd name="connsiteX3" fmla="*/ 3030605 w 3581400"/>
+              <a:gd name="connsiteY3" fmla="*/ 3810 h 1181099"/>
+              <a:gd name="connsiteX4" fmla="*/ 3451677 w 3581400"/>
+              <a:gd name="connsiteY4" fmla="*/ 2333 h 1181099"/>
+              <a:gd name="connsiteX5" fmla="*/ 3581400 w 3581400"/>
+              <a:gd name="connsiteY5" fmla="*/ 132056 h 1181099"/>
+              <a:gd name="connsiteX6" fmla="*/ 3581400 w 3581400"/>
+              <a:gd name="connsiteY6" fmla="*/ 1051376 h 1181099"/>
+              <a:gd name="connsiteX7" fmla="*/ 3451677 w 3581400"/>
+              <a:gd name="connsiteY7" fmla="*/ 1181099 h 1181099"/>
+              <a:gd name="connsiteX8" fmla="*/ 129723 w 3581400"/>
+              <a:gd name="connsiteY8" fmla="*/ 1181099 h 1181099"/>
+              <a:gd name="connsiteX9" fmla="*/ 0 w 3581400"/>
+              <a:gd name="connsiteY9" fmla="*/ 1051376 h 1181099"/>
+              <a:gd name="connsiteX10" fmla="*/ 0 w 3581400"/>
+              <a:gd name="connsiteY10" fmla="*/ 132056 h 1181099"/>
+              <a:gd name="connsiteX0" fmla="*/ 0 w 3581400"/>
+              <a:gd name="connsiteY0" fmla="*/ 132056 h 1181099"/>
+              <a:gd name="connsiteX1" fmla="*/ 1468505 w 3581400"/>
+              <a:gd name="connsiteY1" fmla="*/ 567690 h 1181099"/>
+              <a:gd name="connsiteX2" fmla="*/ 2108585 w 3581400"/>
+              <a:gd name="connsiteY2" fmla="*/ 0 h 1181099"/>
+              <a:gd name="connsiteX3" fmla="*/ 3030605 w 3581400"/>
+              <a:gd name="connsiteY3" fmla="*/ 3810 h 1181099"/>
+              <a:gd name="connsiteX4" fmla="*/ 3451677 w 3581400"/>
+              <a:gd name="connsiteY4" fmla="*/ 2333 h 1181099"/>
+              <a:gd name="connsiteX5" fmla="*/ 3581400 w 3581400"/>
+              <a:gd name="connsiteY5" fmla="*/ 132056 h 1181099"/>
+              <a:gd name="connsiteX6" fmla="*/ 3581400 w 3581400"/>
+              <a:gd name="connsiteY6" fmla="*/ 1051376 h 1181099"/>
+              <a:gd name="connsiteX7" fmla="*/ 3451677 w 3581400"/>
+              <a:gd name="connsiteY7" fmla="*/ 1181099 h 1181099"/>
+              <a:gd name="connsiteX8" fmla="*/ 129723 w 3581400"/>
+              <a:gd name="connsiteY8" fmla="*/ 1181099 h 1181099"/>
+              <a:gd name="connsiteX9" fmla="*/ 0 w 3581400"/>
+              <a:gd name="connsiteY9" fmla="*/ 1051376 h 1181099"/>
+              <a:gd name="connsiteX10" fmla="*/ 0 w 3581400"/>
+              <a:gd name="connsiteY10" fmla="*/ 132056 h 1181099"/>
+              <a:gd name="connsiteX0" fmla="*/ 0 w 3581400"/>
+              <a:gd name="connsiteY0" fmla="*/ 129723 h 1178766"/>
+              <a:gd name="connsiteX1" fmla="*/ 1468505 w 3581400"/>
+              <a:gd name="connsiteY1" fmla="*/ 565357 h 1178766"/>
+              <a:gd name="connsiteX2" fmla="*/ 3030605 w 3581400"/>
+              <a:gd name="connsiteY2" fmla="*/ 1477 h 1178766"/>
+              <a:gd name="connsiteX3" fmla="*/ 3451677 w 3581400"/>
+              <a:gd name="connsiteY3" fmla="*/ 0 h 1178766"/>
+              <a:gd name="connsiteX4" fmla="*/ 3581400 w 3581400"/>
+              <a:gd name="connsiteY4" fmla="*/ 129723 h 1178766"/>
+              <a:gd name="connsiteX5" fmla="*/ 3581400 w 3581400"/>
+              <a:gd name="connsiteY5" fmla="*/ 1049043 h 1178766"/>
+              <a:gd name="connsiteX6" fmla="*/ 3451677 w 3581400"/>
+              <a:gd name="connsiteY6" fmla="*/ 1178766 h 1178766"/>
+              <a:gd name="connsiteX7" fmla="*/ 129723 w 3581400"/>
+              <a:gd name="connsiteY7" fmla="*/ 1178766 h 1178766"/>
+              <a:gd name="connsiteX8" fmla="*/ 0 w 3581400"/>
+              <a:gd name="connsiteY8" fmla="*/ 1049043 h 1178766"/>
+              <a:gd name="connsiteX9" fmla="*/ 0 w 3581400"/>
+              <a:gd name="connsiteY9" fmla="*/ 129723 h 1178766"/>
+              <a:gd name="connsiteX0" fmla="*/ 0 w 3581400"/>
+              <a:gd name="connsiteY0" fmla="*/ 129723 h 1178766"/>
+              <a:gd name="connsiteX1" fmla="*/ 1468505 w 3581400"/>
+              <a:gd name="connsiteY1" fmla="*/ 565357 h 1178766"/>
+              <a:gd name="connsiteX2" fmla="*/ 2965835 w 3581400"/>
+              <a:gd name="connsiteY2" fmla="*/ 466297 h 1178766"/>
+              <a:gd name="connsiteX3" fmla="*/ 3451677 w 3581400"/>
+              <a:gd name="connsiteY3" fmla="*/ 0 h 1178766"/>
+              <a:gd name="connsiteX4" fmla="*/ 3581400 w 3581400"/>
+              <a:gd name="connsiteY4" fmla="*/ 129723 h 1178766"/>
+              <a:gd name="connsiteX5" fmla="*/ 3581400 w 3581400"/>
+              <a:gd name="connsiteY5" fmla="*/ 1049043 h 1178766"/>
+              <a:gd name="connsiteX6" fmla="*/ 3451677 w 3581400"/>
+              <a:gd name="connsiteY6" fmla="*/ 1178766 h 1178766"/>
+              <a:gd name="connsiteX7" fmla="*/ 129723 w 3581400"/>
+              <a:gd name="connsiteY7" fmla="*/ 1178766 h 1178766"/>
+              <a:gd name="connsiteX8" fmla="*/ 0 w 3581400"/>
+              <a:gd name="connsiteY8" fmla="*/ 1049043 h 1178766"/>
+              <a:gd name="connsiteX9" fmla="*/ 0 w 3581400"/>
+              <a:gd name="connsiteY9" fmla="*/ 129723 h 1178766"/>
+              <a:gd name="connsiteX0" fmla="*/ 0 w 3581400"/>
+              <a:gd name="connsiteY0" fmla="*/ 30529 h 1079572"/>
+              <a:gd name="connsiteX1" fmla="*/ 1468505 w 3581400"/>
+              <a:gd name="connsiteY1" fmla="*/ 466163 h 1079572"/>
+              <a:gd name="connsiteX2" fmla="*/ 2965835 w 3581400"/>
+              <a:gd name="connsiteY2" fmla="*/ 367103 h 1079572"/>
+              <a:gd name="connsiteX3" fmla="*/ 3581400 w 3581400"/>
+              <a:gd name="connsiteY3" fmla="*/ 30529 h 1079572"/>
+              <a:gd name="connsiteX4" fmla="*/ 3581400 w 3581400"/>
+              <a:gd name="connsiteY4" fmla="*/ 949849 h 1079572"/>
+              <a:gd name="connsiteX5" fmla="*/ 3451677 w 3581400"/>
+              <a:gd name="connsiteY5" fmla="*/ 1079572 h 1079572"/>
+              <a:gd name="connsiteX6" fmla="*/ 129723 w 3581400"/>
+              <a:gd name="connsiteY6" fmla="*/ 1079572 h 1079572"/>
+              <a:gd name="connsiteX7" fmla="*/ 0 w 3581400"/>
+              <a:gd name="connsiteY7" fmla="*/ 949849 h 1079572"/>
+              <a:gd name="connsiteX8" fmla="*/ 0 w 3581400"/>
+              <a:gd name="connsiteY8" fmla="*/ 30529 h 1079572"/>
+              <a:gd name="connsiteX0" fmla="*/ 0 w 3581400"/>
+              <a:gd name="connsiteY0" fmla="*/ 30529 h 1079572"/>
+              <a:gd name="connsiteX1" fmla="*/ 1468505 w 3581400"/>
+              <a:gd name="connsiteY1" fmla="*/ 466163 h 1079572"/>
+              <a:gd name="connsiteX2" fmla="*/ 2965835 w 3581400"/>
+              <a:gd name="connsiteY2" fmla="*/ 367103 h 1079572"/>
+              <a:gd name="connsiteX3" fmla="*/ 3581400 w 3581400"/>
+              <a:gd name="connsiteY3" fmla="*/ 949849 h 1079572"/>
+              <a:gd name="connsiteX4" fmla="*/ 3451677 w 3581400"/>
+              <a:gd name="connsiteY4" fmla="*/ 1079572 h 1079572"/>
+              <a:gd name="connsiteX5" fmla="*/ 129723 w 3581400"/>
+              <a:gd name="connsiteY5" fmla="*/ 1079572 h 1079572"/>
+              <a:gd name="connsiteX6" fmla="*/ 0 w 3581400"/>
+              <a:gd name="connsiteY6" fmla="*/ 949849 h 1079572"/>
+              <a:gd name="connsiteX7" fmla="*/ 0 w 3581400"/>
+              <a:gd name="connsiteY7" fmla="*/ 30529 h 1079572"/>
+              <a:gd name="connsiteX0" fmla="*/ 0 w 3586865"/>
+              <a:gd name="connsiteY0" fmla="*/ 30529 h 1079572"/>
+              <a:gd name="connsiteX1" fmla="*/ 1468505 w 3586865"/>
+              <a:gd name="connsiteY1" fmla="*/ 466163 h 1079572"/>
+              <a:gd name="connsiteX2" fmla="*/ 3586865 w 3586865"/>
+              <a:gd name="connsiteY2" fmla="*/ 161363 h 1079572"/>
+              <a:gd name="connsiteX3" fmla="*/ 3581400 w 3586865"/>
+              <a:gd name="connsiteY3" fmla="*/ 949849 h 1079572"/>
+              <a:gd name="connsiteX4" fmla="*/ 3451677 w 3586865"/>
+              <a:gd name="connsiteY4" fmla="*/ 1079572 h 1079572"/>
+              <a:gd name="connsiteX5" fmla="*/ 129723 w 3586865"/>
+              <a:gd name="connsiteY5" fmla="*/ 1079572 h 1079572"/>
+              <a:gd name="connsiteX6" fmla="*/ 0 w 3586865"/>
+              <a:gd name="connsiteY6" fmla="*/ 949849 h 1079572"/>
+              <a:gd name="connsiteX7" fmla="*/ 0 w 3586865"/>
+              <a:gd name="connsiteY7" fmla="*/ 30529 h 1079572"/>
+              <a:gd name="connsiteX0" fmla="*/ 0 w 3586865"/>
+              <a:gd name="connsiteY0" fmla="*/ 30529 h 1079572"/>
+              <a:gd name="connsiteX1" fmla="*/ 1468505 w 3586865"/>
+              <a:gd name="connsiteY1" fmla="*/ 466163 h 1079572"/>
+              <a:gd name="connsiteX2" fmla="*/ 3586865 w 3586865"/>
+              <a:gd name="connsiteY2" fmla="*/ 161363 h 1079572"/>
+              <a:gd name="connsiteX3" fmla="*/ 3581400 w 3586865"/>
+              <a:gd name="connsiteY3" fmla="*/ 949849 h 1079572"/>
+              <a:gd name="connsiteX4" fmla="*/ 3451677 w 3586865"/>
+              <a:gd name="connsiteY4" fmla="*/ 1079572 h 1079572"/>
+              <a:gd name="connsiteX5" fmla="*/ 129723 w 3586865"/>
+              <a:gd name="connsiteY5" fmla="*/ 1079572 h 1079572"/>
+              <a:gd name="connsiteX6" fmla="*/ 0 w 3586865"/>
+              <a:gd name="connsiteY6" fmla="*/ 949849 h 1079572"/>
+              <a:gd name="connsiteX7" fmla="*/ 0 w 3586865"/>
+              <a:gd name="connsiteY7" fmla="*/ 30529 h 1079572"/>
+              <a:gd name="connsiteX0" fmla="*/ 0 w 3586865"/>
+              <a:gd name="connsiteY0" fmla="*/ 30529 h 1079572"/>
+              <a:gd name="connsiteX1" fmla="*/ 1468505 w 3586865"/>
+              <a:gd name="connsiteY1" fmla="*/ 466163 h 1079572"/>
+              <a:gd name="connsiteX2" fmla="*/ 3586865 w 3586865"/>
+              <a:gd name="connsiteY2" fmla="*/ 161363 h 1079572"/>
+              <a:gd name="connsiteX3" fmla="*/ 3581400 w 3586865"/>
+              <a:gd name="connsiteY3" fmla="*/ 949849 h 1079572"/>
+              <a:gd name="connsiteX4" fmla="*/ 3451677 w 3586865"/>
+              <a:gd name="connsiteY4" fmla="*/ 1079572 h 1079572"/>
+              <a:gd name="connsiteX5" fmla="*/ 129723 w 3586865"/>
+              <a:gd name="connsiteY5" fmla="*/ 1079572 h 1079572"/>
+              <a:gd name="connsiteX6" fmla="*/ 0 w 3586865"/>
+              <a:gd name="connsiteY6" fmla="*/ 949849 h 1079572"/>
+              <a:gd name="connsiteX7" fmla="*/ 0 w 3586865"/>
+              <a:gd name="connsiteY7" fmla="*/ 30529 h 1079572"/>
+              <a:gd name="connsiteX0" fmla="*/ 125730 w 3586865"/>
+              <a:gd name="connsiteY0" fmla="*/ 494006 h 918209"/>
+              <a:gd name="connsiteX1" fmla="*/ 1468505 w 3586865"/>
+              <a:gd name="connsiteY1" fmla="*/ 304800 h 918209"/>
+              <a:gd name="connsiteX2" fmla="*/ 3586865 w 3586865"/>
+              <a:gd name="connsiteY2" fmla="*/ 0 h 918209"/>
+              <a:gd name="connsiteX3" fmla="*/ 3581400 w 3586865"/>
+              <a:gd name="connsiteY3" fmla="*/ 788486 h 918209"/>
+              <a:gd name="connsiteX4" fmla="*/ 3451677 w 3586865"/>
+              <a:gd name="connsiteY4" fmla="*/ 918209 h 918209"/>
+              <a:gd name="connsiteX5" fmla="*/ 129723 w 3586865"/>
+              <a:gd name="connsiteY5" fmla="*/ 918209 h 918209"/>
+              <a:gd name="connsiteX6" fmla="*/ 0 w 3586865"/>
+              <a:gd name="connsiteY6" fmla="*/ 788486 h 918209"/>
+              <a:gd name="connsiteX7" fmla="*/ 125730 w 3586865"/>
+              <a:gd name="connsiteY7" fmla="*/ 494006 h 918209"/>
+              <a:gd name="connsiteX0" fmla="*/ 388620 w 3586865"/>
+              <a:gd name="connsiteY0" fmla="*/ 520676 h 918209"/>
+              <a:gd name="connsiteX1" fmla="*/ 1468505 w 3586865"/>
+              <a:gd name="connsiteY1" fmla="*/ 304800 h 918209"/>
+              <a:gd name="connsiteX2" fmla="*/ 3586865 w 3586865"/>
+              <a:gd name="connsiteY2" fmla="*/ 0 h 918209"/>
+              <a:gd name="connsiteX3" fmla="*/ 3581400 w 3586865"/>
+              <a:gd name="connsiteY3" fmla="*/ 788486 h 918209"/>
+              <a:gd name="connsiteX4" fmla="*/ 3451677 w 3586865"/>
+              <a:gd name="connsiteY4" fmla="*/ 918209 h 918209"/>
+              <a:gd name="connsiteX5" fmla="*/ 129723 w 3586865"/>
+              <a:gd name="connsiteY5" fmla="*/ 918209 h 918209"/>
+              <a:gd name="connsiteX6" fmla="*/ 0 w 3586865"/>
+              <a:gd name="connsiteY6" fmla="*/ 788486 h 918209"/>
+              <a:gd name="connsiteX7" fmla="*/ 388620 w 3586865"/>
+              <a:gd name="connsiteY7" fmla="*/ 520676 h 918209"/>
+              <a:gd name="connsiteX0" fmla="*/ 388620 w 3586865"/>
+              <a:gd name="connsiteY0" fmla="*/ 520676 h 918209"/>
+              <a:gd name="connsiteX1" fmla="*/ 1468505 w 3586865"/>
+              <a:gd name="connsiteY1" fmla="*/ 304800 h 918209"/>
+              <a:gd name="connsiteX2" fmla="*/ 3586865 w 3586865"/>
+              <a:gd name="connsiteY2" fmla="*/ 0 h 918209"/>
+              <a:gd name="connsiteX3" fmla="*/ 3581400 w 3586865"/>
+              <a:gd name="connsiteY3" fmla="*/ 788486 h 918209"/>
+              <a:gd name="connsiteX4" fmla="*/ 3451677 w 3586865"/>
+              <a:gd name="connsiteY4" fmla="*/ 918209 h 918209"/>
+              <a:gd name="connsiteX5" fmla="*/ 129723 w 3586865"/>
+              <a:gd name="connsiteY5" fmla="*/ 918209 h 918209"/>
+              <a:gd name="connsiteX6" fmla="*/ 0 w 3586865"/>
+              <a:gd name="connsiteY6" fmla="*/ 788486 h 918209"/>
+              <a:gd name="connsiteX7" fmla="*/ 388620 w 3586865"/>
+              <a:gd name="connsiteY7" fmla="*/ 520676 h 918209"/>
+              <a:gd name="connsiteX0" fmla="*/ 388620 w 3586865"/>
+              <a:gd name="connsiteY0" fmla="*/ 520676 h 918209"/>
+              <a:gd name="connsiteX1" fmla="*/ 1468505 w 3586865"/>
+              <a:gd name="connsiteY1" fmla="*/ 304800 h 918209"/>
+              <a:gd name="connsiteX2" fmla="*/ 3586865 w 3586865"/>
+              <a:gd name="connsiteY2" fmla="*/ 0 h 918209"/>
+              <a:gd name="connsiteX3" fmla="*/ 3581400 w 3586865"/>
+              <a:gd name="connsiteY3" fmla="*/ 788486 h 918209"/>
+              <a:gd name="connsiteX4" fmla="*/ 3451677 w 3586865"/>
+              <a:gd name="connsiteY4" fmla="*/ 918209 h 918209"/>
+              <a:gd name="connsiteX5" fmla="*/ 129723 w 3586865"/>
+              <a:gd name="connsiteY5" fmla="*/ 918209 h 918209"/>
+              <a:gd name="connsiteX6" fmla="*/ 0 w 3586865"/>
+              <a:gd name="connsiteY6" fmla="*/ 788486 h 918209"/>
+              <a:gd name="connsiteX7" fmla="*/ 388620 w 3586865"/>
+              <a:gd name="connsiteY7" fmla="*/ 520676 h 918209"/>
+              <a:gd name="connsiteX0" fmla="*/ 388620 w 3586865"/>
+              <a:gd name="connsiteY0" fmla="*/ 520676 h 918209"/>
+              <a:gd name="connsiteX1" fmla="*/ 1468505 w 3586865"/>
+              <a:gd name="connsiteY1" fmla="*/ 304800 h 918209"/>
+              <a:gd name="connsiteX2" fmla="*/ 3586865 w 3586865"/>
+              <a:gd name="connsiteY2" fmla="*/ 0 h 918209"/>
+              <a:gd name="connsiteX3" fmla="*/ 3581400 w 3586865"/>
+              <a:gd name="connsiteY3" fmla="*/ 788486 h 918209"/>
+              <a:gd name="connsiteX4" fmla="*/ 3451677 w 3586865"/>
+              <a:gd name="connsiteY4" fmla="*/ 918209 h 918209"/>
+              <a:gd name="connsiteX5" fmla="*/ 129723 w 3586865"/>
+              <a:gd name="connsiteY5" fmla="*/ 918209 h 918209"/>
+              <a:gd name="connsiteX6" fmla="*/ 0 w 3586865"/>
+              <a:gd name="connsiteY6" fmla="*/ 788486 h 918209"/>
+              <a:gd name="connsiteX7" fmla="*/ 388620 w 3586865"/>
+              <a:gd name="connsiteY7" fmla="*/ 520676 h 918209"/>
+              <a:gd name="connsiteX0" fmla="*/ 388620 w 3586865"/>
+              <a:gd name="connsiteY0" fmla="*/ 520676 h 918209"/>
+              <a:gd name="connsiteX1" fmla="*/ 1468505 w 3586865"/>
+              <a:gd name="connsiteY1" fmla="*/ 304800 h 918209"/>
+              <a:gd name="connsiteX2" fmla="*/ 3586865 w 3586865"/>
+              <a:gd name="connsiteY2" fmla="*/ 0 h 918209"/>
+              <a:gd name="connsiteX3" fmla="*/ 3581400 w 3586865"/>
+              <a:gd name="connsiteY3" fmla="*/ 788486 h 918209"/>
+              <a:gd name="connsiteX4" fmla="*/ 3451677 w 3586865"/>
+              <a:gd name="connsiteY4" fmla="*/ 918209 h 918209"/>
+              <a:gd name="connsiteX5" fmla="*/ 129723 w 3586865"/>
+              <a:gd name="connsiteY5" fmla="*/ 918209 h 918209"/>
+              <a:gd name="connsiteX6" fmla="*/ 0 w 3586865"/>
+              <a:gd name="connsiteY6" fmla="*/ 788486 h 918209"/>
+              <a:gd name="connsiteX7" fmla="*/ 388620 w 3586865"/>
+              <a:gd name="connsiteY7" fmla="*/ 520676 h 918209"/>
+            </a:gdLst>
+            <a:ahLst/>
+            <a:cxnLst>
+              <a:cxn ang="0">
+                <a:pos x="connsiteX0" y="connsiteY0"/>
+              </a:cxn>
+              <a:cxn ang="0">
+                <a:pos x="connsiteX1" y="connsiteY1"/>
+              </a:cxn>
+              <a:cxn ang="0">
+                <a:pos x="connsiteX2" y="connsiteY2"/>
+              </a:cxn>
+              <a:cxn ang="0">
+                <a:pos x="connsiteX3" y="connsiteY3"/>
+              </a:cxn>
+              <a:cxn ang="0">
+                <a:pos x="connsiteX4" y="connsiteY4"/>
+              </a:cxn>
+              <a:cxn ang="0">
+                <a:pos x="connsiteX5" y="connsiteY5"/>
+              </a:cxn>
+              <a:cxn ang="0">
+                <a:pos x="connsiteX6" y="connsiteY6"/>
+              </a:cxn>
+              <a:cxn ang="0">
+                <a:pos x="connsiteX7" y="connsiteY7"/>
+              </a:cxn>
+            </a:cxnLst>
+            <a:rect l="l" t="t" r="r" b="b"/>
+            <a:pathLst>
+              <a:path w="3586865" h="918209">
+                <a:moveTo>
+                  <a:pt x="388620" y="520676"/>
+                </a:moveTo>
+                <a:cubicBezTo>
+                  <a:pt x="696236" y="349892"/>
+                  <a:pt x="1117074" y="326809"/>
+                  <a:pt x="1468505" y="304800"/>
+                </a:cubicBezTo>
+                <a:cubicBezTo>
+                  <a:pt x="2174625" y="203200"/>
+                  <a:pt x="2865505" y="417830"/>
+                  <a:pt x="3586865" y="0"/>
+                </a:cubicBezTo>
+                <a:cubicBezTo>
+                  <a:pt x="3585043" y="262829"/>
+                  <a:pt x="3583222" y="525657"/>
+                  <a:pt x="3581400" y="788486"/>
+                </a:cubicBezTo>
+                <a:cubicBezTo>
+                  <a:pt x="3581400" y="860130"/>
+                  <a:pt x="3523321" y="918209"/>
+                  <a:pt x="3451677" y="918209"/>
+                </a:cubicBezTo>
+                <a:lnTo>
+                  <a:pt x="129723" y="918209"/>
+                </a:lnTo>
+                <a:cubicBezTo>
+                  <a:pt x="58079" y="918209"/>
+                  <a:pt x="0" y="860130"/>
+                  <a:pt x="0" y="788486"/>
+                </a:cubicBezTo>
+                <a:cubicBezTo>
+                  <a:pt x="72390" y="607776"/>
+                  <a:pt x="163830" y="602326"/>
+                  <a:pt x="388620" y="520676"/>
+                </a:cubicBezTo>
+                <a:close/>
+              </a:path>
+            </a:pathLst>
+          </a:custGeom>
+          <a:solidFill>
+            <a:srgbClr val="473352"/>
+          </a:solidFill>
+          <a:ln>
+            <a:solidFill>
+              <a:srgbClr val="002060"/>
+            </a:solidFill>
+          </a:ln>
+        </p:spPr>
+        <p:style>
+          <a:lnRef idx="2">
+            <a:schemeClr val="accent1">
+              <a:shade val="50000"/>
+            </a:schemeClr>
+          </a:lnRef>
+          <a:fillRef idx="1">
+            <a:schemeClr val="accent1"/>
+          </a:fillRef>
+          <a:effectRef idx="0">
+            <a:schemeClr val="accent1"/>
+          </a:effectRef>
+          <a:fontRef idx="minor">
+            <a:schemeClr val="lt1"/>
+          </a:fontRef>
+        </p:style>
+        <p:txBody>
+          <a:bodyPr rtlCol="0" anchor="ctr"/>
+          <a:lstStyle/>
+          <a:p>
+            <a:pPr algn="ctr"/>
+            <a:endParaRPr lang="ko-KR" altLang="en-US"/>
+          </a:p>
+        </p:txBody>
+      </p:sp>
+      <p:pic>
+        <p:nvPicPr>
+          <p:cNvPr id="6" name="그림 5"/>
+          <p:cNvPicPr>
+            <a:picLocks noChangeAspect="1"/>
+          </p:cNvPicPr>
+          <p:nvPr/>
+        </p:nvPicPr>
+        <p:blipFill>
+          <a:blip r:embed="rId4">
+            <a:extLst>
+              <a:ext uri="{28A0092B-C50C-407E-A947-70E740481C1C}">
+                <a14:useLocalDpi xmlns:a14="http://schemas.microsoft.com/office/drawing/2010/main" val="0"/>
+              </a:ext>
+            </a:extLst>
+          </a:blip>
+          <a:stretch>
+            <a:fillRect/>
+          </a:stretch>
+        </p:blipFill>
+        <p:spPr>
+          <a:xfrm>
+            <a:off x="2563436" y="1316736"/>
+            <a:ext cx="1362615" cy="1875281"/>
+          </a:xfrm>
+          <a:prstGeom prst="rect">
+            <a:avLst/>
+          </a:prstGeom>
+        </p:spPr>
+      </p:pic>
+      <p:sp>
+        <p:nvSpPr>
+          <p:cNvPr id="11" name="모서리가 둥근 직사각형 10"/>
+          <p:cNvSpPr/>
+          <p:nvPr/>
+        </p:nvSpPr>
+        <p:spPr>
+          <a:xfrm>
+            <a:off x="470785" y="3031045"/>
+            <a:ext cx="3581400" cy="559499"/>
+          </a:xfrm>
+          <a:prstGeom prst="roundRect">
+            <a:avLst>
+              <a:gd name="adj" fmla="val 4864"/>
+            </a:avLst>
+          </a:prstGeom>
+          <a:solidFill>
+            <a:schemeClr val="tx1"/>
+          </a:solidFill>
+          <a:ln>
+            <a:solidFill>
+              <a:srgbClr val="002060"/>
+            </a:solidFill>
+          </a:ln>
+        </p:spPr>
+        <p:style>
+          <a:lnRef idx="2">
+            <a:schemeClr val="accent1">
+              <a:shade val="50000"/>
+            </a:schemeClr>
+          </a:lnRef>
+          <a:fillRef idx="1">
+            <a:schemeClr val="accent1"/>
+          </a:fillRef>
+          <a:effectRef idx="0">
+            <a:schemeClr val="accent1"/>
+          </a:effectRef>
+          <a:fontRef idx="minor">
+            <a:schemeClr val="lt1"/>
+          </a:fontRef>
+        </p:style>
+        <p:txBody>
+          <a:bodyPr rtlCol="0" anchor="ctr"/>
+          <a:lstStyle/>
+          <a:p>
+            <a:pPr algn="ctr"/>
+            <a:endParaRPr lang="ko-KR" altLang="en-US"/>
+          </a:p>
+        </p:txBody>
+      </p:sp>
+      <p:sp>
+        <p:nvSpPr>
+          <p:cNvPr id="12" name="모서리가 둥근 직사각형 11"/>
+          <p:cNvSpPr/>
+          <p:nvPr/>
+        </p:nvSpPr>
+        <p:spPr>
+          <a:xfrm>
+            <a:off x="470785" y="647700"/>
+            <a:ext cx="3581400" cy="533218"/>
+          </a:xfrm>
+          <a:prstGeom prst="roundRect">
+            <a:avLst>
+              <a:gd name="adj" fmla="val 4864"/>
+            </a:avLst>
+          </a:prstGeom>
+          <a:solidFill>
+            <a:schemeClr val="tx1"/>
+          </a:solidFill>
+          <a:ln>
+            <a:solidFill>
+              <a:srgbClr val="002060"/>
+            </a:solidFill>
+          </a:ln>
+        </p:spPr>
+        <p:style>
+          <a:lnRef idx="2">
+            <a:schemeClr val="accent1">
+              <a:shade val="50000"/>
+            </a:schemeClr>
+          </a:lnRef>
+          <a:fillRef idx="1">
+            <a:schemeClr val="accent1"/>
+          </a:fillRef>
+          <a:effectRef idx="0">
+            <a:schemeClr val="accent1"/>
+          </a:effectRef>
+          <a:fontRef idx="minor">
+            <a:schemeClr val="lt1"/>
+          </a:fontRef>
+        </p:style>
+        <p:txBody>
+          <a:bodyPr rtlCol="0" anchor="ctr"/>
+          <a:lstStyle/>
+          <a:p>
+            <a:pPr algn="ctr"/>
+            <a:endParaRPr lang="ko-KR" altLang="en-US"/>
+          </a:p>
+        </p:txBody>
+      </p:sp>
+      <p:sp>
+        <p:nvSpPr>
+          <p:cNvPr id="13" name="모서리가 둥근 직사각형 12"/>
+          <p:cNvSpPr/>
+          <p:nvPr/>
+        </p:nvSpPr>
+        <p:spPr>
+          <a:xfrm>
+            <a:off x="3114211" y="3104197"/>
+            <a:ext cx="874907" cy="413195"/>
+          </a:xfrm>
+          <a:prstGeom prst="roundRect">
+            <a:avLst>
+              <a:gd name="adj" fmla="val 4864"/>
+            </a:avLst>
+          </a:prstGeom>
+          <a:solidFill>
+            <a:schemeClr val="accent6"/>
+          </a:solidFill>
+          <a:ln>
+            <a:solidFill>
+              <a:srgbClr val="002060"/>
+            </a:solidFill>
+          </a:ln>
+        </p:spPr>
+        <p:style>
+          <a:lnRef idx="2">
+            <a:schemeClr val="accent1">
+              <a:shade val="50000"/>
+            </a:schemeClr>
+          </a:lnRef>
+          <a:fillRef idx="1">
+            <a:schemeClr val="accent1"/>
+          </a:fillRef>
+          <a:effectRef idx="0">
+            <a:schemeClr val="accent1"/>
+          </a:effectRef>
+          <a:fontRef idx="minor">
+            <a:schemeClr val="lt1"/>
+          </a:fontRef>
+        </p:style>
+        <p:txBody>
+          <a:bodyPr rtlCol="0" anchor="ctr"/>
+          <a:lstStyle/>
+          <a:p>
+            <a:pPr algn="ctr"/>
+            <a:endParaRPr lang="ko-KR" altLang="en-US"/>
+          </a:p>
+        </p:txBody>
+      </p:sp>
+      <p:sp>
+        <p:nvSpPr>
+          <p:cNvPr id="14" name="TextBox 13">
+            <a:extLst>
+              <a:ext uri="{FF2B5EF4-FFF2-40B4-BE49-F238E27FC236}">
+                <a16:creationId xmlns:a16="http://schemas.microsoft.com/office/drawing/2014/main" id="{A29A7CE9-CD09-CF14-2F69-73C1066071CD}"/>
+              </a:ext>
+            </a:extLst>
+          </p:cNvPr>
+          <p:cNvSpPr txBox="1"/>
+          <p:nvPr/>
+        </p:nvSpPr>
+        <p:spPr>
+          <a:xfrm>
+            <a:off x="3228498" y="3132608"/>
+            <a:ext cx="646331" cy="369332"/>
+          </a:xfrm>
+          <a:prstGeom prst="rect">
+            <a:avLst/>
+          </a:prstGeom>
+          <a:noFill/>
+        </p:spPr>
+        <p:txBody>
+          <a:bodyPr wrap="none" rtlCol="0">
+            <a:spAutoFit/>
+          </a:bodyPr>
+          <a:lstStyle/>
+          <a:p>
+            <a:pPr algn="ctr"/>
+            <a:r>
+              <a:rPr lang="ko-KR" altLang="en-US" smtClean="0">
+                <a:solidFill>
+                  <a:schemeClr val="bg1"/>
+                </a:solidFill>
+              </a:rPr>
+              <a:t>도전</a:t>
+            </a:r>
+            <a:endParaRPr lang="ko-KR" altLang="en-US" dirty="0">
+              <a:solidFill>
+                <a:schemeClr val="bg1"/>
+              </a:solidFill>
+            </a:endParaRPr>
+          </a:p>
+        </p:txBody>
+      </p:sp>
+      <p:sp>
+        <p:nvSpPr>
+          <p:cNvPr id="15" name="TextBox 14">
+            <a:extLst>
+              <a:ext uri="{FF2B5EF4-FFF2-40B4-BE49-F238E27FC236}">
+                <a16:creationId xmlns:a16="http://schemas.microsoft.com/office/drawing/2014/main" id="{A29A7CE9-CD09-CF14-2F69-73C1066071CD}"/>
+              </a:ext>
+            </a:extLst>
+          </p:cNvPr>
+          <p:cNvSpPr txBox="1"/>
+          <p:nvPr/>
+        </p:nvSpPr>
+        <p:spPr>
+          <a:xfrm>
+            <a:off x="465320" y="692096"/>
+            <a:ext cx="1491114" cy="307777"/>
+          </a:xfrm>
+          <a:prstGeom prst="rect">
+            <a:avLst/>
+          </a:prstGeom>
+          <a:noFill/>
+        </p:spPr>
+        <p:txBody>
+          <a:bodyPr wrap="none" rtlCol="0">
+            <a:spAutoFit/>
+          </a:bodyPr>
+          <a:lstStyle/>
+          <a:p>
+            <a:pPr algn="ctr"/>
+            <a:r>
+              <a:rPr lang="ko-KR" altLang="en-US" sz="1400" b="1" dirty="0" err="1" smtClean="0">
+                <a:solidFill>
+                  <a:schemeClr val="bg1"/>
+                </a:solidFill>
+              </a:rPr>
+              <a:t>마왕성</a:t>
+            </a:r>
+            <a:r>
+              <a:rPr lang="ko-KR" altLang="en-US" sz="1400" b="1" dirty="0" smtClean="0">
+                <a:solidFill>
+                  <a:schemeClr val="bg1"/>
+                </a:solidFill>
+              </a:rPr>
+              <a:t> 지키기</a:t>
+            </a:r>
+            <a:r>
+              <a:rPr lang="en-US" altLang="ko-KR" sz="1400" b="1" dirty="0">
+                <a:solidFill>
+                  <a:schemeClr val="bg1"/>
+                </a:solidFill>
+              </a:rPr>
+              <a:t> </a:t>
+            </a:r>
+            <a:r>
+              <a:rPr lang="en-US" altLang="ko-KR" sz="1400" b="1" dirty="0" smtClean="0">
+                <a:solidFill>
+                  <a:schemeClr val="bg1"/>
+                </a:solidFill>
+              </a:rPr>
+              <a:t>1</a:t>
+            </a:r>
+            <a:endParaRPr lang="ko-KR" altLang="en-US" sz="1400" b="1" dirty="0">
+              <a:solidFill>
+                <a:schemeClr val="bg1"/>
+              </a:solidFill>
+            </a:endParaRPr>
+          </a:p>
+        </p:txBody>
+      </p:sp>
+      <p:sp>
+        <p:nvSpPr>
+          <p:cNvPr id="17" name="TextBox 16">
+            <a:extLst>
+              <a:ext uri="{FF2B5EF4-FFF2-40B4-BE49-F238E27FC236}">
+                <a16:creationId xmlns:a16="http://schemas.microsoft.com/office/drawing/2014/main" id="{A29A7CE9-CD09-CF14-2F69-73C1066071CD}"/>
+              </a:ext>
+            </a:extLst>
+          </p:cNvPr>
+          <p:cNvSpPr txBox="1"/>
+          <p:nvPr/>
+        </p:nvSpPr>
+        <p:spPr>
+          <a:xfrm>
+            <a:off x="470785" y="963564"/>
+            <a:ext cx="1399742" cy="200055"/>
+          </a:xfrm>
+          <a:prstGeom prst="rect">
+            <a:avLst/>
+          </a:prstGeom>
+          <a:noFill/>
+        </p:spPr>
+        <p:txBody>
+          <a:bodyPr wrap="none" rtlCol="0">
+            <a:spAutoFit/>
+          </a:bodyPr>
+          <a:lstStyle/>
+          <a:p>
+            <a:pPr algn="ctr"/>
+            <a:r>
+              <a:rPr lang="en-US" altLang="ko-KR" sz="700" b="1" dirty="0" smtClean="0">
+                <a:solidFill>
+                  <a:schemeClr val="bg1">
+                    <a:lumMod val="75000"/>
+                  </a:schemeClr>
+                </a:solidFill>
+              </a:rPr>
+              <a:t>20</a:t>
+            </a:r>
+            <a:r>
+              <a:rPr lang="ko-KR" altLang="en-US" sz="700" b="1" dirty="0" smtClean="0">
+                <a:solidFill>
+                  <a:schemeClr val="bg1">
+                    <a:lumMod val="75000"/>
+                  </a:schemeClr>
+                </a:solidFill>
+              </a:rPr>
+              <a:t>분 간 </a:t>
+            </a:r>
+            <a:r>
+              <a:rPr lang="ko-KR" altLang="en-US" sz="700" b="1" dirty="0" err="1" smtClean="0">
+                <a:solidFill>
+                  <a:schemeClr val="bg1">
+                    <a:lumMod val="75000"/>
+                  </a:schemeClr>
+                </a:solidFill>
+              </a:rPr>
+              <a:t>마왕성을</a:t>
+            </a:r>
+            <a:r>
+              <a:rPr lang="ko-KR" altLang="en-US" sz="700" b="1" dirty="0" smtClean="0">
+                <a:solidFill>
+                  <a:schemeClr val="bg1">
+                    <a:lumMod val="75000"/>
+                  </a:schemeClr>
+                </a:solidFill>
+              </a:rPr>
+              <a:t> 지켜주세요</a:t>
+            </a:r>
+            <a:r>
+              <a:rPr lang="en-US" altLang="ko-KR" sz="700" b="1" dirty="0" smtClean="0">
+                <a:solidFill>
+                  <a:schemeClr val="bg1">
+                    <a:lumMod val="75000"/>
+                  </a:schemeClr>
+                </a:solidFill>
+              </a:rPr>
+              <a:t>!</a:t>
+            </a:r>
+            <a:endParaRPr lang="ko-KR" altLang="en-US" sz="700" b="1" dirty="0">
+              <a:solidFill>
+                <a:schemeClr val="bg1">
+                  <a:lumMod val="75000"/>
+                </a:schemeClr>
+              </a:solidFill>
+            </a:endParaRPr>
+          </a:p>
+        </p:txBody>
+      </p:sp>
+      <p:sp>
+        <p:nvSpPr>
+          <p:cNvPr id="18" name="모서리가 둥근 직사각형 17"/>
+          <p:cNvSpPr/>
+          <p:nvPr/>
+        </p:nvSpPr>
+        <p:spPr>
+          <a:xfrm>
+            <a:off x="470785" y="3787140"/>
+            <a:ext cx="3581400" cy="2552700"/>
+          </a:xfrm>
+          <a:prstGeom prst="roundRect">
+            <a:avLst>
+              <a:gd name="adj" fmla="val 4864"/>
+            </a:avLst>
+          </a:prstGeom>
+          <a:solidFill>
+            <a:srgbClr val="B74837"/>
+          </a:solidFill>
+          <a:ln>
+            <a:solidFill>
+              <a:srgbClr val="002060"/>
+            </a:solidFill>
+          </a:ln>
+        </p:spPr>
+        <p:style>
+          <a:lnRef idx="2">
+            <a:schemeClr val="accent1">
+              <a:shade val="50000"/>
+            </a:schemeClr>
+          </a:lnRef>
+          <a:fillRef idx="1">
+            <a:schemeClr val="accent1"/>
+          </a:fillRef>
+          <a:effectRef idx="0">
+            <a:schemeClr val="accent1"/>
+          </a:effectRef>
+          <a:fontRef idx="minor">
+            <a:schemeClr val="lt1"/>
+          </a:fontRef>
+        </p:style>
+        <p:txBody>
+          <a:bodyPr rtlCol="0" anchor="ctr"/>
+          <a:lstStyle/>
+          <a:p>
+            <a:pPr algn="ctr"/>
+            <a:endParaRPr lang="ko-KR" altLang="en-US"/>
+          </a:p>
+        </p:txBody>
+      </p:sp>
+      <p:sp>
+        <p:nvSpPr>
+          <p:cNvPr id="19" name="모서리가 둥근 직사각형 7"/>
+          <p:cNvSpPr/>
+          <p:nvPr/>
+        </p:nvSpPr>
+        <p:spPr>
+          <a:xfrm>
+            <a:off x="1085836" y="5549647"/>
+            <a:ext cx="2478155" cy="654374"/>
+          </a:xfrm>
+          <a:custGeom>
+            <a:avLst/>
+            <a:gdLst>
+              <a:gd name="connsiteX0" fmla="*/ 0 w 3581400"/>
+              <a:gd name="connsiteY0" fmla="*/ 129723 h 1178766"/>
+              <a:gd name="connsiteX1" fmla="*/ 129723 w 3581400"/>
+              <a:gd name="connsiteY1" fmla="*/ 0 h 1178766"/>
+              <a:gd name="connsiteX2" fmla="*/ 3451677 w 3581400"/>
+              <a:gd name="connsiteY2" fmla="*/ 0 h 1178766"/>
+              <a:gd name="connsiteX3" fmla="*/ 3581400 w 3581400"/>
+              <a:gd name="connsiteY3" fmla="*/ 129723 h 1178766"/>
+              <a:gd name="connsiteX4" fmla="*/ 3581400 w 3581400"/>
+              <a:gd name="connsiteY4" fmla="*/ 1049043 h 1178766"/>
+              <a:gd name="connsiteX5" fmla="*/ 3451677 w 3581400"/>
+              <a:gd name="connsiteY5" fmla="*/ 1178766 h 1178766"/>
+              <a:gd name="connsiteX6" fmla="*/ 129723 w 3581400"/>
+              <a:gd name="connsiteY6" fmla="*/ 1178766 h 1178766"/>
+              <a:gd name="connsiteX7" fmla="*/ 0 w 3581400"/>
+              <a:gd name="connsiteY7" fmla="*/ 1049043 h 1178766"/>
+              <a:gd name="connsiteX8" fmla="*/ 0 w 3581400"/>
+              <a:gd name="connsiteY8" fmla="*/ 129723 h 1178766"/>
+              <a:gd name="connsiteX0" fmla="*/ 0 w 3581400"/>
+              <a:gd name="connsiteY0" fmla="*/ 129723 h 1178766"/>
+              <a:gd name="connsiteX1" fmla="*/ 129723 w 3581400"/>
+              <a:gd name="connsiteY1" fmla="*/ 0 h 1178766"/>
+              <a:gd name="connsiteX2" fmla="*/ 1319915 w 3581400"/>
+              <a:gd name="connsiteY2" fmla="*/ 1477 h 1178766"/>
+              <a:gd name="connsiteX3" fmla="*/ 3451677 w 3581400"/>
+              <a:gd name="connsiteY3" fmla="*/ 0 h 1178766"/>
+              <a:gd name="connsiteX4" fmla="*/ 3581400 w 3581400"/>
+              <a:gd name="connsiteY4" fmla="*/ 129723 h 1178766"/>
+              <a:gd name="connsiteX5" fmla="*/ 3581400 w 3581400"/>
+              <a:gd name="connsiteY5" fmla="*/ 1049043 h 1178766"/>
+              <a:gd name="connsiteX6" fmla="*/ 3451677 w 3581400"/>
+              <a:gd name="connsiteY6" fmla="*/ 1178766 h 1178766"/>
+              <a:gd name="connsiteX7" fmla="*/ 129723 w 3581400"/>
+              <a:gd name="connsiteY7" fmla="*/ 1178766 h 1178766"/>
+              <a:gd name="connsiteX8" fmla="*/ 0 w 3581400"/>
+              <a:gd name="connsiteY8" fmla="*/ 1049043 h 1178766"/>
+              <a:gd name="connsiteX9" fmla="*/ 0 w 3581400"/>
+              <a:gd name="connsiteY9" fmla="*/ 129723 h 1178766"/>
+              <a:gd name="connsiteX0" fmla="*/ 0 w 3581400"/>
+              <a:gd name="connsiteY0" fmla="*/ 129723 h 1178766"/>
+              <a:gd name="connsiteX1" fmla="*/ 129723 w 3581400"/>
+              <a:gd name="connsiteY1" fmla="*/ 0 h 1178766"/>
+              <a:gd name="connsiteX2" fmla="*/ 1319915 w 3581400"/>
+              <a:gd name="connsiteY2" fmla="*/ 1477 h 1178766"/>
+              <a:gd name="connsiteX3" fmla="*/ 3030605 w 3581400"/>
+              <a:gd name="connsiteY3" fmla="*/ 1477 h 1178766"/>
+              <a:gd name="connsiteX4" fmla="*/ 3451677 w 3581400"/>
+              <a:gd name="connsiteY4" fmla="*/ 0 h 1178766"/>
+              <a:gd name="connsiteX5" fmla="*/ 3581400 w 3581400"/>
+              <a:gd name="connsiteY5" fmla="*/ 129723 h 1178766"/>
+              <a:gd name="connsiteX6" fmla="*/ 3581400 w 3581400"/>
+              <a:gd name="connsiteY6" fmla="*/ 1049043 h 1178766"/>
+              <a:gd name="connsiteX7" fmla="*/ 3451677 w 3581400"/>
+              <a:gd name="connsiteY7" fmla="*/ 1178766 h 1178766"/>
+              <a:gd name="connsiteX8" fmla="*/ 129723 w 3581400"/>
+              <a:gd name="connsiteY8" fmla="*/ 1178766 h 1178766"/>
+              <a:gd name="connsiteX9" fmla="*/ 0 w 3581400"/>
+              <a:gd name="connsiteY9" fmla="*/ 1049043 h 1178766"/>
+              <a:gd name="connsiteX10" fmla="*/ 0 w 3581400"/>
+              <a:gd name="connsiteY10" fmla="*/ 129723 h 1178766"/>
+              <a:gd name="connsiteX0" fmla="*/ 0 w 3581400"/>
+              <a:gd name="connsiteY0" fmla="*/ 132056 h 1181099"/>
+              <a:gd name="connsiteX1" fmla="*/ 129723 w 3581400"/>
+              <a:gd name="connsiteY1" fmla="*/ 2333 h 1181099"/>
+              <a:gd name="connsiteX2" fmla="*/ 1319915 w 3581400"/>
+              <a:gd name="connsiteY2" fmla="*/ 3810 h 1181099"/>
+              <a:gd name="connsiteX3" fmla="*/ 2108585 w 3581400"/>
+              <a:gd name="connsiteY3" fmla="*/ 0 h 1181099"/>
+              <a:gd name="connsiteX4" fmla="*/ 3030605 w 3581400"/>
+              <a:gd name="connsiteY4" fmla="*/ 3810 h 1181099"/>
+              <a:gd name="connsiteX5" fmla="*/ 3451677 w 3581400"/>
+              <a:gd name="connsiteY5" fmla="*/ 2333 h 1181099"/>
+              <a:gd name="connsiteX6" fmla="*/ 3581400 w 3581400"/>
+              <a:gd name="connsiteY6" fmla="*/ 132056 h 1181099"/>
+              <a:gd name="connsiteX7" fmla="*/ 3581400 w 3581400"/>
+              <a:gd name="connsiteY7" fmla="*/ 1051376 h 1181099"/>
+              <a:gd name="connsiteX8" fmla="*/ 3451677 w 3581400"/>
+              <a:gd name="connsiteY8" fmla="*/ 1181099 h 1181099"/>
+              <a:gd name="connsiteX9" fmla="*/ 129723 w 3581400"/>
+              <a:gd name="connsiteY9" fmla="*/ 1181099 h 1181099"/>
+              <a:gd name="connsiteX10" fmla="*/ 0 w 3581400"/>
+              <a:gd name="connsiteY10" fmla="*/ 1051376 h 1181099"/>
+              <a:gd name="connsiteX11" fmla="*/ 0 w 3581400"/>
+              <a:gd name="connsiteY11" fmla="*/ 132056 h 1181099"/>
+              <a:gd name="connsiteX0" fmla="*/ 0 w 3581400"/>
+              <a:gd name="connsiteY0" fmla="*/ 132056 h 1181099"/>
+              <a:gd name="connsiteX1" fmla="*/ 129723 w 3581400"/>
+              <a:gd name="connsiteY1" fmla="*/ 2333 h 1181099"/>
+              <a:gd name="connsiteX2" fmla="*/ 706505 w 3581400"/>
+              <a:gd name="connsiteY2" fmla="*/ 3811 h 1181099"/>
+              <a:gd name="connsiteX3" fmla="*/ 1319915 w 3581400"/>
+              <a:gd name="connsiteY3" fmla="*/ 3810 h 1181099"/>
+              <a:gd name="connsiteX4" fmla="*/ 2108585 w 3581400"/>
+              <a:gd name="connsiteY4" fmla="*/ 0 h 1181099"/>
+              <a:gd name="connsiteX5" fmla="*/ 3030605 w 3581400"/>
+              <a:gd name="connsiteY5" fmla="*/ 3810 h 1181099"/>
+              <a:gd name="connsiteX6" fmla="*/ 3451677 w 3581400"/>
+              <a:gd name="connsiteY6" fmla="*/ 2333 h 1181099"/>
+              <a:gd name="connsiteX7" fmla="*/ 3581400 w 3581400"/>
+              <a:gd name="connsiteY7" fmla="*/ 132056 h 1181099"/>
+              <a:gd name="connsiteX8" fmla="*/ 3581400 w 3581400"/>
+              <a:gd name="connsiteY8" fmla="*/ 1051376 h 1181099"/>
+              <a:gd name="connsiteX9" fmla="*/ 3451677 w 3581400"/>
+              <a:gd name="connsiteY9" fmla="*/ 1181099 h 1181099"/>
+              <a:gd name="connsiteX10" fmla="*/ 129723 w 3581400"/>
+              <a:gd name="connsiteY10" fmla="*/ 1181099 h 1181099"/>
+              <a:gd name="connsiteX11" fmla="*/ 0 w 3581400"/>
+              <a:gd name="connsiteY11" fmla="*/ 1051376 h 1181099"/>
+              <a:gd name="connsiteX12" fmla="*/ 0 w 3581400"/>
+              <a:gd name="connsiteY12" fmla="*/ 132056 h 1181099"/>
+              <a:gd name="connsiteX0" fmla="*/ 0 w 3581400"/>
+              <a:gd name="connsiteY0" fmla="*/ 132056 h 1181099"/>
+              <a:gd name="connsiteX1" fmla="*/ 706505 w 3581400"/>
+              <a:gd name="connsiteY1" fmla="*/ 3811 h 1181099"/>
+              <a:gd name="connsiteX2" fmla="*/ 1319915 w 3581400"/>
+              <a:gd name="connsiteY2" fmla="*/ 3810 h 1181099"/>
+              <a:gd name="connsiteX3" fmla="*/ 2108585 w 3581400"/>
+              <a:gd name="connsiteY3" fmla="*/ 0 h 1181099"/>
+              <a:gd name="connsiteX4" fmla="*/ 3030605 w 3581400"/>
+              <a:gd name="connsiteY4" fmla="*/ 3810 h 1181099"/>
+              <a:gd name="connsiteX5" fmla="*/ 3451677 w 3581400"/>
+              <a:gd name="connsiteY5" fmla="*/ 2333 h 1181099"/>
+              <a:gd name="connsiteX6" fmla="*/ 3581400 w 3581400"/>
+              <a:gd name="connsiteY6" fmla="*/ 132056 h 1181099"/>
+              <a:gd name="connsiteX7" fmla="*/ 3581400 w 3581400"/>
+              <a:gd name="connsiteY7" fmla="*/ 1051376 h 1181099"/>
+              <a:gd name="connsiteX8" fmla="*/ 3451677 w 3581400"/>
+              <a:gd name="connsiteY8" fmla="*/ 1181099 h 1181099"/>
+              <a:gd name="connsiteX9" fmla="*/ 129723 w 3581400"/>
+              <a:gd name="connsiteY9" fmla="*/ 1181099 h 1181099"/>
+              <a:gd name="connsiteX10" fmla="*/ 0 w 3581400"/>
+              <a:gd name="connsiteY10" fmla="*/ 1051376 h 1181099"/>
+              <a:gd name="connsiteX11" fmla="*/ 0 w 3581400"/>
+              <a:gd name="connsiteY11" fmla="*/ 132056 h 1181099"/>
+              <a:gd name="connsiteX0" fmla="*/ 0 w 3581400"/>
+              <a:gd name="connsiteY0" fmla="*/ 132056 h 1181099"/>
+              <a:gd name="connsiteX1" fmla="*/ 1319915 w 3581400"/>
+              <a:gd name="connsiteY1" fmla="*/ 3810 h 1181099"/>
+              <a:gd name="connsiteX2" fmla="*/ 2108585 w 3581400"/>
+              <a:gd name="connsiteY2" fmla="*/ 0 h 1181099"/>
+              <a:gd name="connsiteX3" fmla="*/ 3030605 w 3581400"/>
+              <a:gd name="connsiteY3" fmla="*/ 3810 h 1181099"/>
+              <a:gd name="connsiteX4" fmla="*/ 3451677 w 3581400"/>
+              <a:gd name="connsiteY4" fmla="*/ 2333 h 1181099"/>
+              <a:gd name="connsiteX5" fmla="*/ 3581400 w 3581400"/>
+              <a:gd name="connsiteY5" fmla="*/ 132056 h 1181099"/>
+              <a:gd name="connsiteX6" fmla="*/ 3581400 w 3581400"/>
+              <a:gd name="connsiteY6" fmla="*/ 1051376 h 1181099"/>
+              <a:gd name="connsiteX7" fmla="*/ 3451677 w 3581400"/>
+              <a:gd name="connsiteY7" fmla="*/ 1181099 h 1181099"/>
+              <a:gd name="connsiteX8" fmla="*/ 129723 w 3581400"/>
+              <a:gd name="connsiteY8" fmla="*/ 1181099 h 1181099"/>
+              <a:gd name="connsiteX9" fmla="*/ 0 w 3581400"/>
+              <a:gd name="connsiteY9" fmla="*/ 1051376 h 1181099"/>
+              <a:gd name="connsiteX10" fmla="*/ 0 w 3581400"/>
+              <a:gd name="connsiteY10" fmla="*/ 132056 h 1181099"/>
+              <a:gd name="connsiteX0" fmla="*/ 0 w 3581400"/>
+              <a:gd name="connsiteY0" fmla="*/ 132056 h 1181099"/>
+              <a:gd name="connsiteX1" fmla="*/ 1453265 w 3581400"/>
+              <a:gd name="connsiteY1" fmla="*/ 198120 h 1181099"/>
+              <a:gd name="connsiteX2" fmla="*/ 2108585 w 3581400"/>
+              <a:gd name="connsiteY2" fmla="*/ 0 h 1181099"/>
+              <a:gd name="connsiteX3" fmla="*/ 3030605 w 3581400"/>
+              <a:gd name="connsiteY3" fmla="*/ 3810 h 1181099"/>
+              <a:gd name="connsiteX4" fmla="*/ 3451677 w 3581400"/>
+              <a:gd name="connsiteY4" fmla="*/ 2333 h 1181099"/>
+              <a:gd name="connsiteX5" fmla="*/ 3581400 w 3581400"/>
+              <a:gd name="connsiteY5" fmla="*/ 132056 h 1181099"/>
+              <a:gd name="connsiteX6" fmla="*/ 3581400 w 3581400"/>
+              <a:gd name="connsiteY6" fmla="*/ 1051376 h 1181099"/>
+              <a:gd name="connsiteX7" fmla="*/ 3451677 w 3581400"/>
+              <a:gd name="connsiteY7" fmla="*/ 1181099 h 1181099"/>
+              <a:gd name="connsiteX8" fmla="*/ 129723 w 3581400"/>
+              <a:gd name="connsiteY8" fmla="*/ 1181099 h 1181099"/>
+              <a:gd name="connsiteX9" fmla="*/ 0 w 3581400"/>
+              <a:gd name="connsiteY9" fmla="*/ 1051376 h 1181099"/>
+              <a:gd name="connsiteX10" fmla="*/ 0 w 3581400"/>
+              <a:gd name="connsiteY10" fmla="*/ 132056 h 1181099"/>
+              <a:gd name="connsiteX0" fmla="*/ 0 w 3581400"/>
+              <a:gd name="connsiteY0" fmla="*/ 132056 h 1181099"/>
+              <a:gd name="connsiteX1" fmla="*/ 1377065 w 3581400"/>
+              <a:gd name="connsiteY1" fmla="*/ 567690 h 1181099"/>
+              <a:gd name="connsiteX2" fmla="*/ 2108585 w 3581400"/>
+              <a:gd name="connsiteY2" fmla="*/ 0 h 1181099"/>
+              <a:gd name="connsiteX3" fmla="*/ 3030605 w 3581400"/>
+              <a:gd name="connsiteY3" fmla="*/ 3810 h 1181099"/>
+              <a:gd name="connsiteX4" fmla="*/ 3451677 w 3581400"/>
+              <a:gd name="connsiteY4" fmla="*/ 2333 h 1181099"/>
+              <a:gd name="connsiteX5" fmla="*/ 3581400 w 3581400"/>
+              <a:gd name="connsiteY5" fmla="*/ 132056 h 1181099"/>
+              <a:gd name="connsiteX6" fmla="*/ 3581400 w 3581400"/>
+              <a:gd name="connsiteY6" fmla="*/ 1051376 h 1181099"/>
+              <a:gd name="connsiteX7" fmla="*/ 3451677 w 3581400"/>
+              <a:gd name="connsiteY7" fmla="*/ 1181099 h 1181099"/>
+              <a:gd name="connsiteX8" fmla="*/ 129723 w 3581400"/>
+              <a:gd name="connsiteY8" fmla="*/ 1181099 h 1181099"/>
+              <a:gd name="connsiteX9" fmla="*/ 0 w 3581400"/>
+              <a:gd name="connsiteY9" fmla="*/ 1051376 h 1181099"/>
+              <a:gd name="connsiteX10" fmla="*/ 0 w 3581400"/>
+              <a:gd name="connsiteY10" fmla="*/ 132056 h 1181099"/>
+              <a:gd name="connsiteX0" fmla="*/ 0 w 3581400"/>
+              <a:gd name="connsiteY0" fmla="*/ 132056 h 1181099"/>
+              <a:gd name="connsiteX1" fmla="*/ 1468505 w 3581400"/>
+              <a:gd name="connsiteY1" fmla="*/ 567690 h 1181099"/>
+              <a:gd name="connsiteX2" fmla="*/ 2108585 w 3581400"/>
+              <a:gd name="connsiteY2" fmla="*/ 0 h 1181099"/>
+              <a:gd name="connsiteX3" fmla="*/ 3030605 w 3581400"/>
+              <a:gd name="connsiteY3" fmla="*/ 3810 h 1181099"/>
+              <a:gd name="connsiteX4" fmla="*/ 3451677 w 3581400"/>
+              <a:gd name="connsiteY4" fmla="*/ 2333 h 1181099"/>
+              <a:gd name="connsiteX5" fmla="*/ 3581400 w 3581400"/>
+              <a:gd name="connsiteY5" fmla="*/ 132056 h 1181099"/>
+              <a:gd name="connsiteX6" fmla="*/ 3581400 w 3581400"/>
+              <a:gd name="connsiteY6" fmla="*/ 1051376 h 1181099"/>
+              <a:gd name="connsiteX7" fmla="*/ 3451677 w 3581400"/>
+              <a:gd name="connsiteY7" fmla="*/ 1181099 h 1181099"/>
+              <a:gd name="connsiteX8" fmla="*/ 129723 w 3581400"/>
+              <a:gd name="connsiteY8" fmla="*/ 1181099 h 1181099"/>
+              <a:gd name="connsiteX9" fmla="*/ 0 w 3581400"/>
+              <a:gd name="connsiteY9" fmla="*/ 1051376 h 1181099"/>
+              <a:gd name="connsiteX10" fmla="*/ 0 w 3581400"/>
+              <a:gd name="connsiteY10" fmla="*/ 132056 h 1181099"/>
+              <a:gd name="connsiteX0" fmla="*/ 0 w 3581400"/>
+              <a:gd name="connsiteY0" fmla="*/ 129723 h 1178766"/>
+              <a:gd name="connsiteX1" fmla="*/ 1468505 w 3581400"/>
+              <a:gd name="connsiteY1" fmla="*/ 565357 h 1178766"/>
+              <a:gd name="connsiteX2" fmla="*/ 3030605 w 3581400"/>
+              <a:gd name="connsiteY2" fmla="*/ 1477 h 1178766"/>
+              <a:gd name="connsiteX3" fmla="*/ 3451677 w 3581400"/>
+              <a:gd name="connsiteY3" fmla="*/ 0 h 1178766"/>
+              <a:gd name="connsiteX4" fmla="*/ 3581400 w 3581400"/>
+              <a:gd name="connsiteY4" fmla="*/ 129723 h 1178766"/>
+              <a:gd name="connsiteX5" fmla="*/ 3581400 w 3581400"/>
+              <a:gd name="connsiteY5" fmla="*/ 1049043 h 1178766"/>
+              <a:gd name="connsiteX6" fmla="*/ 3451677 w 3581400"/>
+              <a:gd name="connsiteY6" fmla="*/ 1178766 h 1178766"/>
+              <a:gd name="connsiteX7" fmla="*/ 129723 w 3581400"/>
+              <a:gd name="connsiteY7" fmla="*/ 1178766 h 1178766"/>
+              <a:gd name="connsiteX8" fmla="*/ 0 w 3581400"/>
+              <a:gd name="connsiteY8" fmla="*/ 1049043 h 1178766"/>
+              <a:gd name="connsiteX9" fmla="*/ 0 w 3581400"/>
+              <a:gd name="connsiteY9" fmla="*/ 129723 h 1178766"/>
+              <a:gd name="connsiteX0" fmla="*/ 0 w 3581400"/>
+              <a:gd name="connsiteY0" fmla="*/ 129723 h 1178766"/>
+              <a:gd name="connsiteX1" fmla="*/ 1468505 w 3581400"/>
+              <a:gd name="connsiteY1" fmla="*/ 565357 h 1178766"/>
+              <a:gd name="connsiteX2" fmla="*/ 2965835 w 3581400"/>
+              <a:gd name="connsiteY2" fmla="*/ 466297 h 1178766"/>
+              <a:gd name="connsiteX3" fmla="*/ 3451677 w 3581400"/>
+              <a:gd name="connsiteY3" fmla="*/ 0 h 1178766"/>
+              <a:gd name="connsiteX4" fmla="*/ 3581400 w 3581400"/>
+              <a:gd name="connsiteY4" fmla="*/ 129723 h 1178766"/>
+              <a:gd name="connsiteX5" fmla="*/ 3581400 w 3581400"/>
+              <a:gd name="connsiteY5" fmla="*/ 1049043 h 1178766"/>
+              <a:gd name="connsiteX6" fmla="*/ 3451677 w 3581400"/>
+              <a:gd name="connsiteY6" fmla="*/ 1178766 h 1178766"/>
+              <a:gd name="connsiteX7" fmla="*/ 129723 w 3581400"/>
+              <a:gd name="connsiteY7" fmla="*/ 1178766 h 1178766"/>
+              <a:gd name="connsiteX8" fmla="*/ 0 w 3581400"/>
+              <a:gd name="connsiteY8" fmla="*/ 1049043 h 1178766"/>
+              <a:gd name="connsiteX9" fmla="*/ 0 w 3581400"/>
+              <a:gd name="connsiteY9" fmla="*/ 129723 h 1178766"/>
+              <a:gd name="connsiteX0" fmla="*/ 0 w 3581400"/>
+              <a:gd name="connsiteY0" fmla="*/ 30529 h 1079572"/>
+              <a:gd name="connsiteX1" fmla="*/ 1468505 w 3581400"/>
+              <a:gd name="connsiteY1" fmla="*/ 466163 h 1079572"/>
+              <a:gd name="connsiteX2" fmla="*/ 2965835 w 3581400"/>
+              <a:gd name="connsiteY2" fmla="*/ 367103 h 1079572"/>
+              <a:gd name="connsiteX3" fmla="*/ 3581400 w 3581400"/>
+              <a:gd name="connsiteY3" fmla="*/ 30529 h 1079572"/>
+              <a:gd name="connsiteX4" fmla="*/ 3581400 w 3581400"/>
+              <a:gd name="connsiteY4" fmla="*/ 949849 h 1079572"/>
+              <a:gd name="connsiteX5" fmla="*/ 3451677 w 3581400"/>
+              <a:gd name="connsiteY5" fmla="*/ 1079572 h 1079572"/>
+              <a:gd name="connsiteX6" fmla="*/ 129723 w 3581400"/>
+              <a:gd name="connsiteY6" fmla="*/ 1079572 h 1079572"/>
+              <a:gd name="connsiteX7" fmla="*/ 0 w 3581400"/>
+              <a:gd name="connsiteY7" fmla="*/ 949849 h 1079572"/>
+              <a:gd name="connsiteX8" fmla="*/ 0 w 3581400"/>
+              <a:gd name="connsiteY8" fmla="*/ 30529 h 1079572"/>
+              <a:gd name="connsiteX0" fmla="*/ 0 w 3581400"/>
+              <a:gd name="connsiteY0" fmla="*/ 30529 h 1079572"/>
+              <a:gd name="connsiteX1" fmla="*/ 1468505 w 3581400"/>
+              <a:gd name="connsiteY1" fmla="*/ 466163 h 1079572"/>
+              <a:gd name="connsiteX2" fmla="*/ 2965835 w 3581400"/>
+              <a:gd name="connsiteY2" fmla="*/ 367103 h 1079572"/>
+              <a:gd name="connsiteX3" fmla="*/ 3581400 w 3581400"/>
+              <a:gd name="connsiteY3" fmla="*/ 949849 h 1079572"/>
+              <a:gd name="connsiteX4" fmla="*/ 3451677 w 3581400"/>
+              <a:gd name="connsiteY4" fmla="*/ 1079572 h 1079572"/>
+              <a:gd name="connsiteX5" fmla="*/ 129723 w 3581400"/>
+              <a:gd name="connsiteY5" fmla="*/ 1079572 h 1079572"/>
+              <a:gd name="connsiteX6" fmla="*/ 0 w 3581400"/>
+              <a:gd name="connsiteY6" fmla="*/ 949849 h 1079572"/>
+              <a:gd name="connsiteX7" fmla="*/ 0 w 3581400"/>
+              <a:gd name="connsiteY7" fmla="*/ 30529 h 1079572"/>
+              <a:gd name="connsiteX0" fmla="*/ 0 w 3586865"/>
+              <a:gd name="connsiteY0" fmla="*/ 30529 h 1079572"/>
+              <a:gd name="connsiteX1" fmla="*/ 1468505 w 3586865"/>
+              <a:gd name="connsiteY1" fmla="*/ 466163 h 1079572"/>
+              <a:gd name="connsiteX2" fmla="*/ 3586865 w 3586865"/>
+              <a:gd name="connsiteY2" fmla="*/ 161363 h 1079572"/>
+              <a:gd name="connsiteX3" fmla="*/ 3581400 w 3586865"/>
+              <a:gd name="connsiteY3" fmla="*/ 949849 h 1079572"/>
+              <a:gd name="connsiteX4" fmla="*/ 3451677 w 3586865"/>
+              <a:gd name="connsiteY4" fmla="*/ 1079572 h 1079572"/>
+              <a:gd name="connsiteX5" fmla="*/ 129723 w 3586865"/>
+              <a:gd name="connsiteY5" fmla="*/ 1079572 h 1079572"/>
+              <a:gd name="connsiteX6" fmla="*/ 0 w 3586865"/>
+              <a:gd name="connsiteY6" fmla="*/ 949849 h 1079572"/>
+              <a:gd name="connsiteX7" fmla="*/ 0 w 3586865"/>
+              <a:gd name="connsiteY7" fmla="*/ 30529 h 1079572"/>
+              <a:gd name="connsiteX0" fmla="*/ 0 w 3586865"/>
+              <a:gd name="connsiteY0" fmla="*/ 30529 h 1079572"/>
+              <a:gd name="connsiteX1" fmla="*/ 1468505 w 3586865"/>
+              <a:gd name="connsiteY1" fmla="*/ 466163 h 1079572"/>
+              <a:gd name="connsiteX2" fmla="*/ 3586865 w 3586865"/>
+              <a:gd name="connsiteY2" fmla="*/ 161363 h 1079572"/>
+              <a:gd name="connsiteX3" fmla="*/ 3581400 w 3586865"/>
+              <a:gd name="connsiteY3" fmla="*/ 949849 h 1079572"/>
+              <a:gd name="connsiteX4" fmla="*/ 3451677 w 3586865"/>
+              <a:gd name="connsiteY4" fmla="*/ 1079572 h 1079572"/>
+              <a:gd name="connsiteX5" fmla="*/ 129723 w 3586865"/>
+              <a:gd name="connsiteY5" fmla="*/ 1079572 h 1079572"/>
+              <a:gd name="connsiteX6" fmla="*/ 0 w 3586865"/>
+              <a:gd name="connsiteY6" fmla="*/ 949849 h 1079572"/>
+              <a:gd name="connsiteX7" fmla="*/ 0 w 3586865"/>
+              <a:gd name="connsiteY7" fmla="*/ 30529 h 1079572"/>
+              <a:gd name="connsiteX0" fmla="*/ 0 w 3586865"/>
+              <a:gd name="connsiteY0" fmla="*/ 30529 h 1079572"/>
+              <a:gd name="connsiteX1" fmla="*/ 1468505 w 3586865"/>
+              <a:gd name="connsiteY1" fmla="*/ 466163 h 1079572"/>
+              <a:gd name="connsiteX2" fmla="*/ 3586865 w 3586865"/>
+              <a:gd name="connsiteY2" fmla="*/ 161363 h 1079572"/>
+              <a:gd name="connsiteX3" fmla="*/ 3581400 w 3586865"/>
+              <a:gd name="connsiteY3" fmla="*/ 949849 h 1079572"/>
+              <a:gd name="connsiteX4" fmla="*/ 3451677 w 3586865"/>
+              <a:gd name="connsiteY4" fmla="*/ 1079572 h 1079572"/>
+              <a:gd name="connsiteX5" fmla="*/ 129723 w 3586865"/>
+              <a:gd name="connsiteY5" fmla="*/ 1079572 h 1079572"/>
+              <a:gd name="connsiteX6" fmla="*/ 0 w 3586865"/>
+              <a:gd name="connsiteY6" fmla="*/ 949849 h 1079572"/>
+              <a:gd name="connsiteX7" fmla="*/ 0 w 3586865"/>
+              <a:gd name="connsiteY7" fmla="*/ 30529 h 1079572"/>
+              <a:gd name="connsiteX0" fmla="*/ 125730 w 3586865"/>
+              <a:gd name="connsiteY0" fmla="*/ 494006 h 918209"/>
+              <a:gd name="connsiteX1" fmla="*/ 1468505 w 3586865"/>
+              <a:gd name="connsiteY1" fmla="*/ 304800 h 918209"/>
+              <a:gd name="connsiteX2" fmla="*/ 3586865 w 3586865"/>
+              <a:gd name="connsiteY2" fmla="*/ 0 h 918209"/>
+              <a:gd name="connsiteX3" fmla="*/ 3581400 w 3586865"/>
+              <a:gd name="connsiteY3" fmla="*/ 788486 h 918209"/>
+              <a:gd name="connsiteX4" fmla="*/ 3451677 w 3586865"/>
+              <a:gd name="connsiteY4" fmla="*/ 918209 h 918209"/>
+              <a:gd name="connsiteX5" fmla="*/ 129723 w 3586865"/>
+              <a:gd name="connsiteY5" fmla="*/ 918209 h 918209"/>
+              <a:gd name="connsiteX6" fmla="*/ 0 w 3586865"/>
+              <a:gd name="connsiteY6" fmla="*/ 788486 h 918209"/>
+              <a:gd name="connsiteX7" fmla="*/ 125730 w 3586865"/>
+              <a:gd name="connsiteY7" fmla="*/ 494006 h 918209"/>
+              <a:gd name="connsiteX0" fmla="*/ 388620 w 3586865"/>
+              <a:gd name="connsiteY0" fmla="*/ 520676 h 918209"/>
+              <a:gd name="connsiteX1" fmla="*/ 1468505 w 3586865"/>
+              <a:gd name="connsiteY1" fmla="*/ 304800 h 918209"/>
+              <a:gd name="connsiteX2" fmla="*/ 3586865 w 3586865"/>
+              <a:gd name="connsiteY2" fmla="*/ 0 h 918209"/>
+              <a:gd name="connsiteX3" fmla="*/ 3581400 w 3586865"/>
+              <a:gd name="connsiteY3" fmla="*/ 788486 h 918209"/>
+              <a:gd name="connsiteX4" fmla="*/ 3451677 w 3586865"/>
+              <a:gd name="connsiteY4" fmla="*/ 918209 h 918209"/>
+              <a:gd name="connsiteX5" fmla="*/ 129723 w 3586865"/>
+              <a:gd name="connsiteY5" fmla="*/ 918209 h 918209"/>
+              <a:gd name="connsiteX6" fmla="*/ 0 w 3586865"/>
+              <a:gd name="connsiteY6" fmla="*/ 788486 h 918209"/>
+              <a:gd name="connsiteX7" fmla="*/ 388620 w 3586865"/>
+              <a:gd name="connsiteY7" fmla="*/ 520676 h 918209"/>
+              <a:gd name="connsiteX0" fmla="*/ 388620 w 3586865"/>
+              <a:gd name="connsiteY0" fmla="*/ 520676 h 918209"/>
+              <a:gd name="connsiteX1" fmla="*/ 1468505 w 3586865"/>
+              <a:gd name="connsiteY1" fmla="*/ 304800 h 918209"/>
+              <a:gd name="connsiteX2" fmla="*/ 3586865 w 3586865"/>
+              <a:gd name="connsiteY2" fmla="*/ 0 h 918209"/>
+              <a:gd name="connsiteX3" fmla="*/ 3581400 w 3586865"/>
+              <a:gd name="connsiteY3" fmla="*/ 788486 h 918209"/>
+              <a:gd name="connsiteX4" fmla="*/ 3451677 w 3586865"/>
+              <a:gd name="connsiteY4" fmla="*/ 918209 h 918209"/>
+              <a:gd name="connsiteX5" fmla="*/ 129723 w 3586865"/>
+              <a:gd name="connsiteY5" fmla="*/ 918209 h 918209"/>
+              <a:gd name="connsiteX6" fmla="*/ 0 w 3586865"/>
+              <a:gd name="connsiteY6" fmla="*/ 788486 h 918209"/>
+              <a:gd name="connsiteX7" fmla="*/ 388620 w 3586865"/>
+              <a:gd name="connsiteY7" fmla="*/ 520676 h 918209"/>
+              <a:gd name="connsiteX0" fmla="*/ 388620 w 3586865"/>
+              <a:gd name="connsiteY0" fmla="*/ 520676 h 918209"/>
+              <a:gd name="connsiteX1" fmla="*/ 1468505 w 3586865"/>
+              <a:gd name="connsiteY1" fmla="*/ 304800 h 918209"/>
+              <a:gd name="connsiteX2" fmla="*/ 3586865 w 3586865"/>
+              <a:gd name="connsiteY2" fmla="*/ 0 h 918209"/>
+              <a:gd name="connsiteX3" fmla="*/ 3581400 w 3586865"/>
+              <a:gd name="connsiteY3" fmla="*/ 788486 h 918209"/>
+              <a:gd name="connsiteX4" fmla="*/ 3451677 w 3586865"/>
+              <a:gd name="connsiteY4" fmla="*/ 918209 h 918209"/>
+              <a:gd name="connsiteX5" fmla="*/ 129723 w 3586865"/>
+              <a:gd name="connsiteY5" fmla="*/ 918209 h 918209"/>
+              <a:gd name="connsiteX6" fmla="*/ 0 w 3586865"/>
+              <a:gd name="connsiteY6" fmla="*/ 788486 h 918209"/>
+              <a:gd name="connsiteX7" fmla="*/ 388620 w 3586865"/>
+              <a:gd name="connsiteY7" fmla="*/ 520676 h 918209"/>
+              <a:gd name="connsiteX0" fmla="*/ 388620 w 3586865"/>
+              <a:gd name="connsiteY0" fmla="*/ 520676 h 918209"/>
+              <a:gd name="connsiteX1" fmla="*/ 1468505 w 3586865"/>
+              <a:gd name="connsiteY1" fmla="*/ 304800 h 918209"/>
+              <a:gd name="connsiteX2" fmla="*/ 3586865 w 3586865"/>
+              <a:gd name="connsiteY2" fmla="*/ 0 h 918209"/>
+              <a:gd name="connsiteX3" fmla="*/ 3581400 w 3586865"/>
+              <a:gd name="connsiteY3" fmla="*/ 788486 h 918209"/>
+              <a:gd name="connsiteX4" fmla="*/ 3451677 w 3586865"/>
+              <a:gd name="connsiteY4" fmla="*/ 918209 h 918209"/>
+              <a:gd name="connsiteX5" fmla="*/ 129723 w 3586865"/>
+              <a:gd name="connsiteY5" fmla="*/ 918209 h 918209"/>
+              <a:gd name="connsiteX6" fmla="*/ 0 w 3586865"/>
+              <a:gd name="connsiteY6" fmla="*/ 788486 h 918209"/>
+              <a:gd name="connsiteX7" fmla="*/ 388620 w 3586865"/>
+              <a:gd name="connsiteY7" fmla="*/ 520676 h 918209"/>
+              <a:gd name="connsiteX0" fmla="*/ 388620 w 3586865"/>
+              <a:gd name="connsiteY0" fmla="*/ 520676 h 918209"/>
+              <a:gd name="connsiteX1" fmla="*/ 1468505 w 3586865"/>
+              <a:gd name="connsiteY1" fmla="*/ 304800 h 918209"/>
+              <a:gd name="connsiteX2" fmla="*/ 3586865 w 3586865"/>
+              <a:gd name="connsiteY2" fmla="*/ 0 h 918209"/>
+              <a:gd name="connsiteX3" fmla="*/ 3581400 w 3586865"/>
+              <a:gd name="connsiteY3" fmla="*/ 788486 h 918209"/>
+              <a:gd name="connsiteX4" fmla="*/ 3451677 w 3586865"/>
+              <a:gd name="connsiteY4" fmla="*/ 918209 h 918209"/>
+              <a:gd name="connsiteX5" fmla="*/ 129723 w 3586865"/>
+              <a:gd name="connsiteY5" fmla="*/ 918209 h 918209"/>
+              <a:gd name="connsiteX6" fmla="*/ 0 w 3586865"/>
+              <a:gd name="connsiteY6" fmla="*/ 788486 h 918209"/>
+              <a:gd name="connsiteX7" fmla="*/ 388620 w 3586865"/>
+              <a:gd name="connsiteY7" fmla="*/ 520676 h 918209"/>
+              <a:gd name="connsiteX0" fmla="*/ 388620 w 3581400"/>
+              <a:gd name="connsiteY0" fmla="*/ 215876 h 613409"/>
+              <a:gd name="connsiteX1" fmla="*/ 1468505 w 3581400"/>
+              <a:gd name="connsiteY1" fmla="*/ 0 h 613409"/>
+              <a:gd name="connsiteX2" fmla="*/ 3581400 w 3581400"/>
+              <a:gd name="connsiteY2" fmla="*/ 483686 h 613409"/>
+              <a:gd name="connsiteX3" fmla="*/ 3451677 w 3581400"/>
+              <a:gd name="connsiteY3" fmla="*/ 613409 h 613409"/>
+              <a:gd name="connsiteX4" fmla="*/ 129723 w 3581400"/>
+              <a:gd name="connsiteY4" fmla="*/ 613409 h 613409"/>
+              <a:gd name="connsiteX5" fmla="*/ 0 w 3581400"/>
+              <a:gd name="connsiteY5" fmla="*/ 483686 h 613409"/>
+              <a:gd name="connsiteX6" fmla="*/ 388620 w 3581400"/>
+              <a:gd name="connsiteY6" fmla="*/ 215876 h 613409"/>
+              <a:gd name="connsiteX0" fmla="*/ 388620 w 3581400"/>
+              <a:gd name="connsiteY0" fmla="*/ 112613 h 510146"/>
+              <a:gd name="connsiteX1" fmla="*/ 2315849 w 3581400"/>
+              <a:gd name="connsiteY1" fmla="*/ 369 h 510146"/>
+              <a:gd name="connsiteX2" fmla="*/ 3581400 w 3581400"/>
+              <a:gd name="connsiteY2" fmla="*/ 380423 h 510146"/>
+              <a:gd name="connsiteX3" fmla="*/ 3451677 w 3581400"/>
+              <a:gd name="connsiteY3" fmla="*/ 510146 h 510146"/>
+              <a:gd name="connsiteX4" fmla="*/ 129723 w 3581400"/>
+              <a:gd name="connsiteY4" fmla="*/ 510146 h 510146"/>
+              <a:gd name="connsiteX5" fmla="*/ 0 w 3581400"/>
+              <a:gd name="connsiteY5" fmla="*/ 380423 h 510146"/>
+              <a:gd name="connsiteX6" fmla="*/ 388620 w 3581400"/>
+              <a:gd name="connsiteY6" fmla="*/ 112613 h 510146"/>
+              <a:gd name="connsiteX0" fmla="*/ 388620 w 3581400"/>
+              <a:gd name="connsiteY0" fmla="*/ 154916 h 552449"/>
+              <a:gd name="connsiteX1" fmla="*/ 2224409 w 3581400"/>
+              <a:gd name="connsiteY1" fmla="*/ 0 h 552449"/>
+              <a:gd name="connsiteX2" fmla="*/ 3581400 w 3581400"/>
+              <a:gd name="connsiteY2" fmla="*/ 422726 h 552449"/>
+              <a:gd name="connsiteX3" fmla="*/ 3451677 w 3581400"/>
+              <a:gd name="connsiteY3" fmla="*/ 552449 h 552449"/>
+              <a:gd name="connsiteX4" fmla="*/ 129723 w 3581400"/>
+              <a:gd name="connsiteY4" fmla="*/ 552449 h 552449"/>
+              <a:gd name="connsiteX5" fmla="*/ 0 w 3581400"/>
+              <a:gd name="connsiteY5" fmla="*/ 422726 h 552449"/>
+              <a:gd name="connsiteX6" fmla="*/ 388620 w 3581400"/>
+              <a:gd name="connsiteY6" fmla="*/ 154916 h 552449"/>
+              <a:gd name="connsiteX0" fmla="*/ 388620 w 3581400"/>
+              <a:gd name="connsiteY0" fmla="*/ 154916 h 552449"/>
+              <a:gd name="connsiteX1" fmla="*/ 2224409 w 3581400"/>
+              <a:gd name="connsiteY1" fmla="*/ 0 h 552449"/>
+              <a:gd name="connsiteX2" fmla="*/ 3581400 w 3581400"/>
+              <a:gd name="connsiteY2" fmla="*/ 422726 h 552449"/>
+              <a:gd name="connsiteX3" fmla="*/ 3451677 w 3581400"/>
+              <a:gd name="connsiteY3" fmla="*/ 552449 h 552449"/>
+              <a:gd name="connsiteX4" fmla="*/ 0 w 3581400"/>
+              <a:gd name="connsiteY4" fmla="*/ 422726 h 552449"/>
+              <a:gd name="connsiteX5" fmla="*/ 388620 w 3581400"/>
+              <a:gd name="connsiteY5" fmla="*/ 154916 h 552449"/>
+              <a:gd name="connsiteX0" fmla="*/ 388620 w 3581400"/>
+              <a:gd name="connsiteY0" fmla="*/ 154916 h 654374"/>
+              <a:gd name="connsiteX1" fmla="*/ 2224409 w 3581400"/>
+              <a:gd name="connsiteY1" fmla="*/ 0 h 654374"/>
+              <a:gd name="connsiteX2" fmla="*/ 3581400 w 3581400"/>
+              <a:gd name="connsiteY2" fmla="*/ 422726 h 654374"/>
+              <a:gd name="connsiteX3" fmla="*/ 3451677 w 3581400"/>
+              <a:gd name="connsiteY3" fmla="*/ 552449 h 654374"/>
+              <a:gd name="connsiteX4" fmla="*/ 0 w 3581400"/>
+              <a:gd name="connsiteY4" fmla="*/ 654374 h 654374"/>
+              <a:gd name="connsiteX5" fmla="*/ 388620 w 3581400"/>
+              <a:gd name="connsiteY5" fmla="*/ 154916 h 654374"/>
+            </a:gdLst>
+            <a:ahLst/>
+            <a:cxnLst>
+              <a:cxn ang="0">
+                <a:pos x="connsiteX0" y="connsiteY0"/>
+              </a:cxn>
+              <a:cxn ang="0">
+                <a:pos x="connsiteX1" y="connsiteY1"/>
+              </a:cxn>
+              <a:cxn ang="0">
+                <a:pos x="connsiteX2" y="connsiteY2"/>
+              </a:cxn>
+              <a:cxn ang="0">
+                <a:pos x="connsiteX3" y="connsiteY3"/>
+              </a:cxn>
+              <a:cxn ang="0">
+                <a:pos x="connsiteX4" y="connsiteY4"/>
+              </a:cxn>
+              <a:cxn ang="0">
+                <a:pos x="connsiteX5" y="connsiteY5"/>
+              </a:cxn>
+            </a:cxnLst>
+            <a:rect l="l" t="t" r="r" b="b"/>
+            <a:pathLst>
+              <a:path w="3581400" h="654374">
+                <a:moveTo>
+                  <a:pt x="388620" y="154916"/>
+                </a:moveTo>
+                <a:cubicBezTo>
+                  <a:pt x="696236" y="-15868"/>
+                  <a:pt x="1872978" y="22009"/>
+                  <a:pt x="2224409" y="0"/>
+                </a:cubicBezTo>
+                <a:cubicBezTo>
+                  <a:pt x="2756539" y="44635"/>
+                  <a:pt x="3250871" y="320491"/>
+                  <a:pt x="3581400" y="422726"/>
+                </a:cubicBezTo>
+                <a:cubicBezTo>
+                  <a:pt x="3581400" y="494370"/>
+                  <a:pt x="3523321" y="552449"/>
+                  <a:pt x="3451677" y="552449"/>
+                </a:cubicBezTo>
+                <a:lnTo>
+                  <a:pt x="0" y="654374"/>
+                </a:lnTo>
+                <a:cubicBezTo>
+                  <a:pt x="72390" y="473664"/>
+                  <a:pt x="163830" y="236566"/>
+                  <a:pt x="388620" y="154916"/>
+                </a:cubicBezTo>
+                <a:close/>
+              </a:path>
+            </a:pathLst>
+          </a:custGeom>
+          <a:solidFill>
+            <a:srgbClr val="78547B"/>
+          </a:solidFill>
+          <a:ln>
+            <a:solidFill>
+              <a:srgbClr val="002060"/>
+            </a:solidFill>
+          </a:ln>
+        </p:spPr>
+        <p:style>
+          <a:lnRef idx="2">
+            <a:schemeClr val="accent1">
+              <a:shade val="50000"/>
+            </a:schemeClr>
+          </a:lnRef>
+          <a:fillRef idx="1">
+            <a:schemeClr val="accent1"/>
+          </a:fillRef>
+          <a:effectRef idx="0">
+            <a:schemeClr val="accent1"/>
+          </a:effectRef>
+          <a:fontRef idx="minor">
+            <a:schemeClr val="lt1"/>
+          </a:fontRef>
+        </p:style>
+        <p:txBody>
+          <a:bodyPr rtlCol="0" anchor="ctr"/>
+          <a:lstStyle/>
+          <a:p>
+            <a:pPr algn="ctr"/>
+            <a:endParaRPr lang="ko-KR" altLang="en-US"/>
+          </a:p>
+        </p:txBody>
+      </p:sp>
+      <p:sp>
+        <p:nvSpPr>
+          <p:cNvPr id="20" name="모서리가 둥근 직사각형 7"/>
+          <p:cNvSpPr/>
+          <p:nvPr/>
+        </p:nvSpPr>
+        <p:spPr>
+          <a:xfrm>
+            <a:off x="470785" y="5421630"/>
+            <a:ext cx="3586865" cy="918209"/>
+          </a:xfrm>
+          <a:custGeom>
+            <a:avLst/>
+            <a:gdLst>
+              <a:gd name="connsiteX0" fmla="*/ 0 w 3581400"/>
+              <a:gd name="connsiteY0" fmla="*/ 129723 h 1178766"/>
+              <a:gd name="connsiteX1" fmla="*/ 129723 w 3581400"/>
+              <a:gd name="connsiteY1" fmla="*/ 0 h 1178766"/>
+              <a:gd name="connsiteX2" fmla="*/ 3451677 w 3581400"/>
+              <a:gd name="connsiteY2" fmla="*/ 0 h 1178766"/>
+              <a:gd name="connsiteX3" fmla="*/ 3581400 w 3581400"/>
+              <a:gd name="connsiteY3" fmla="*/ 129723 h 1178766"/>
+              <a:gd name="connsiteX4" fmla="*/ 3581400 w 3581400"/>
+              <a:gd name="connsiteY4" fmla="*/ 1049043 h 1178766"/>
+              <a:gd name="connsiteX5" fmla="*/ 3451677 w 3581400"/>
+              <a:gd name="connsiteY5" fmla="*/ 1178766 h 1178766"/>
+              <a:gd name="connsiteX6" fmla="*/ 129723 w 3581400"/>
+              <a:gd name="connsiteY6" fmla="*/ 1178766 h 1178766"/>
+              <a:gd name="connsiteX7" fmla="*/ 0 w 3581400"/>
+              <a:gd name="connsiteY7" fmla="*/ 1049043 h 1178766"/>
+              <a:gd name="connsiteX8" fmla="*/ 0 w 3581400"/>
+              <a:gd name="connsiteY8" fmla="*/ 129723 h 1178766"/>
+              <a:gd name="connsiteX0" fmla="*/ 0 w 3581400"/>
+              <a:gd name="connsiteY0" fmla="*/ 129723 h 1178766"/>
+              <a:gd name="connsiteX1" fmla="*/ 129723 w 3581400"/>
+              <a:gd name="connsiteY1" fmla="*/ 0 h 1178766"/>
+              <a:gd name="connsiteX2" fmla="*/ 1319915 w 3581400"/>
+              <a:gd name="connsiteY2" fmla="*/ 1477 h 1178766"/>
+              <a:gd name="connsiteX3" fmla="*/ 3451677 w 3581400"/>
+              <a:gd name="connsiteY3" fmla="*/ 0 h 1178766"/>
+              <a:gd name="connsiteX4" fmla="*/ 3581400 w 3581400"/>
+              <a:gd name="connsiteY4" fmla="*/ 129723 h 1178766"/>
+              <a:gd name="connsiteX5" fmla="*/ 3581400 w 3581400"/>
+              <a:gd name="connsiteY5" fmla="*/ 1049043 h 1178766"/>
+              <a:gd name="connsiteX6" fmla="*/ 3451677 w 3581400"/>
+              <a:gd name="connsiteY6" fmla="*/ 1178766 h 1178766"/>
+              <a:gd name="connsiteX7" fmla="*/ 129723 w 3581400"/>
+              <a:gd name="connsiteY7" fmla="*/ 1178766 h 1178766"/>
+              <a:gd name="connsiteX8" fmla="*/ 0 w 3581400"/>
+              <a:gd name="connsiteY8" fmla="*/ 1049043 h 1178766"/>
+              <a:gd name="connsiteX9" fmla="*/ 0 w 3581400"/>
+              <a:gd name="connsiteY9" fmla="*/ 129723 h 1178766"/>
+              <a:gd name="connsiteX0" fmla="*/ 0 w 3581400"/>
+              <a:gd name="connsiteY0" fmla="*/ 129723 h 1178766"/>
+              <a:gd name="connsiteX1" fmla="*/ 129723 w 3581400"/>
+              <a:gd name="connsiteY1" fmla="*/ 0 h 1178766"/>
+              <a:gd name="connsiteX2" fmla="*/ 1319915 w 3581400"/>
+              <a:gd name="connsiteY2" fmla="*/ 1477 h 1178766"/>
+              <a:gd name="connsiteX3" fmla="*/ 3030605 w 3581400"/>
+              <a:gd name="connsiteY3" fmla="*/ 1477 h 1178766"/>
+              <a:gd name="connsiteX4" fmla="*/ 3451677 w 3581400"/>
+              <a:gd name="connsiteY4" fmla="*/ 0 h 1178766"/>
+              <a:gd name="connsiteX5" fmla="*/ 3581400 w 3581400"/>
+              <a:gd name="connsiteY5" fmla="*/ 129723 h 1178766"/>
+              <a:gd name="connsiteX6" fmla="*/ 3581400 w 3581400"/>
+              <a:gd name="connsiteY6" fmla="*/ 1049043 h 1178766"/>
+              <a:gd name="connsiteX7" fmla="*/ 3451677 w 3581400"/>
+              <a:gd name="connsiteY7" fmla="*/ 1178766 h 1178766"/>
+              <a:gd name="connsiteX8" fmla="*/ 129723 w 3581400"/>
+              <a:gd name="connsiteY8" fmla="*/ 1178766 h 1178766"/>
+              <a:gd name="connsiteX9" fmla="*/ 0 w 3581400"/>
+              <a:gd name="connsiteY9" fmla="*/ 1049043 h 1178766"/>
+              <a:gd name="connsiteX10" fmla="*/ 0 w 3581400"/>
+              <a:gd name="connsiteY10" fmla="*/ 129723 h 1178766"/>
+              <a:gd name="connsiteX0" fmla="*/ 0 w 3581400"/>
+              <a:gd name="connsiteY0" fmla="*/ 132056 h 1181099"/>
+              <a:gd name="connsiteX1" fmla="*/ 129723 w 3581400"/>
+              <a:gd name="connsiteY1" fmla="*/ 2333 h 1181099"/>
+              <a:gd name="connsiteX2" fmla="*/ 1319915 w 3581400"/>
+              <a:gd name="connsiteY2" fmla="*/ 3810 h 1181099"/>
+              <a:gd name="connsiteX3" fmla="*/ 2108585 w 3581400"/>
+              <a:gd name="connsiteY3" fmla="*/ 0 h 1181099"/>
+              <a:gd name="connsiteX4" fmla="*/ 3030605 w 3581400"/>
+              <a:gd name="connsiteY4" fmla="*/ 3810 h 1181099"/>
+              <a:gd name="connsiteX5" fmla="*/ 3451677 w 3581400"/>
+              <a:gd name="connsiteY5" fmla="*/ 2333 h 1181099"/>
+              <a:gd name="connsiteX6" fmla="*/ 3581400 w 3581400"/>
+              <a:gd name="connsiteY6" fmla="*/ 132056 h 1181099"/>
+              <a:gd name="connsiteX7" fmla="*/ 3581400 w 3581400"/>
+              <a:gd name="connsiteY7" fmla="*/ 1051376 h 1181099"/>
+              <a:gd name="connsiteX8" fmla="*/ 3451677 w 3581400"/>
+              <a:gd name="connsiteY8" fmla="*/ 1181099 h 1181099"/>
+              <a:gd name="connsiteX9" fmla="*/ 129723 w 3581400"/>
+              <a:gd name="connsiteY9" fmla="*/ 1181099 h 1181099"/>
+              <a:gd name="connsiteX10" fmla="*/ 0 w 3581400"/>
+              <a:gd name="connsiteY10" fmla="*/ 1051376 h 1181099"/>
+              <a:gd name="connsiteX11" fmla="*/ 0 w 3581400"/>
+              <a:gd name="connsiteY11" fmla="*/ 132056 h 1181099"/>
+              <a:gd name="connsiteX0" fmla="*/ 0 w 3581400"/>
+              <a:gd name="connsiteY0" fmla="*/ 132056 h 1181099"/>
+              <a:gd name="connsiteX1" fmla="*/ 129723 w 3581400"/>
+              <a:gd name="connsiteY1" fmla="*/ 2333 h 1181099"/>
+              <a:gd name="connsiteX2" fmla="*/ 706505 w 3581400"/>
+              <a:gd name="connsiteY2" fmla="*/ 3811 h 1181099"/>
+              <a:gd name="connsiteX3" fmla="*/ 1319915 w 3581400"/>
+              <a:gd name="connsiteY3" fmla="*/ 3810 h 1181099"/>
+              <a:gd name="connsiteX4" fmla="*/ 2108585 w 3581400"/>
+              <a:gd name="connsiteY4" fmla="*/ 0 h 1181099"/>
+              <a:gd name="connsiteX5" fmla="*/ 3030605 w 3581400"/>
+              <a:gd name="connsiteY5" fmla="*/ 3810 h 1181099"/>
+              <a:gd name="connsiteX6" fmla="*/ 3451677 w 3581400"/>
+              <a:gd name="connsiteY6" fmla="*/ 2333 h 1181099"/>
+              <a:gd name="connsiteX7" fmla="*/ 3581400 w 3581400"/>
+              <a:gd name="connsiteY7" fmla="*/ 132056 h 1181099"/>
+              <a:gd name="connsiteX8" fmla="*/ 3581400 w 3581400"/>
+              <a:gd name="connsiteY8" fmla="*/ 1051376 h 1181099"/>
+              <a:gd name="connsiteX9" fmla="*/ 3451677 w 3581400"/>
+              <a:gd name="connsiteY9" fmla="*/ 1181099 h 1181099"/>
+              <a:gd name="connsiteX10" fmla="*/ 129723 w 3581400"/>
+              <a:gd name="connsiteY10" fmla="*/ 1181099 h 1181099"/>
+              <a:gd name="connsiteX11" fmla="*/ 0 w 3581400"/>
+              <a:gd name="connsiteY11" fmla="*/ 1051376 h 1181099"/>
+              <a:gd name="connsiteX12" fmla="*/ 0 w 3581400"/>
+              <a:gd name="connsiteY12" fmla="*/ 132056 h 1181099"/>
+              <a:gd name="connsiteX0" fmla="*/ 0 w 3581400"/>
+              <a:gd name="connsiteY0" fmla="*/ 132056 h 1181099"/>
+              <a:gd name="connsiteX1" fmla="*/ 706505 w 3581400"/>
+              <a:gd name="connsiteY1" fmla="*/ 3811 h 1181099"/>
+              <a:gd name="connsiteX2" fmla="*/ 1319915 w 3581400"/>
+              <a:gd name="connsiteY2" fmla="*/ 3810 h 1181099"/>
+              <a:gd name="connsiteX3" fmla="*/ 2108585 w 3581400"/>
+              <a:gd name="connsiteY3" fmla="*/ 0 h 1181099"/>
+              <a:gd name="connsiteX4" fmla="*/ 3030605 w 3581400"/>
+              <a:gd name="connsiteY4" fmla="*/ 3810 h 1181099"/>
+              <a:gd name="connsiteX5" fmla="*/ 3451677 w 3581400"/>
+              <a:gd name="connsiteY5" fmla="*/ 2333 h 1181099"/>
+              <a:gd name="connsiteX6" fmla="*/ 3581400 w 3581400"/>
+              <a:gd name="connsiteY6" fmla="*/ 132056 h 1181099"/>
+              <a:gd name="connsiteX7" fmla="*/ 3581400 w 3581400"/>
+              <a:gd name="connsiteY7" fmla="*/ 1051376 h 1181099"/>
+              <a:gd name="connsiteX8" fmla="*/ 3451677 w 3581400"/>
+              <a:gd name="connsiteY8" fmla="*/ 1181099 h 1181099"/>
+              <a:gd name="connsiteX9" fmla="*/ 129723 w 3581400"/>
+              <a:gd name="connsiteY9" fmla="*/ 1181099 h 1181099"/>
+              <a:gd name="connsiteX10" fmla="*/ 0 w 3581400"/>
+              <a:gd name="connsiteY10" fmla="*/ 1051376 h 1181099"/>
+              <a:gd name="connsiteX11" fmla="*/ 0 w 3581400"/>
+              <a:gd name="connsiteY11" fmla="*/ 132056 h 1181099"/>
+              <a:gd name="connsiteX0" fmla="*/ 0 w 3581400"/>
+              <a:gd name="connsiteY0" fmla="*/ 132056 h 1181099"/>
+              <a:gd name="connsiteX1" fmla="*/ 1319915 w 3581400"/>
+              <a:gd name="connsiteY1" fmla="*/ 3810 h 1181099"/>
+              <a:gd name="connsiteX2" fmla="*/ 2108585 w 3581400"/>
+              <a:gd name="connsiteY2" fmla="*/ 0 h 1181099"/>
+              <a:gd name="connsiteX3" fmla="*/ 3030605 w 3581400"/>
+              <a:gd name="connsiteY3" fmla="*/ 3810 h 1181099"/>
+              <a:gd name="connsiteX4" fmla="*/ 3451677 w 3581400"/>
+              <a:gd name="connsiteY4" fmla="*/ 2333 h 1181099"/>
+              <a:gd name="connsiteX5" fmla="*/ 3581400 w 3581400"/>
+              <a:gd name="connsiteY5" fmla="*/ 132056 h 1181099"/>
+              <a:gd name="connsiteX6" fmla="*/ 3581400 w 3581400"/>
+              <a:gd name="connsiteY6" fmla="*/ 1051376 h 1181099"/>
+              <a:gd name="connsiteX7" fmla="*/ 3451677 w 3581400"/>
+              <a:gd name="connsiteY7" fmla="*/ 1181099 h 1181099"/>
+              <a:gd name="connsiteX8" fmla="*/ 129723 w 3581400"/>
+              <a:gd name="connsiteY8" fmla="*/ 1181099 h 1181099"/>
+              <a:gd name="connsiteX9" fmla="*/ 0 w 3581400"/>
+              <a:gd name="connsiteY9" fmla="*/ 1051376 h 1181099"/>
+              <a:gd name="connsiteX10" fmla="*/ 0 w 3581400"/>
+              <a:gd name="connsiteY10" fmla="*/ 132056 h 1181099"/>
+              <a:gd name="connsiteX0" fmla="*/ 0 w 3581400"/>
+              <a:gd name="connsiteY0" fmla="*/ 132056 h 1181099"/>
+              <a:gd name="connsiteX1" fmla="*/ 1453265 w 3581400"/>
+              <a:gd name="connsiteY1" fmla="*/ 198120 h 1181099"/>
+              <a:gd name="connsiteX2" fmla="*/ 2108585 w 3581400"/>
+              <a:gd name="connsiteY2" fmla="*/ 0 h 1181099"/>
+              <a:gd name="connsiteX3" fmla="*/ 3030605 w 3581400"/>
+              <a:gd name="connsiteY3" fmla="*/ 3810 h 1181099"/>
+              <a:gd name="connsiteX4" fmla="*/ 3451677 w 3581400"/>
+              <a:gd name="connsiteY4" fmla="*/ 2333 h 1181099"/>
+              <a:gd name="connsiteX5" fmla="*/ 3581400 w 3581400"/>
+              <a:gd name="connsiteY5" fmla="*/ 132056 h 1181099"/>
+              <a:gd name="connsiteX6" fmla="*/ 3581400 w 3581400"/>
+              <a:gd name="connsiteY6" fmla="*/ 1051376 h 1181099"/>
+              <a:gd name="connsiteX7" fmla="*/ 3451677 w 3581400"/>
+              <a:gd name="connsiteY7" fmla="*/ 1181099 h 1181099"/>
+              <a:gd name="connsiteX8" fmla="*/ 129723 w 3581400"/>
+              <a:gd name="connsiteY8" fmla="*/ 1181099 h 1181099"/>
+              <a:gd name="connsiteX9" fmla="*/ 0 w 3581400"/>
+              <a:gd name="connsiteY9" fmla="*/ 1051376 h 1181099"/>
+              <a:gd name="connsiteX10" fmla="*/ 0 w 3581400"/>
+              <a:gd name="connsiteY10" fmla="*/ 132056 h 1181099"/>
+              <a:gd name="connsiteX0" fmla="*/ 0 w 3581400"/>
+              <a:gd name="connsiteY0" fmla="*/ 132056 h 1181099"/>
+              <a:gd name="connsiteX1" fmla="*/ 1377065 w 3581400"/>
+              <a:gd name="connsiteY1" fmla="*/ 567690 h 1181099"/>
+              <a:gd name="connsiteX2" fmla="*/ 2108585 w 3581400"/>
+              <a:gd name="connsiteY2" fmla="*/ 0 h 1181099"/>
+              <a:gd name="connsiteX3" fmla="*/ 3030605 w 3581400"/>
+              <a:gd name="connsiteY3" fmla="*/ 3810 h 1181099"/>
+              <a:gd name="connsiteX4" fmla="*/ 3451677 w 3581400"/>
+              <a:gd name="connsiteY4" fmla="*/ 2333 h 1181099"/>
+              <a:gd name="connsiteX5" fmla="*/ 3581400 w 3581400"/>
+              <a:gd name="connsiteY5" fmla="*/ 132056 h 1181099"/>
+              <a:gd name="connsiteX6" fmla="*/ 3581400 w 3581400"/>
+              <a:gd name="connsiteY6" fmla="*/ 1051376 h 1181099"/>
+              <a:gd name="connsiteX7" fmla="*/ 3451677 w 3581400"/>
+              <a:gd name="connsiteY7" fmla="*/ 1181099 h 1181099"/>
+              <a:gd name="connsiteX8" fmla="*/ 129723 w 3581400"/>
+              <a:gd name="connsiteY8" fmla="*/ 1181099 h 1181099"/>
+              <a:gd name="connsiteX9" fmla="*/ 0 w 3581400"/>
+              <a:gd name="connsiteY9" fmla="*/ 1051376 h 1181099"/>
+              <a:gd name="connsiteX10" fmla="*/ 0 w 3581400"/>
+              <a:gd name="connsiteY10" fmla="*/ 132056 h 1181099"/>
+              <a:gd name="connsiteX0" fmla="*/ 0 w 3581400"/>
+              <a:gd name="connsiteY0" fmla="*/ 132056 h 1181099"/>
+              <a:gd name="connsiteX1" fmla="*/ 1468505 w 3581400"/>
+              <a:gd name="connsiteY1" fmla="*/ 567690 h 1181099"/>
+              <a:gd name="connsiteX2" fmla="*/ 2108585 w 3581400"/>
+              <a:gd name="connsiteY2" fmla="*/ 0 h 1181099"/>
+              <a:gd name="connsiteX3" fmla="*/ 3030605 w 3581400"/>
+              <a:gd name="connsiteY3" fmla="*/ 3810 h 1181099"/>
+              <a:gd name="connsiteX4" fmla="*/ 3451677 w 3581400"/>
+              <a:gd name="connsiteY4" fmla="*/ 2333 h 1181099"/>
+              <a:gd name="connsiteX5" fmla="*/ 3581400 w 3581400"/>
+              <a:gd name="connsiteY5" fmla="*/ 132056 h 1181099"/>
+              <a:gd name="connsiteX6" fmla="*/ 3581400 w 3581400"/>
+              <a:gd name="connsiteY6" fmla="*/ 1051376 h 1181099"/>
+              <a:gd name="connsiteX7" fmla="*/ 3451677 w 3581400"/>
+              <a:gd name="connsiteY7" fmla="*/ 1181099 h 1181099"/>
+              <a:gd name="connsiteX8" fmla="*/ 129723 w 3581400"/>
+              <a:gd name="connsiteY8" fmla="*/ 1181099 h 1181099"/>
+              <a:gd name="connsiteX9" fmla="*/ 0 w 3581400"/>
+              <a:gd name="connsiteY9" fmla="*/ 1051376 h 1181099"/>
+              <a:gd name="connsiteX10" fmla="*/ 0 w 3581400"/>
+              <a:gd name="connsiteY10" fmla="*/ 132056 h 1181099"/>
+              <a:gd name="connsiteX0" fmla="*/ 0 w 3581400"/>
+              <a:gd name="connsiteY0" fmla="*/ 129723 h 1178766"/>
+              <a:gd name="connsiteX1" fmla="*/ 1468505 w 3581400"/>
+              <a:gd name="connsiteY1" fmla="*/ 565357 h 1178766"/>
+              <a:gd name="connsiteX2" fmla="*/ 3030605 w 3581400"/>
+              <a:gd name="connsiteY2" fmla="*/ 1477 h 1178766"/>
+              <a:gd name="connsiteX3" fmla="*/ 3451677 w 3581400"/>
+              <a:gd name="connsiteY3" fmla="*/ 0 h 1178766"/>
+              <a:gd name="connsiteX4" fmla="*/ 3581400 w 3581400"/>
+              <a:gd name="connsiteY4" fmla="*/ 129723 h 1178766"/>
+              <a:gd name="connsiteX5" fmla="*/ 3581400 w 3581400"/>
+              <a:gd name="connsiteY5" fmla="*/ 1049043 h 1178766"/>
+              <a:gd name="connsiteX6" fmla="*/ 3451677 w 3581400"/>
+              <a:gd name="connsiteY6" fmla="*/ 1178766 h 1178766"/>
+              <a:gd name="connsiteX7" fmla="*/ 129723 w 3581400"/>
+              <a:gd name="connsiteY7" fmla="*/ 1178766 h 1178766"/>
+              <a:gd name="connsiteX8" fmla="*/ 0 w 3581400"/>
+              <a:gd name="connsiteY8" fmla="*/ 1049043 h 1178766"/>
+              <a:gd name="connsiteX9" fmla="*/ 0 w 3581400"/>
+              <a:gd name="connsiteY9" fmla="*/ 129723 h 1178766"/>
+              <a:gd name="connsiteX0" fmla="*/ 0 w 3581400"/>
+              <a:gd name="connsiteY0" fmla="*/ 129723 h 1178766"/>
+              <a:gd name="connsiteX1" fmla="*/ 1468505 w 3581400"/>
+              <a:gd name="connsiteY1" fmla="*/ 565357 h 1178766"/>
+              <a:gd name="connsiteX2" fmla="*/ 2965835 w 3581400"/>
+              <a:gd name="connsiteY2" fmla="*/ 466297 h 1178766"/>
+              <a:gd name="connsiteX3" fmla="*/ 3451677 w 3581400"/>
+              <a:gd name="connsiteY3" fmla="*/ 0 h 1178766"/>
+              <a:gd name="connsiteX4" fmla="*/ 3581400 w 3581400"/>
+              <a:gd name="connsiteY4" fmla="*/ 129723 h 1178766"/>
+              <a:gd name="connsiteX5" fmla="*/ 3581400 w 3581400"/>
+              <a:gd name="connsiteY5" fmla="*/ 1049043 h 1178766"/>
+              <a:gd name="connsiteX6" fmla="*/ 3451677 w 3581400"/>
+              <a:gd name="connsiteY6" fmla="*/ 1178766 h 1178766"/>
+              <a:gd name="connsiteX7" fmla="*/ 129723 w 3581400"/>
+              <a:gd name="connsiteY7" fmla="*/ 1178766 h 1178766"/>
+              <a:gd name="connsiteX8" fmla="*/ 0 w 3581400"/>
+              <a:gd name="connsiteY8" fmla="*/ 1049043 h 1178766"/>
+              <a:gd name="connsiteX9" fmla="*/ 0 w 3581400"/>
+              <a:gd name="connsiteY9" fmla="*/ 129723 h 1178766"/>
+              <a:gd name="connsiteX0" fmla="*/ 0 w 3581400"/>
+              <a:gd name="connsiteY0" fmla="*/ 30529 h 1079572"/>
+              <a:gd name="connsiteX1" fmla="*/ 1468505 w 3581400"/>
+              <a:gd name="connsiteY1" fmla="*/ 466163 h 1079572"/>
+              <a:gd name="connsiteX2" fmla="*/ 2965835 w 3581400"/>
+              <a:gd name="connsiteY2" fmla="*/ 367103 h 1079572"/>
+              <a:gd name="connsiteX3" fmla="*/ 3581400 w 3581400"/>
+              <a:gd name="connsiteY3" fmla="*/ 30529 h 1079572"/>
+              <a:gd name="connsiteX4" fmla="*/ 3581400 w 3581400"/>
+              <a:gd name="connsiteY4" fmla="*/ 949849 h 1079572"/>
+              <a:gd name="connsiteX5" fmla="*/ 3451677 w 3581400"/>
+              <a:gd name="connsiteY5" fmla="*/ 1079572 h 1079572"/>
+              <a:gd name="connsiteX6" fmla="*/ 129723 w 3581400"/>
+              <a:gd name="connsiteY6" fmla="*/ 1079572 h 1079572"/>
+              <a:gd name="connsiteX7" fmla="*/ 0 w 3581400"/>
+              <a:gd name="connsiteY7" fmla="*/ 949849 h 1079572"/>
+              <a:gd name="connsiteX8" fmla="*/ 0 w 3581400"/>
+              <a:gd name="connsiteY8" fmla="*/ 30529 h 1079572"/>
+              <a:gd name="connsiteX0" fmla="*/ 0 w 3581400"/>
+              <a:gd name="connsiteY0" fmla="*/ 30529 h 1079572"/>
+              <a:gd name="connsiteX1" fmla="*/ 1468505 w 3581400"/>
+              <a:gd name="connsiteY1" fmla="*/ 466163 h 1079572"/>
+              <a:gd name="connsiteX2" fmla="*/ 2965835 w 3581400"/>
+              <a:gd name="connsiteY2" fmla="*/ 367103 h 1079572"/>
+              <a:gd name="connsiteX3" fmla="*/ 3581400 w 3581400"/>
+              <a:gd name="connsiteY3" fmla="*/ 949849 h 1079572"/>
+              <a:gd name="connsiteX4" fmla="*/ 3451677 w 3581400"/>
+              <a:gd name="connsiteY4" fmla="*/ 1079572 h 1079572"/>
+              <a:gd name="connsiteX5" fmla="*/ 129723 w 3581400"/>
+              <a:gd name="connsiteY5" fmla="*/ 1079572 h 1079572"/>
+              <a:gd name="connsiteX6" fmla="*/ 0 w 3581400"/>
+              <a:gd name="connsiteY6" fmla="*/ 949849 h 1079572"/>
+              <a:gd name="connsiteX7" fmla="*/ 0 w 3581400"/>
+              <a:gd name="connsiteY7" fmla="*/ 30529 h 1079572"/>
+              <a:gd name="connsiteX0" fmla="*/ 0 w 3586865"/>
+              <a:gd name="connsiteY0" fmla="*/ 30529 h 1079572"/>
+              <a:gd name="connsiteX1" fmla="*/ 1468505 w 3586865"/>
+              <a:gd name="connsiteY1" fmla="*/ 466163 h 1079572"/>
+              <a:gd name="connsiteX2" fmla="*/ 3586865 w 3586865"/>
+              <a:gd name="connsiteY2" fmla="*/ 161363 h 1079572"/>
+              <a:gd name="connsiteX3" fmla="*/ 3581400 w 3586865"/>
+              <a:gd name="connsiteY3" fmla="*/ 949849 h 1079572"/>
+              <a:gd name="connsiteX4" fmla="*/ 3451677 w 3586865"/>
+              <a:gd name="connsiteY4" fmla="*/ 1079572 h 1079572"/>
+              <a:gd name="connsiteX5" fmla="*/ 129723 w 3586865"/>
+              <a:gd name="connsiteY5" fmla="*/ 1079572 h 1079572"/>
+              <a:gd name="connsiteX6" fmla="*/ 0 w 3586865"/>
+              <a:gd name="connsiteY6" fmla="*/ 949849 h 1079572"/>
+              <a:gd name="connsiteX7" fmla="*/ 0 w 3586865"/>
+              <a:gd name="connsiteY7" fmla="*/ 30529 h 1079572"/>
+              <a:gd name="connsiteX0" fmla="*/ 0 w 3586865"/>
+              <a:gd name="connsiteY0" fmla="*/ 30529 h 1079572"/>
+              <a:gd name="connsiteX1" fmla="*/ 1468505 w 3586865"/>
+              <a:gd name="connsiteY1" fmla="*/ 466163 h 1079572"/>
+              <a:gd name="connsiteX2" fmla="*/ 3586865 w 3586865"/>
+              <a:gd name="connsiteY2" fmla="*/ 161363 h 1079572"/>
+              <a:gd name="connsiteX3" fmla="*/ 3581400 w 3586865"/>
+              <a:gd name="connsiteY3" fmla="*/ 949849 h 1079572"/>
+              <a:gd name="connsiteX4" fmla="*/ 3451677 w 3586865"/>
+              <a:gd name="connsiteY4" fmla="*/ 1079572 h 1079572"/>
+              <a:gd name="connsiteX5" fmla="*/ 129723 w 3586865"/>
+              <a:gd name="connsiteY5" fmla="*/ 1079572 h 1079572"/>
+              <a:gd name="connsiteX6" fmla="*/ 0 w 3586865"/>
+              <a:gd name="connsiteY6" fmla="*/ 949849 h 1079572"/>
+              <a:gd name="connsiteX7" fmla="*/ 0 w 3586865"/>
+              <a:gd name="connsiteY7" fmla="*/ 30529 h 1079572"/>
+              <a:gd name="connsiteX0" fmla="*/ 0 w 3586865"/>
+              <a:gd name="connsiteY0" fmla="*/ 30529 h 1079572"/>
+              <a:gd name="connsiteX1" fmla="*/ 1468505 w 3586865"/>
+              <a:gd name="connsiteY1" fmla="*/ 466163 h 1079572"/>
+              <a:gd name="connsiteX2" fmla="*/ 3586865 w 3586865"/>
+              <a:gd name="connsiteY2" fmla="*/ 161363 h 1079572"/>
+              <a:gd name="connsiteX3" fmla="*/ 3581400 w 3586865"/>
+              <a:gd name="connsiteY3" fmla="*/ 949849 h 1079572"/>
+              <a:gd name="connsiteX4" fmla="*/ 3451677 w 3586865"/>
+              <a:gd name="connsiteY4" fmla="*/ 1079572 h 1079572"/>
+              <a:gd name="connsiteX5" fmla="*/ 129723 w 3586865"/>
+              <a:gd name="connsiteY5" fmla="*/ 1079572 h 1079572"/>
+              <a:gd name="connsiteX6" fmla="*/ 0 w 3586865"/>
+              <a:gd name="connsiteY6" fmla="*/ 949849 h 1079572"/>
+              <a:gd name="connsiteX7" fmla="*/ 0 w 3586865"/>
+              <a:gd name="connsiteY7" fmla="*/ 30529 h 1079572"/>
+              <a:gd name="connsiteX0" fmla="*/ 125730 w 3586865"/>
+              <a:gd name="connsiteY0" fmla="*/ 494006 h 918209"/>
+              <a:gd name="connsiteX1" fmla="*/ 1468505 w 3586865"/>
+              <a:gd name="connsiteY1" fmla="*/ 304800 h 918209"/>
+              <a:gd name="connsiteX2" fmla="*/ 3586865 w 3586865"/>
+              <a:gd name="connsiteY2" fmla="*/ 0 h 918209"/>
+              <a:gd name="connsiteX3" fmla="*/ 3581400 w 3586865"/>
+              <a:gd name="connsiteY3" fmla="*/ 788486 h 918209"/>
+              <a:gd name="connsiteX4" fmla="*/ 3451677 w 3586865"/>
+              <a:gd name="connsiteY4" fmla="*/ 918209 h 918209"/>
+              <a:gd name="connsiteX5" fmla="*/ 129723 w 3586865"/>
+              <a:gd name="connsiteY5" fmla="*/ 918209 h 918209"/>
+              <a:gd name="connsiteX6" fmla="*/ 0 w 3586865"/>
+              <a:gd name="connsiteY6" fmla="*/ 788486 h 918209"/>
+              <a:gd name="connsiteX7" fmla="*/ 125730 w 3586865"/>
+              <a:gd name="connsiteY7" fmla="*/ 494006 h 918209"/>
+              <a:gd name="connsiteX0" fmla="*/ 388620 w 3586865"/>
+              <a:gd name="connsiteY0" fmla="*/ 520676 h 918209"/>
+              <a:gd name="connsiteX1" fmla="*/ 1468505 w 3586865"/>
+              <a:gd name="connsiteY1" fmla="*/ 304800 h 918209"/>
+              <a:gd name="connsiteX2" fmla="*/ 3586865 w 3586865"/>
+              <a:gd name="connsiteY2" fmla="*/ 0 h 918209"/>
+              <a:gd name="connsiteX3" fmla="*/ 3581400 w 3586865"/>
+              <a:gd name="connsiteY3" fmla="*/ 788486 h 918209"/>
+              <a:gd name="connsiteX4" fmla="*/ 3451677 w 3586865"/>
+              <a:gd name="connsiteY4" fmla="*/ 918209 h 918209"/>
+              <a:gd name="connsiteX5" fmla="*/ 129723 w 3586865"/>
+              <a:gd name="connsiteY5" fmla="*/ 918209 h 918209"/>
+              <a:gd name="connsiteX6" fmla="*/ 0 w 3586865"/>
+              <a:gd name="connsiteY6" fmla="*/ 788486 h 918209"/>
+              <a:gd name="connsiteX7" fmla="*/ 388620 w 3586865"/>
+              <a:gd name="connsiteY7" fmla="*/ 520676 h 918209"/>
+              <a:gd name="connsiteX0" fmla="*/ 388620 w 3586865"/>
+              <a:gd name="connsiteY0" fmla="*/ 520676 h 918209"/>
+              <a:gd name="connsiteX1" fmla="*/ 1468505 w 3586865"/>
+              <a:gd name="connsiteY1" fmla="*/ 304800 h 918209"/>
+              <a:gd name="connsiteX2" fmla="*/ 3586865 w 3586865"/>
+              <a:gd name="connsiteY2" fmla="*/ 0 h 918209"/>
+              <a:gd name="connsiteX3" fmla="*/ 3581400 w 3586865"/>
+              <a:gd name="connsiteY3" fmla="*/ 788486 h 918209"/>
+              <a:gd name="connsiteX4" fmla="*/ 3451677 w 3586865"/>
+              <a:gd name="connsiteY4" fmla="*/ 918209 h 918209"/>
+              <a:gd name="connsiteX5" fmla="*/ 129723 w 3586865"/>
+              <a:gd name="connsiteY5" fmla="*/ 918209 h 918209"/>
+              <a:gd name="connsiteX6" fmla="*/ 0 w 3586865"/>
+              <a:gd name="connsiteY6" fmla="*/ 788486 h 918209"/>
+              <a:gd name="connsiteX7" fmla="*/ 388620 w 3586865"/>
+              <a:gd name="connsiteY7" fmla="*/ 520676 h 918209"/>
+              <a:gd name="connsiteX0" fmla="*/ 388620 w 3586865"/>
+              <a:gd name="connsiteY0" fmla="*/ 520676 h 918209"/>
+              <a:gd name="connsiteX1" fmla="*/ 1468505 w 3586865"/>
+              <a:gd name="connsiteY1" fmla="*/ 304800 h 918209"/>
+              <a:gd name="connsiteX2" fmla="*/ 3586865 w 3586865"/>
+              <a:gd name="connsiteY2" fmla="*/ 0 h 918209"/>
+              <a:gd name="connsiteX3" fmla="*/ 3581400 w 3586865"/>
+              <a:gd name="connsiteY3" fmla="*/ 788486 h 918209"/>
+              <a:gd name="connsiteX4" fmla="*/ 3451677 w 3586865"/>
+              <a:gd name="connsiteY4" fmla="*/ 918209 h 918209"/>
+              <a:gd name="connsiteX5" fmla="*/ 129723 w 3586865"/>
+              <a:gd name="connsiteY5" fmla="*/ 918209 h 918209"/>
+              <a:gd name="connsiteX6" fmla="*/ 0 w 3586865"/>
+              <a:gd name="connsiteY6" fmla="*/ 788486 h 918209"/>
+              <a:gd name="connsiteX7" fmla="*/ 388620 w 3586865"/>
+              <a:gd name="connsiteY7" fmla="*/ 520676 h 918209"/>
+              <a:gd name="connsiteX0" fmla="*/ 388620 w 3586865"/>
+              <a:gd name="connsiteY0" fmla="*/ 520676 h 918209"/>
+              <a:gd name="connsiteX1" fmla="*/ 1468505 w 3586865"/>
+              <a:gd name="connsiteY1" fmla="*/ 304800 h 918209"/>
+              <a:gd name="connsiteX2" fmla="*/ 3586865 w 3586865"/>
+              <a:gd name="connsiteY2" fmla="*/ 0 h 918209"/>
+              <a:gd name="connsiteX3" fmla="*/ 3581400 w 3586865"/>
+              <a:gd name="connsiteY3" fmla="*/ 788486 h 918209"/>
+              <a:gd name="connsiteX4" fmla="*/ 3451677 w 3586865"/>
+              <a:gd name="connsiteY4" fmla="*/ 918209 h 918209"/>
+              <a:gd name="connsiteX5" fmla="*/ 129723 w 3586865"/>
+              <a:gd name="connsiteY5" fmla="*/ 918209 h 918209"/>
+              <a:gd name="connsiteX6" fmla="*/ 0 w 3586865"/>
+              <a:gd name="connsiteY6" fmla="*/ 788486 h 918209"/>
+              <a:gd name="connsiteX7" fmla="*/ 388620 w 3586865"/>
+              <a:gd name="connsiteY7" fmla="*/ 520676 h 918209"/>
+              <a:gd name="connsiteX0" fmla="*/ 388620 w 3586865"/>
+              <a:gd name="connsiteY0" fmla="*/ 520676 h 918209"/>
+              <a:gd name="connsiteX1" fmla="*/ 1468505 w 3586865"/>
+              <a:gd name="connsiteY1" fmla="*/ 304800 h 918209"/>
+              <a:gd name="connsiteX2" fmla="*/ 3586865 w 3586865"/>
+              <a:gd name="connsiteY2" fmla="*/ 0 h 918209"/>
+              <a:gd name="connsiteX3" fmla="*/ 3581400 w 3586865"/>
+              <a:gd name="connsiteY3" fmla="*/ 788486 h 918209"/>
+              <a:gd name="connsiteX4" fmla="*/ 3451677 w 3586865"/>
+              <a:gd name="connsiteY4" fmla="*/ 918209 h 918209"/>
+              <a:gd name="connsiteX5" fmla="*/ 129723 w 3586865"/>
+              <a:gd name="connsiteY5" fmla="*/ 918209 h 918209"/>
+              <a:gd name="connsiteX6" fmla="*/ 0 w 3586865"/>
+              <a:gd name="connsiteY6" fmla="*/ 788486 h 918209"/>
+              <a:gd name="connsiteX7" fmla="*/ 388620 w 3586865"/>
+              <a:gd name="connsiteY7" fmla="*/ 520676 h 918209"/>
+            </a:gdLst>
+            <a:ahLst/>
+            <a:cxnLst>
+              <a:cxn ang="0">
+                <a:pos x="connsiteX0" y="connsiteY0"/>
+              </a:cxn>
+              <a:cxn ang="0">
+                <a:pos x="connsiteX1" y="connsiteY1"/>
+              </a:cxn>
+              <a:cxn ang="0">
+                <a:pos x="connsiteX2" y="connsiteY2"/>
+              </a:cxn>
+              <a:cxn ang="0">
+                <a:pos x="connsiteX3" y="connsiteY3"/>
+              </a:cxn>
+              <a:cxn ang="0">
+                <a:pos x="connsiteX4" y="connsiteY4"/>
+              </a:cxn>
+              <a:cxn ang="0">
+                <a:pos x="connsiteX5" y="connsiteY5"/>
+              </a:cxn>
+              <a:cxn ang="0">
+                <a:pos x="connsiteX6" y="connsiteY6"/>
+              </a:cxn>
+              <a:cxn ang="0">
+                <a:pos x="connsiteX7" y="connsiteY7"/>
+              </a:cxn>
+            </a:cxnLst>
+            <a:rect l="l" t="t" r="r" b="b"/>
+            <a:pathLst>
+              <a:path w="3586865" h="918209">
+                <a:moveTo>
+                  <a:pt x="388620" y="520676"/>
+                </a:moveTo>
+                <a:cubicBezTo>
+                  <a:pt x="696236" y="349892"/>
+                  <a:pt x="1117074" y="326809"/>
+                  <a:pt x="1468505" y="304800"/>
+                </a:cubicBezTo>
+                <a:cubicBezTo>
+                  <a:pt x="2174625" y="203200"/>
+                  <a:pt x="2865505" y="417830"/>
+                  <a:pt x="3586865" y="0"/>
+                </a:cubicBezTo>
+                <a:cubicBezTo>
+                  <a:pt x="3585043" y="262829"/>
+                  <a:pt x="3583222" y="525657"/>
+                  <a:pt x="3581400" y="788486"/>
+                </a:cubicBezTo>
+                <a:cubicBezTo>
+                  <a:pt x="3581400" y="860130"/>
+                  <a:pt x="3523321" y="918209"/>
+                  <a:pt x="3451677" y="918209"/>
+                </a:cubicBezTo>
+                <a:lnTo>
+                  <a:pt x="129723" y="918209"/>
+                </a:lnTo>
+                <a:cubicBezTo>
+                  <a:pt x="58079" y="918209"/>
+                  <a:pt x="0" y="860130"/>
+                  <a:pt x="0" y="788486"/>
+                </a:cubicBezTo>
+                <a:cubicBezTo>
+                  <a:pt x="72390" y="607776"/>
+                  <a:pt x="163830" y="602326"/>
+                  <a:pt x="388620" y="520676"/>
+                </a:cubicBezTo>
+                <a:close/>
+              </a:path>
+            </a:pathLst>
+          </a:custGeom>
+          <a:solidFill>
+            <a:srgbClr val="473352"/>
+          </a:solidFill>
+          <a:ln>
+            <a:solidFill>
+              <a:srgbClr val="002060"/>
+            </a:solidFill>
+          </a:ln>
+        </p:spPr>
+        <p:style>
+          <a:lnRef idx="2">
+            <a:schemeClr val="accent1">
+              <a:shade val="50000"/>
+            </a:schemeClr>
+          </a:lnRef>
+          <a:fillRef idx="1">
+            <a:schemeClr val="accent1"/>
+          </a:fillRef>
+          <a:effectRef idx="0">
+            <a:schemeClr val="accent1"/>
+          </a:effectRef>
+          <a:fontRef idx="minor">
+            <a:schemeClr val="lt1"/>
+          </a:fontRef>
+        </p:style>
+        <p:txBody>
+          <a:bodyPr rtlCol="0" anchor="ctr"/>
+          <a:lstStyle/>
+          <a:p>
+            <a:pPr algn="ctr"/>
+            <a:endParaRPr lang="ko-KR" altLang="en-US"/>
+          </a:p>
+        </p:txBody>
+      </p:sp>
+      <p:pic>
+        <p:nvPicPr>
+          <p:cNvPr id="21" name="그림 20"/>
+          <p:cNvPicPr>
+            <a:picLocks noChangeAspect="1"/>
+          </p:cNvPicPr>
+          <p:nvPr/>
+        </p:nvPicPr>
+        <p:blipFill>
+          <a:blip r:embed="rId4">
+            <a:extLst>
+              <a:ext uri="{28A0092B-C50C-407E-A947-70E740481C1C}">
+                <a14:useLocalDpi xmlns:a14="http://schemas.microsoft.com/office/drawing/2010/main" val="0"/>
+              </a:ext>
+            </a:extLst>
+          </a:blip>
+          <a:stretch>
+            <a:fillRect/>
+          </a:stretch>
+        </p:blipFill>
+        <p:spPr>
+          <a:xfrm>
+            <a:off x="2563436" y="4456176"/>
+            <a:ext cx="1362615" cy="1875281"/>
+          </a:xfrm>
+          <a:prstGeom prst="rect">
+            <a:avLst/>
+          </a:prstGeom>
+        </p:spPr>
+      </p:pic>
+      <p:sp>
+        <p:nvSpPr>
+          <p:cNvPr id="22" name="모서리가 둥근 직사각형 21"/>
+          <p:cNvSpPr/>
+          <p:nvPr/>
+        </p:nvSpPr>
+        <p:spPr>
+          <a:xfrm>
+            <a:off x="470785" y="6170485"/>
+            <a:ext cx="3581400" cy="559499"/>
+          </a:xfrm>
+          <a:prstGeom prst="roundRect">
+            <a:avLst>
+              <a:gd name="adj" fmla="val 4864"/>
+            </a:avLst>
+          </a:prstGeom>
+          <a:solidFill>
+            <a:schemeClr val="tx1"/>
+          </a:solidFill>
+          <a:ln>
+            <a:solidFill>
+              <a:srgbClr val="002060"/>
+            </a:solidFill>
+          </a:ln>
+        </p:spPr>
+        <p:style>
+          <a:lnRef idx="2">
+            <a:schemeClr val="accent1">
+              <a:shade val="50000"/>
+            </a:schemeClr>
+          </a:lnRef>
+          <a:fillRef idx="1">
+            <a:schemeClr val="accent1"/>
+          </a:fillRef>
+          <a:effectRef idx="0">
+            <a:schemeClr val="accent1"/>
+          </a:effectRef>
+          <a:fontRef idx="minor">
+            <a:schemeClr val="lt1"/>
+          </a:fontRef>
+        </p:style>
+        <p:txBody>
+          <a:bodyPr rtlCol="0" anchor="ctr"/>
+          <a:lstStyle/>
+          <a:p>
+            <a:pPr algn="ctr"/>
+            <a:endParaRPr lang="ko-KR" altLang="en-US"/>
+          </a:p>
+        </p:txBody>
+      </p:sp>
+      <p:sp>
+        <p:nvSpPr>
+          <p:cNvPr id="23" name="모서리가 둥근 직사각형 22"/>
+          <p:cNvSpPr/>
+          <p:nvPr/>
+        </p:nvSpPr>
+        <p:spPr>
+          <a:xfrm>
+            <a:off x="470785" y="3787140"/>
+            <a:ext cx="3581400" cy="533218"/>
+          </a:xfrm>
+          <a:prstGeom prst="roundRect">
+            <a:avLst>
+              <a:gd name="adj" fmla="val 4864"/>
+            </a:avLst>
+          </a:prstGeom>
+          <a:solidFill>
+            <a:schemeClr val="tx1"/>
+          </a:solidFill>
+          <a:ln>
+            <a:solidFill>
+              <a:srgbClr val="002060"/>
+            </a:solidFill>
+          </a:ln>
+        </p:spPr>
+        <p:style>
+          <a:lnRef idx="2">
+            <a:schemeClr val="accent1">
+              <a:shade val="50000"/>
+            </a:schemeClr>
+          </a:lnRef>
+          <a:fillRef idx="1">
+            <a:schemeClr val="accent1"/>
+          </a:fillRef>
+          <a:effectRef idx="0">
+            <a:schemeClr val="accent1"/>
+          </a:effectRef>
+          <a:fontRef idx="minor">
+            <a:schemeClr val="lt1"/>
+          </a:fontRef>
+        </p:style>
+        <p:txBody>
+          <a:bodyPr rtlCol="0" anchor="ctr"/>
+          <a:lstStyle/>
+          <a:p>
+            <a:pPr algn="ctr"/>
+            <a:endParaRPr lang="ko-KR" altLang="en-US"/>
+          </a:p>
+        </p:txBody>
+      </p:sp>
+      <p:sp>
+        <p:nvSpPr>
+          <p:cNvPr id="24" name="모서리가 둥근 직사각형 23"/>
+          <p:cNvSpPr/>
+          <p:nvPr/>
+        </p:nvSpPr>
+        <p:spPr>
+          <a:xfrm>
+            <a:off x="3114211" y="6243637"/>
+            <a:ext cx="874907" cy="413195"/>
+          </a:xfrm>
+          <a:prstGeom prst="roundRect">
+            <a:avLst>
+              <a:gd name="adj" fmla="val 4864"/>
+            </a:avLst>
+          </a:prstGeom>
+          <a:solidFill>
+            <a:schemeClr val="accent6"/>
+          </a:solidFill>
+          <a:ln>
+            <a:solidFill>
+              <a:srgbClr val="002060"/>
+            </a:solidFill>
+          </a:ln>
+        </p:spPr>
+        <p:style>
+          <a:lnRef idx="2">
+            <a:schemeClr val="accent1">
+              <a:shade val="50000"/>
+            </a:schemeClr>
+          </a:lnRef>
+          <a:fillRef idx="1">
+            <a:schemeClr val="accent1"/>
+          </a:fillRef>
+          <a:effectRef idx="0">
+            <a:schemeClr val="accent1"/>
+          </a:effectRef>
+          <a:fontRef idx="minor">
+            <a:schemeClr val="lt1"/>
+          </a:fontRef>
+        </p:style>
+        <p:txBody>
+          <a:bodyPr rtlCol="0" anchor="ctr"/>
+          <a:lstStyle/>
+          <a:p>
+            <a:pPr algn="ctr"/>
+            <a:endParaRPr lang="ko-KR" altLang="en-US"/>
+          </a:p>
+        </p:txBody>
+      </p:sp>
+      <p:sp>
+        <p:nvSpPr>
+          <p:cNvPr id="25" name="TextBox 24">
+            <a:extLst>
+              <a:ext uri="{FF2B5EF4-FFF2-40B4-BE49-F238E27FC236}">
+                <a16:creationId xmlns:a16="http://schemas.microsoft.com/office/drawing/2014/main" id="{A29A7CE9-CD09-CF14-2F69-73C1066071CD}"/>
+              </a:ext>
+            </a:extLst>
+          </p:cNvPr>
+          <p:cNvSpPr txBox="1"/>
+          <p:nvPr/>
+        </p:nvSpPr>
+        <p:spPr>
+          <a:xfrm>
+            <a:off x="3228498" y="6272048"/>
+            <a:ext cx="646331" cy="369332"/>
+          </a:xfrm>
+          <a:prstGeom prst="rect">
+            <a:avLst/>
+          </a:prstGeom>
+          <a:noFill/>
+        </p:spPr>
+        <p:txBody>
+          <a:bodyPr wrap="none" rtlCol="0">
+            <a:spAutoFit/>
+          </a:bodyPr>
+          <a:lstStyle/>
+          <a:p>
+            <a:pPr algn="ctr"/>
+            <a:r>
+              <a:rPr lang="ko-KR" altLang="en-US" smtClean="0">
+                <a:solidFill>
+                  <a:schemeClr val="bg1"/>
+                </a:solidFill>
+              </a:rPr>
+              <a:t>도전</a:t>
+            </a:r>
+            <a:endParaRPr lang="ko-KR" altLang="en-US" dirty="0">
+              <a:solidFill>
+                <a:schemeClr val="bg1"/>
+              </a:solidFill>
+            </a:endParaRPr>
+          </a:p>
+        </p:txBody>
+      </p:sp>
+      <p:sp>
+        <p:nvSpPr>
+          <p:cNvPr id="26" name="TextBox 25">
+            <a:extLst>
+              <a:ext uri="{FF2B5EF4-FFF2-40B4-BE49-F238E27FC236}">
+                <a16:creationId xmlns:a16="http://schemas.microsoft.com/office/drawing/2014/main" id="{A29A7CE9-CD09-CF14-2F69-73C1066071CD}"/>
+              </a:ext>
+            </a:extLst>
+          </p:cNvPr>
+          <p:cNvSpPr txBox="1"/>
+          <p:nvPr/>
+        </p:nvSpPr>
+        <p:spPr>
+          <a:xfrm>
+            <a:off x="465320" y="3831536"/>
+            <a:ext cx="1491114" cy="307777"/>
+          </a:xfrm>
+          <a:prstGeom prst="rect">
+            <a:avLst/>
+          </a:prstGeom>
+          <a:noFill/>
+        </p:spPr>
+        <p:txBody>
+          <a:bodyPr wrap="none" rtlCol="0">
+            <a:spAutoFit/>
+          </a:bodyPr>
+          <a:lstStyle/>
+          <a:p>
+            <a:pPr algn="ctr"/>
+            <a:r>
+              <a:rPr lang="ko-KR" altLang="en-US" sz="1400" b="1" dirty="0" err="1" smtClean="0">
+                <a:solidFill>
+                  <a:schemeClr val="bg1"/>
+                </a:solidFill>
+              </a:rPr>
+              <a:t>마왕성</a:t>
+            </a:r>
+            <a:r>
+              <a:rPr lang="ko-KR" altLang="en-US" sz="1400" b="1" dirty="0" smtClean="0">
+                <a:solidFill>
+                  <a:schemeClr val="bg1"/>
+                </a:solidFill>
+              </a:rPr>
+              <a:t> 지키기</a:t>
+            </a:r>
+            <a:r>
+              <a:rPr lang="en-US" altLang="ko-KR" sz="1400" b="1" dirty="0">
+                <a:solidFill>
+                  <a:schemeClr val="bg1"/>
+                </a:solidFill>
+              </a:rPr>
+              <a:t> </a:t>
+            </a:r>
+            <a:r>
+              <a:rPr lang="en-US" altLang="ko-KR" sz="1400" b="1" dirty="0" smtClean="0">
+                <a:solidFill>
+                  <a:schemeClr val="bg1"/>
+                </a:solidFill>
+              </a:rPr>
+              <a:t>2</a:t>
+            </a:r>
+            <a:endParaRPr lang="ko-KR" altLang="en-US" sz="1400" b="1" dirty="0">
+              <a:solidFill>
+                <a:schemeClr val="bg1"/>
+              </a:solidFill>
+            </a:endParaRPr>
+          </a:p>
+        </p:txBody>
+      </p:sp>
+      <p:sp>
+        <p:nvSpPr>
+          <p:cNvPr id="27" name="TextBox 26">
+            <a:extLst>
+              <a:ext uri="{FF2B5EF4-FFF2-40B4-BE49-F238E27FC236}">
+                <a16:creationId xmlns:a16="http://schemas.microsoft.com/office/drawing/2014/main" id="{A29A7CE9-CD09-CF14-2F69-73C1066071CD}"/>
+              </a:ext>
+            </a:extLst>
+          </p:cNvPr>
+          <p:cNvSpPr txBox="1"/>
+          <p:nvPr/>
+        </p:nvSpPr>
+        <p:spPr>
+          <a:xfrm>
+            <a:off x="470785" y="4103004"/>
+            <a:ext cx="1399742" cy="200055"/>
+          </a:xfrm>
+          <a:prstGeom prst="rect">
+            <a:avLst/>
+          </a:prstGeom>
+          <a:noFill/>
+        </p:spPr>
+        <p:txBody>
+          <a:bodyPr wrap="none" rtlCol="0">
+            <a:spAutoFit/>
+          </a:bodyPr>
+          <a:lstStyle/>
+          <a:p>
+            <a:pPr algn="ctr"/>
+            <a:r>
+              <a:rPr lang="en-US" altLang="ko-KR" sz="700" b="1" dirty="0" smtClean="0">
+                <a:solidFill>
+                  <a:schemeClr val="bg1">
+                    <a:lumMod val="75000"/>
+                  </a:schemeClr>
+                </a:solidFill>
+              </a:rPr>
+              <a:t>20</a:t>
+            </a:r>
+            <a:r>
+              <a:rPr lang="ko-KR" altLang="en-US" sz="700" b="1" dirty="0" smtClean="0">
+                <a:solidFill>
+                  <a:schemeClr val="bg1">
+                    <a:lumMod val="75000"/>
+                  </a:schemeClr>
+                </a:solidFill>
+              </a:rPr>
+              <a:t>분 간 </a:t>
+            </a:r>
+            <a:r>
+              <a:rPr lang="ko-KR" altLang="en-US" sz="700" b="1" dirty="0" err="1" smtClean="0">
+                <a:solidFill>
+                  <a:schemeClr val="bg1">
+                    <a:lumMod val="75000"/>
+                  </a:schemeClr>
+                </a:solidFill>
+              </a:rPr>
+              <a:t>마왕성을</a:t>
+            </a:r>
+            <a:r>
+              <a:rPr lang="ko-KR" altLang="en-US" sz="700" b="1" dirty="0" smtClean="0">
+                <a:solidFill>
+                  <a:schemeClr val="bg1">
+                    <a:lumMod val="75000"/>
+                  </a:schemeClr>
+                </a:solidFill>
+              </a:rPr>
+              <a:t> 지켜주세요</a:t>
+            </a:r>
+            <a:r>
+              <a:rPr lang="en-US" altLang="ko-KR" sz="700" b="1" dirty="0" smtClean="0">
+                <a:solidFill>
+                  <a:schemeClr val="bg1">
+                    <a:lumMod val="75000"/>
+                  </a:schemeClr>
+                </a:solidFill>
+              </a:rPr>
+              <a:t>!</a:t>
+            </a:r>
+            <a:endParaRPr lang="ko-KR" altLang="en-US" sz="700" b="1" dirty="0">
+              <a:solidFill>
+                <a:schemeClr val="bg1">
+                  <a:lumMod val="75000"/>
+                </a:schemeClr>
+              </a:solidFill>
+            </a:endParaRPr>
+          </a:p>
+        </p:txBody>
+      </p:sp>
+      <p:sp>
+        <p:nvSpPr>
+          <p:cNvPr id="28" name="모서리가 둥근 직사각형 27"/>
+          <p:cNvSpPr/>
+          <p:nvPr/>
+        </p:nvSpPr>
+        <p:spPr>
+          <a:xfrm>
+            <a:off x="1057362" y="3104197"/>
+            <a:ext cx="455064" cy="413195"/>
+          </a:xfrm>
+          <a:prstGeom prst="roundRect">
+            <a:avLst/>
+          </a:prstGeom>
+          <a:solidFill>
+            <a:schemeClr val="bg1"/>
+          </a:solidFill>
+        </p:spPr>
+        <p:style>
+          <a:lnRef idx="2">
+            <a:schemeClr val="accent1">
+              <a:shade val="50000"/>
+            </a:schemeClr>
+          </a:lnRef>
+          <a:fillRef idx="1">
+            <a:schemeClr val="accent1"/>
+          </a:fillRef>
+          <a:effectRef idx="0">
+            <a:schemeClr val="accent1"/>
+          </a:effectRef>
+          <a:fontRef idx="minor">
+            <a:schemeClr val="lt1"/>
+          </a:fontRef>
+        </p:style>
+        <p:txBody>
+          <a:bodyPr rtlCol="0" anchor="ctr"/>
+          <a:lstStyle/>
+          <a:p>
+            <a:pPr algn="ctr"/>
+            <a:endParaRPr lang="ko-KR" altLang="en-US"/>
+          </a:p>
+        </p:txBody>
+      </p:sp>
+      <p:sp>
+        <p:nvSpPr>
+          <p:cNvPr id="29" name="TextBox 28">
+            <a:extLst>
+              <a:ext uri="{FF2B5EF4-FFF2-40B4-BE49-F238E27FC236}">
+                <a16:creationId xmlns:a16="http://schemas.microsoft.com/office/drawing/2014/main" id="{A29A7CE9-CD09-CF14-2F69-73C1066071CD}"/>
+              </a:ext>
+            </a:extLst>
+          </p:cNvPr>
+          <p:cNvSpPr txBox="1"/>
+          <p:nvPr/>
+        </p:nvSpPr>
+        <p:spPr>
+          <a:xfrm>
+            <a:off x="549531" y="3158612"/>
+            <a:ext cx="462660" cy="307777"/>
+          </a:xfrm>
+          <a:prstGeom prst="rect">
+            <a:avLst/>
+          </a:prstGeom>
+          <a:noFill/>
+        </p:spPr>
+        <p:txBody>
+          <a:bodyPr wrap="square" rtlCol="0">
+            <a:spAutoFit/>
+          </a:bodyPr>
+          <a:lstStyle/>
+          <a:p>
+            <a:pPr algn="ctr"/>
+            <a:r>
+              <a:rPr lang="ko-KR" altLang="en-US" sz="700" b="1" smtClean="0">
+                <a:solidFill>
+                  <a:schemeClr val="bg1">
+                    <a:lumMod val="75000"/>
+                  </a:schemeClr>
+                </a:solidFill>
+              </a:rPr>
+              <a:t>클리어</a:t>
+            </a:r>
+            <a:r>
+              <a:rPr lang="ko-KR" altLang="en-US" sz="700" b="1" dirty="0" smtClean="0">
+                <a:solidFill>
+                  <a:schemeClr val="bg1">
+                    <a:lumMod val="75000"/>
+                  </a:schemeClr>
+                </a:solidFill>
+              </a:rPr>
+              <a:t> 보상</a:t>
+            </a:r>
+            <a:endParaRPr lang="ko-KR" altLang="en-US" sz="700" b="1" dirty="0">
+              <a:solidFill>
+                <a:schemeClr val="bg1">
+                  <a:lumMod val="75000"/>
+                </a:schemeClr>
+              </a:solidFill>
+            </a:endParaRPr>
+          </a:p>
+        </p:txBody>
+      </p:sp>
+      <p:sp>
+        <p:nvSpPr>
+          <p:cNvPr id="30" name="모서리가 둥근 직사각형 29"/>
+          <p:cNvSpPr/>
+          <p:nvPr/>
+        </p:nvSpPr>
+        <p:spPr>
+          <a:xfrm>
+            <a:off x="1573656" y="3104197"/>
+            <a:ext cx="455064" cy="413195"/>
+          </a:xfrm>
+          <a:prstGeom prst="roundRect">
+            <a:avLst/>
+          </a:prstGeom>
+          <a:solidFill>
+            <a:schemeClr val="bg1"/>
+          </a:solidFill>
+        </p:spPr>
+        <p:style>
+          <a:lnRef idx="2">
+            <a:schemeClr val="accent1">
+              <a:shade val="50000"/>
+            </a:schemeClr>
+          </a:lnRef>
+          <a:fillRef idx="1">
+            <a:schemeClr val="accent1"/>
+          </a:fillRef>
+          <a:effectRef idx="0">
+            <a:schemeClr val="accent1"/>
+          </a:effectRef>
+          <a:fontRef idx="minor">
+            <a:schemeClr val="lt1"/>
+          </a:fontRef>
+        </p:style>
+        <p:txBody>
+          <a:bodyPr rtlCol="0" anchor="ctr"/>
+          <a:lstStyle/>
+          <a:p>
+            <a:pPr algn="ctr"/>
+            <a:endParaRPr lang="ko-KR" altLang="en-US"/>
+          </a:p>
+        </p:txBody>
+      </p:sp>
+      <p:sp>
+        <p:nvSpPr>
+          <p:cNvPr id="31" name="모서리가 둥근 직사각형 30"/>
+          <p:cNvSpPr/>
+          <p:nvPr/>
+        </p:nvSpPr>
+        <p:spPr>
+          <a:xfrm>
+            <a:off x="2089950" y="3104197"/>
+            <a:ext cx="455064" cy="413195"/>
+          </a:xfrm>
+          <a:prstGeom prst="roundRect">
+            <a:avLst/>
+          </a:prstGeom>
+          <a:solidFill>
+            <a:schemeClr val="bg1"/>
+          </a:solidFill>
+        </p:spPr>
+        <p:style>
+          <a:lnRef idx="2">
+            <a:schemeClr val="accent1">
+              <a:shade val="50000"/>
+            </a:schemeClr>
+          </a:lnRef>
+          <a:fillRef idx="1">
+            <a:schemeClr val="accent1"/>
+          </a:fillRef>
+          <a:effectRef idx="0">
+            <a:schemeClr val="accent1"/>
+          </a:effectRef>
+          <a:fontRef idx="minor">
+            <a:schemeClr val="lt1"/>
+          </a:fontRef>
+        </p:style>
+        <p:txBody>
+          <a:bodyPr rtlCol="0" anchor="ctr"/>
+          <a:lstStyle/>
+          <a:p>
+            <a:pPr algn="ctr"/>
+            <a:endParaRPr lang="ko-KR" altLang="en-US"/>
+          </a:p>
+        </p:txBody>
+      </p:sp>
+      <p:sp>
+        <p:nvSpPr>
+          <p:cNvPr id="32" name="모서리가 둥근 직사각형 31"/>
+          <p:cNvSpPr/>
+          <p:nvPr/>
+        </p:nvSpPr>
+        <p:spPr>
+          <a:xfrm>
+            <a:off x="1057362" y="6233063"/>
+            <a:ext cx="455064" cy="413195"/>
+          </a:xfrm>
+          <a:prstGeom prst="roundRect">
+            <a:avLst/>
+          </a:prstGeom>
+          <a:solidFill>
+            <a:schemeClr val="bg1"/>
+          </a:solidFill>
+        </p:spPr>
+        <p:style>
+          <a:lnRef idx="2">
+            <a:schemeClr val="accent1">
+              <a:shade val="50000"/>
+            </a:schemeClr>
+          </a:lnRef>
+          <a:fillRef idx="1">
+            <a:schemeClr val="accent1"/>
+          </a:fillRef>
+          <a:effectRef idx="0">
+            <a:schemeClr val="accent1"/>
+          </a:effectRef>
+          <a:fontRef idx="minor">
+            <a:schemeClr val="lt1"/>
+          </a:fontRef>
+        </p:style>
+        <p:txBody>
+          <a:bodyPr rtlCol="0" anchor="ctr"/>
+          <a:lstStyle/>
+          <a:p>
+            <a:pPr algn="ctr"/>
+            <a:endParaRPr lang="ko-KR" altLang="en-US"/>
+          </a:p>
+        </p:txBody>
+      </p:sp>
+      <p:sp>
+        <p:nvSpPr>
+          <p:cNvPr id="33" name="TextBox 32">
+            <a:extLst>
+              <a:ext uri="{FF2B5EF4-FFF2-40B4-BE49-F238E27FC236}">
+                <a16:creationId xmlns:a16="http://schemas.microsoft.com/office/drawing/2014/main" id="{A29A7CE9-CD09-CF14-2F69-73C1066071CD}"/>
+              </a:ext>
+            </a:extLst>
+          </p:cNvPr>
+          <p:cNvSpPr txBox="1"/>
+          <p:nvPr/>
+        </p:nvSpPr>
+        <p:spPr>
+          <a:xfrm>
+            <a:off x="549531" y="6287478"/>
+            <a:ext cx="462660" cy="307777"/>
+          </a:xfrm>
+          <a:prstGeom prst="rect">
+            <a:avLst/>
+          </a:prstGeom>
+          <a:noFill/>
+        </p:spPr>
+        <p:txBody>
+          <a:bodyPr wrap="square" rtlCol="0">
+            <a:spAutoFit/>
+          </a:bodyPr>
+          <a:lstStyle/>
+          <a:p>
+            <a:pPr algn="ctr"/>
+            <a:r>
+              <a:rPr lang="ko-KR" altLang="en-US" sz="700" b="1" smtClean="0">
+                <a:solidFill>
+                  <a:schemeClr val="bg1">
+                    <a:lumMod val="75000"/>
+                  </a:schemeClr>
+                </a:solidFill>
+              </a:rPr>
+              <a:t>클리어</a:t>
+            </a:r>
+            <a:r>
+              <a:rPr lang="ko-KR" altLang="en-US" sz="700" b="1" dirty="0" smtClean="0">
+                <a:solidFill>
+                  <a:schemeClr val="bg1">
+                    <a:lumMod val="75000"/>
+                  </a:schemeClr>
+                </a:solidFill>
+              </a:rPr>
+              <a:t> 보상</a:t>
+            </a:r>
+            <a:endParaRPr lang="ko-KR" altLang="en-US" sz="700" b="1" dirty="0">
+              <a:solidFill>
+                <a:schemeClr val="bg1">
+                  <a:lumMod val="75000"/>
+                </a:schemeClr>
+              </a:solidFill>
+            </a:endParaRPr>
+          </a:p>
+        </p:txBody>
+      </p:sp>
+      <p:sp>
+        <p:nvSpPr>
+          <p:cNvPr id="34" name="모서리가 둥근 직사각형 33"/>
+          <p:cNvSpPr/>
+          <p:nvPr/>
+        </p:nvSpPr>
+        <p:spPr>
+          <a:xfrm>
+            <a:off x="1573656" y="6233063"/>
+            <a:ext cx="455064" cy="413195"/>
+          </a:xfrm>
+          <a:prstGeom prst="roundRect">
+            <a:avLst/>
+          </a:prstGeom>
+          <a:solidFill>
+            <a:schemeClr val="bg1"/>
+          </a:solidFill>
+        </p:spPr>
+        <p:style>
+          <a:lnRef idx="2">
+            <a:schemeClr val="accent1">
+              <a:shade val="50000"/>
+            </a:schemeClr>
+          </a:lnRef>
+          <a:fillRef idx="1">
+            <a:schemeClr val="accent1"/>
+          </a:fillRef>
+          <a:effectRef idx="0">
+            <a:schemeClr val="accent1"/>
+          </a:effectRef>
+          <a:fontRef idx="minor">
+            <a:schemeClr val="lt1"/>
+          </a:fontRef>
+        </p:style>
+        <p:txBody>
+          <a:bodyPr rtlCol="0" anchor="ctr"/>
+          <a:lstStyle/>
+          <a:p>
+            <a:pPr algn="ctr"/>
+            <a:endParaRPr lang="ko-KR" altLang="en-US"/>
+          </a:p>
+        </p:txBody>
+      </p:sp>
+      <p:sp>
+        <p:nvSpPr>
+          <p:cNvPr id="35" name="모서리가 둥근 직사각형 34"/>
+          <p:cNvSpPr/>
+          <p:nvPr/>
+        </p:nvSpPr>
+        <p:spPr>
+          <a:xfrm>
+            <a:off x="2089950" y="6233063"/>
+            <a:ext cx="455064" cy="413195"/>
+          </a:xfrm>
+          <a:prstGeom prst="roundRect">
+            <a:avLst/>
+          </a:prstGeom>
+          <a:solidFill>
+            <a:schemeClr val="bg1"/>
+          </a:solidFill>
+        </p:spPr>
+        <p:style>
+          <a:lnRef idx="2">
+            <a:schemeClr val="accent1">
+              <a:shade val="50000"/>
+            </a:schemeClr>
+          </a:lnRef>
+          <a:fillRef idx="1">
+            <a:schemeClr val="accent1"/>
+          </a:fillRef>
+          <a:effectRef idx="0">
+            <a:schemeClr val="accent1"/>
+          </a:effectRef>
+          <a:fontRef idx="minor">
+            <a:schemeClr val="lt1"/>
+          </a:fontRef>
+        </p:style>
+        <p:txBody>
+          <a:bodyPr rtlCol="0" anchor="ctr"/>
+          <a:lstStyle/>
+          <a:p>
+            <a:pPr algn="ctr"/>
+            <a:endParaRPr lang="ko-KR" altLang="en-US"/>
+          </a:p>
+        </p:txBody>
+      </p:sp>
+      <p:sp>
+        <p:nvSpPr>
+          <p:cNvPr id="36" name="모서리가 둥근 직사각형 35"/>
+          <p:cNvSpPr/>
+          <p:nvPr/>
+        </p:nvSpPr>
+        <p:spPr>
+          <a:xfrm>
+            <a:off x="4463665" y="647700"/>
+            <a:ext cx="3581400" cy="2552700"/>
+          </a:xfrm>
+          <a:prstGeom prst="roundRect">
+            <a:avLst>
+              <a:gd name="adj" fmla="val 4864"/>
+            </a:avLst>
+          </a:prstGeom>
+          <a:solidFill>
+            <a:schemeClr val="accent5"/>
+          </a:solidFill>
+          <a:ln>
+            <a:solidFill>
+              <a:srgbClr val="002060"/>
+            </a:solidFill>
+          </a:ln>
+        </p:spPr>
+        <p:style>
+          <a:lnRef idx="2">
+            <a:schemeClr val="accent1">
+              <a:shade val="50000"/>
+            </a:schemeClr>
+          </a:lnRef>
+          <a:fillRef idx="1">
+            <a:schemeClr val="accent1"/>
+          </a:fillRef>
+          <a:effectRef idx="0">
+            <a:schemeClr val="accent1"/>
+          </a:effectRef>
+          <a:fontRef idx="minor">
+            <a:schemeClr val="lt1"/>
+          </a:fontRef>
+        </p:style>
+        <p:txBody>
+          <a:bodyPr rtlCol="0" anchor="ctr"/>
+          <a:lstStyle/>
+          <a:p>
+            <a:pPr algn="ctr"/>
+            <a:endParaRPr lang="ko-KR" altLang="en-US"/>
+          </a:p>
+        </p:txBody>
+      </p:sp>
+      <p:sp>
+        <p:nvSpPr>
+          <p:cNvPr id="37" name="모서리가 둥근 직사각형 7"/>
+          <p:cNvSpPr/>
+          <p:nvPr/>
+        </p:nvSpPr>
+        <p:spPr>
+          <a:xfrm>
+            <a:off x="5078716" y="2410207"/>
+            <a:ext cx="2478155" cy="654374"/>
+          </a:xfrm>
+          <a:custGeom>
+            <a:avLst/>
+            <a:gdLst>
+              <a:gd name="connsiteX0" fmla="*/ 0 w 3581400"/>
+              <a:gd name="connsiteY0" fmla="*/ 129723 h 1178766"/>
+              <a:gd name="connsiteX1" fmla="*/ 129723 w 3581400"/>
+              <a:gd name="connsiteY1" fmla="*/ 0 h 1178766"/>
+              <a:gd name="connsiteX2" fmla="*/ 3451677 w 3581400"/>
+              <a:gd name="connsiteY2" fmla="*/ 0 h 1178766"/>
+              <a:gd name="connsiteX3" fmla="*/ 3581400 w 3581400"/>
+              <a:gd name="connsiteY3" fmla="*/ 129723 h 1178766"/>
+              <a:gd name="connsiteX4" fmla="*/ 3581400 w 3581400"/>
+              <a:gd name="connsiteY4" fmla="*/ 1049043 h 1178766"/>
+              <a:gd name="connsiteX5" fmla="*/ 3451677 w 3581400"/>
+              <a:gd name="connsiteY5" fmla="*/ 1178766 h 1178766"/>
+              <a:gd name="connsiteX6" fmla="*/ 129723 w 3581400"/>
+              <a:gd name="connsiteY6" fmla="*/ 1178766 h 1178766"/>
+              <a:gd name="connsiteX7" fmla="*/ 0 w 3581400"/>
+              <a:gd name="connsiteY7" fmla="*/ 1049043 h 1178766"/>
+              <a:gd name="connsiteX8" fmla="*/ 0 w 3581400"/>
+              <a:gd name="connsiteY8" fmla="*/ 129723 h 1178766"/>
+              <a:gd name="connsiteX0" fmla="*/ 0 w 3581400"/>
+              <a:gd name="connsiteY0" fmla="*/ 129723 h 1178766"/>
+              <a:gd name="connsiteX1" fmla="*/ 129723 w 3581400"/>
+              <a:gd name="connsiteY1" fmla="*/ 0 h 1178766"/>
+              <a:gd name="connsiteX2" fmla="*/ 1319915 w 3581400"/>
+              <a:gd name="connsiteY2" fmla="*/ 1477 h 1178766"/>
+              <a:gd name="connsiteX3" fmla="*/ 3451677 w 3581400"/>
+              <a:gd name="connsiteY3" fmla="*/ 0 h 1178766"/>
+              <a:gd name="connsiteX4" fmla="*/ 3581400 w 3581400"/>
+              <a:gd name="connsiteY4" fmla="*/ 129723 h 1178766"/>
+              <a:gd name="connsiteX5" fmla="*/ 3581400 w 3581400"/>
+              <a:gd name="connsiteY5" fmla="*/ 1049043 h 1178766"/>
+              <a:gd name="connsiteX6" fmla="*/ 3451677 w 3581400"/>
+              <a:gd name="connsiteY6" fmla="*/ 1178766 h 1178766"/>
+              <a:gd name="connsiteX7" fmla="*/ 129723 w 3581400"/>
+              <a:gd name="connsiteY7" fmla="*/ 1178766 h 1178766"/>
+              <a:gd name="connsiteX8" fmla="*/ 0 w 3581400"/>
+              <a:gd name="connsiteY8" fmla="*/ 1049043 h 1178766"/>
+              <a:gd name="connsiteX9" fmla="*/ 0 w 3581400"/>
+              <a:gd name="connsiteY9" fmla="*/ 129723 h 1178766"/>
+              <a:gd name="connsiteX0" fmla="*/ 0 w 3581400"/>
+              <a:gd name="connsiteY0" fmla="*/ 129723 h 1178766"/>
+              <a:gd name="connsiteX1" fmla="*/ 129723 w 3581400"/>
+              <a:gd name="connsiteY1" fmla="*/ 0 h 1178766"/>
+              <a:gd name="connsiteX2" fmla="*/ 1319915 w 3581400"/>
+              <a:gd name="connsiteY2" fmla="*/ 1477 h 1178766"/>
+              <a:gd name="connsiteX3" fmla="*/ 3030605 w 3581400"/>
+              <a:gd name="connsiteY3" fmla="*/ 1477 h 1178766"/>
+              <a:gd name="connsiteX4" fmla="*/ 3451677 w 3581400"/>
+              <a:gd name="connsiteY4" fmla="*/ 0 h 1178766"/>
+              <a:gd name="connsiteX5" fmla="*/ 3581400 w 3581400"/>
+              <a:gd name="connsiteY5" fmla="*/ 129723 h 1178766"/>
+              <a:gd name="connsiteX6" fmla="*/ 3581400 w 3581400"/>
+              <a:gd name="connsiteY6" fmla="*/ 1049043 h 1178766"/>
+              <a:gd name="connsiteX7" fmla="*/ 3451677 w 3581400"/>
+              <a:gd name="connsiteY7" fmla="*/ 1178766 h 1178766"/>
+              <a:gd name="connsiteX8" fmla="*/ 129723 w 3581400"/>
+              <a:gd name="connsiteY8" fmla="*/ 1178766 h 1178766"/>
+              <a:gd name="connsiteX9" fmla="*/ 0 w 3581400"/>
+              <a:gd name="connsiteY9" fmla="*/ 1049043 h 1178766"/>
+              <a:gd name="connsiteX10" fmla="*/ 0 w 3581400"/>
+              <a:gd name="connsiteY10" fmla="*/ 129723 h 1178766"/>
+              <a:gd name="connsiteX0" fmla="*/ 0 w 3581400"/>
+              <a:gd name="connsiteY0" fmla="*/ 132056 h 1181099"/>
+              <a:gd name="connsiteX1" fmla="*/ 129723 w 3581400"/>
+              <a:gd name="connsiteY1" fmla="*/ 2333 h 1181099"/>
+              <a:gd name="connsiteX2" fmla="*/ 1319915 w 3581400"/>
+              <a:gd name="connsiteY2" fmla="*/ 3810 h 1181099"/>
+              <a:gd name="connsiteX3" fmla="*/ 2108585 w 3581400"/>
+              <a:gd name="connsiteY3" fmla="*/ 0 h 1181099"/>
+              <a:gd name="connsiteX4" fmla="*/ 3030605 w 3581400"/>
+              <a:gd name="connsiteY4" fmla="*/ 3810 h 1181099"/>
+              <a:gd name="connsiteX5" fmla="*/ 3451677 w 3581400"/>
+              <a:gd name="connsiteY5" fmla="*/ 2333 h 1181099"/>
+              <a:gd name="connsiteX6" fmla="*/ 3581400 w 3581400"/>
+              <a:gd name="connsiteY6" fmla="*/ 132056 h 1181099"/>
+              <a:gd name="connsiteX7" fmla="*/ 3581400 w 3581400"/>
+              <a:gd name="connsiteY7" fmla="*/ 1051376 h 1181099"/>
+              <a:gd name="connsiteX8" fmla="*/ 3451677 w 3581400"/>
+              <a:gd name="connsiteY8" fmla="*/ 1181099 h 1181099"/>
+              <a:gd name="connsiteX9" fmla="*/ 129723 w 3581400"/>
+              <a:gd name="connsiteY9" fmla="*/ 1181099 h 1181099"/>
+              <a:gd name="connsiteX10" fmla="*/ 0 w 3581400"/>
+              <a:gd name="connsiteY10" fmla="*/ 1051376 h 1181099"/>
+              <a:gd name="connsiteX11" fmla="*/ 0 w 3581400"/>
+              <a:gd name="connsiteY11" fmla="*/ 132056 h 1181099"/>
+              <a:gd name="connsiteX0" fmla="*/ 0 w 3581400"/>
+              <a:gd name="connsiteY0" fmla="*/ 132056 h 1181099"/>
+              <a:gd name="connsiteX1" fmla="*/ 129723 w 3581400"/>
+              <a:gd name="connsiteY1" fmla="*/ 2333 h 1181099"/>
+              <a:gd name="connsiteX2" fmla="*/ 706505 w 3581400"/>
+              <a:gd name="connsiteY2" fmla="*/ 3811 h 1181099"/>
+              <a:gd name="connsiteX3" fmla="*/ 1319915 w 3581400"/>
+              <a:gd name="connsiteY3" fmla="*/ 3810 h 1181099"/>
+              <a:gd name="connsiteX4" fmla="*/ 2108585 w 3581400"/>
+              <a:gd name="connsiteY4" fmla="*/ 0 h 1181099"/>
+              <a:gd name="connsiteX5" fmla="*/ 3030605 w 3581400"/>
+              <a:gd name="connsiteY5" fmla="*/ 3810 h 1181099"/>
+              <a:gd name="connsiteX6" fmla="*/ 3451677 w 3581400"/>
+              <a:gd name="connsiteY6" fmla="*/ 2333 h 1181099"/>
+              <a:gd name="connsiteX7" fmla="*/ 3581400 w 3581400"/>
+              <a:gd name="connsiteY7" fmla="*/ 132056 h 1181099"/>
+              <a:gd name="connsiteX8" fmla="*/ 3581400 w 3581400"/>
+              <a:gd name="connsiteY8" fmla="*/ 1051376 h 1181099"/>
+              <a:gd name="connsiteX9" fmla="*/ 3451677 w 3581400"/>
+              <a:gd name="connsiteY9" fmla="*/ 1181099 h 1181099"/>
+              <a:gd name="connsiteX10" fmla="*/ 129723 w 3581400"/>
+              <a:gd name="connsiteY10" fmla="*/ 1181099 h 1181099"/>
+              <a:gd name="connsiteX11" fmla="*/ 0 w 3581400"/>
+              <a:gd name="connsiteY11" fmla="*/ 1051376 h 1181099"/>
+              <a:gd name="connsiteX12" fmla="*/ 0 w 3581400"/>
+              <a:gd name="connsiteY12" fmla="*/ 132056 h 1181099"/>
+              <a:gd name="connsiteX0" fmla="*/ 0 w 3581400"/>
+              <a:gd name="connsiteY0" fmla="*/ 132056 h 1181099"/>
+              <a:gd name="connsiteX1" fmla="*/ 706505 w 3581400"/>
+              <a:gd name="connsiteY1" fmla="*/ 3811 h 1181099"/>
+              <a:gd name="connsiteX2" fmla="*/ 1319915 w 3581400"/>
+              <a:gd name="connsiteY2" fmla="*/ 3810 h 1181099"/>
+              <a:gd name="connsiteX3" fmla="*/ 2108585 w 3581400"/>
+              <a:gd name="connsiteY3" fmla="*/ 0 h 1181099"/>
+              <a:gd name="connsiteX4" fmla="*/ 3030605 w 3581400"/>
+              <a:gd name="connsiteY4" fmla="*/ 3810 h 1181099"/>
+              <a:gd name="connsiteX5" fmla="*/ 3451677 w 3581400"/>
+              <a:gd name="connsiteY5" fmla="*/ 2333 h 1181099"/>
+              <a:gd name="connsiteX6" fmla="*/ 3581400 w 3581400"/>
+              <a:gd name="connsiteY6" fmla="*/ 132056 h 1181099"/>
+              <a:gd name="connsiteX7" fmla="*/ 3581400 w 3581400"/>
+              <a:gd name="connsiteY7" fmla="*/ 1051376 h 1181099"/>
+              <a:gd name="connsiteX8" fmla="*/ 3451677 w 3581400"/>
+              <a:gd name="connsiteY8" fmla="*/ 1181099 h 1181099"/>
+              <a:gd name="connsiteX9" fmla="*/ 129723 w 3581400"/>
+              <a:gd name="connsiteY9" fmla="*/ 1181099 h 1181099"/>
+              <a:gd name="connsiteX10" fmla="*/ 0 w 3581400"/>
+              <a:gd name="connsiteY10" fmla="*/ 1051376 h 1181099"/>
+              <a:gd name="connsiteX11" fmla="*/ 0 w 3581400"/>
+              <a:gd name="connsiteY11" fmla="*/ 132056 h 1181099"/>
+              <a:gd name="connsiteX0" fmla="*/ 0 w 3581400"/>
+              <a:gd name="connsiteY0" fmla="*/ 132056 h 1181099"/>
+              <a:gd name="connsiteX1" fmla="*/ 1319915 w 3581400"/>
+              <a:gd name="connsiteY1" fmla="*/ 3810 h 1181099"/>
+              <a:gd name="connsiteX2" fmla="*/ 2108585 w 3581400"/>
+              <a:gd name="connsiteY2" fmla="*/ 0 h 1181099"/>
+              <a:gd name="connsiteX3" fmla="*/ 3030605 w 3581400"/>
+              <a:gd name="connsiteY3" fmla="*/ 3810 h 1181099"/>
+              <a:gd name="connsiteX4" fmla="*/ 3451677 w 3581400"/>
+              <a:gd name="connsiteY4" fmla="*/ 2333 h 1181099"/>
+              <a:gd name="connsiteX5" fmla="*/ 3581400 w 3581400"/>
+              <a:gd name="connsiteY5" fmla="*/ 132056 h 1181099"/>
+              <a:gd name="connsiteX6" fmla="*/ 3581400 w 3581400"/>
+              <a:gd name="connsiteY6" fmla="*/ 1051376 h 1181099"/>
+              <a:gd name="connsiteX7" fmla="*/ 3451677 w 3581400"/>
+              <a:gd name="connsiteY7" fmla="*/ 1181099 h 1181099"/>
+              <a:gd name="connsiteX8" fmla="*/ 129723 w 3581400"/>
+              <a:gd name="connsiteY8" fmla="*/ 1181099 h 1181099"/>
+              <a:gd name="connsiteX9" fmla="*/ 0 w 3581400"/>
+              <a:gd name="connsiteY9" fmla="*/ 1051376 h 1181099"/>
+              <a:gd name="connsiteX10" fmla="*/ 0 w 3581400"/>
+              <a:gd name="connsiteY10" fmla="*/ 132056 h 1181099"/>
+              <a:gd name="connsiteX0" fmla="*/ 0 w 3581400"/>
+              <a:gd name="connsiteY0" fmla="*/ 132056 h 1181099"/>
+              <a:gd name="connsiteX1" fmla="*/ 1453265 w 3581400"/>
+              <a:gd name="connsiteY1" fmla="*/ 198120 h 1181099"/>
+              <a:gd name="connsiteX2" fmla="*/ 2108585 w 3581400"/>
+              <a:gd name="connsiteY2" fmla="*/ 0 h 1181099"/>
+              <a:gd name="connsiteX3" fmla="*/ 3030605 w 3581400"/>
+              <a:gd name="connsiteY3" fmla="*/ 3810 h 1181099"/>
+              <a:gd name="connsiteX4" fmla="*/ 3451677 w 3581400"/>
+              <a:gd name="connsiteY4" fmla="*/ 2333 h 1181099"/>
+              <a:gd name="connsiteX5" fmla="*/ 3581400 w 3581400"/>
+              <a:gd name="connsiteY5" fmla="*/ 132056 h 1181099"/>
+              <a:gd name="connsiteX6" fmla="*/ 3581400 w 3581400"/>
+              <a:gd name="connsiteY6" fmla="*/ 1051376 h 1181099"/>
+              <a:gd name="connsiteX7" fmla="*/ 3451677 w 3581400"/>
+              <a:gd name="connsiteY7" fmla="*/ 1181099 h 1181099"/>
+              <a:gd name="connsiteX8" fmla="*/ 129723 w 3581400"/>
+              <a:gd name="connsiteY8" fmla="*/ 1181099 h 1181099"/>
+              <a:gd name="connsiteX9" fmla="*/ 0 w 3581400"/>
+              <a:gd name="connsiteY9" fmla="*/ 1051376 h 1181099"/>
+              <a:gd name="connsiteX10" fmla="*/ 0 w 3581400"/>
+              <a:gd name="connsiteY10" fmla="*/ 132056 h 1181099"/>
+              <a:gd name="connsiteX0" fmla="*/ 0 w 3581400"/>
+              <a:gd name="connsiteY0" fmla="*/ 132056 h 1181099"/>
+              <a:gd name="connsiteX1" fmla="*/ 1377065 w 3581400"/>
+              <a:gd name="connsiteY1" fmla="*/ 567690 h 1181099"/>
+              <a:gd name="connsiteX2" fmla="*/ 2108585 w 3581400"/>
+              <a:gd name="connsiteY2" fmla="*/ 0 h 1181099"/>
+              <a:gd name="connsiteX3" fmla="*/ 3030605 w 3581400"/>
+              <a:gd name="connsiteY3" fmla="*/ 3810 h 1181099"/>
+              <a:gd name="connsiteX4" fmla="*/ 3451677 w 3581400"/>
+              <a:gd name="connsiteY4" fmla="*/ 2333 h 1181099"/>
+              <a:gd name="connsiteX5" fmla="*/ 3581400 w 3581400"/>
+              <a:gd name="connsiteY5" fmla="*/ 132056 h 1181099"/>
+              <a:gd name="connsiteX6" fmla="*/ 3581400 w 3581400"/>
+              <a:gd name="connsiteY6" fmla="*/ 1051376 h 1181099"/>
+              <a:gd name="connsiteX7" fmla="*/ 3451677 w 3581400"/>
+              <a:gd name="connsiteY7" fmla="*/ 1181099 h 1181099"/>
+              <a:gd name="connsiteX8" fmla="*/ 129723 w 3581400"/>
+              <a:gd name="connsiteY8" fmla="*/ 1181099 h 1181099"/>
+              <a:gd name="connsiteX9" fmla="*/ 0 w 3581400"/>
+              <a:gd name="connsiteY9" fmla="*/ 1051376 h 1181099"/>
+              <a:gd name="connsiteX10" fmla="*/ 0 w 3581400"/>
+              <a:gd name="connsiteY10" fmla="*/ 132056 h 1181099"/>
+              <a:gd name="connsiteX0" fmla="*/ 0 w 3581400"/>
+              <a:gd name="connsiteY0" fmla="*/ 132056 h 1181099"/>
+              <a:gd name="connsiteX1" fmla="*/ 1468505 w 3581400"/>
+              <a:gd name="connsiteY1" fmla="*/ 567690 h 1181099"/>
+              <a:gd name="connsiteX2" fmla="*/ 2108585 w 3581400"/>
+              <a:gd name="connsiteY2" fmla="*/ 0 h 1181099"/>
+              <a:gd name="connsiteX3" fmla="*/ 3030605 w 3581400"/>
+              <a:gd name="connsiteY3" fmla="*/ 3810 h 1181099"/>
+              <a:gd name="connsiteX4" fmla="*/ 3451677 w 3581400"/>
+              <a:gd name="connsiteY4" fmla="*/ 2333 h 1181099"/>
+              <a:gd name="connsiteX5" fmla="*/ 3581400 w 3581400"/>
+              <a:gd name="connsiteY5" fmla="*/ 132056 h 1181099"/>
+              <a:gd name="connsiteX6" fmla="*/ 3581400 w 3581400"/>
+              <a:gd name="connsiteY6" fmla="*/ 1051376 h 1181099"/>
+              <a:gd name="connsiteX7" fmla="*/ 3451677 w 3581400"/>
+              <a:gd name="connsiteY7" fmla="*/ 1181099 h 1181099"/>
+              <a:gd name="connsiteX8" fmla="*/ 129723 w 3581400"/>
+              <a:gd name="connsiteY8" fmla="*/ 1181099 h 1181099"/>
+              <a:gd name="connsiteX9" fmla="*/ 0 w 3581400"/>
+              <a:gd name="connsiteY9" fmla="*/ 1051376 h 1181099"/>
+              <a:gd name="connsiteX10" fmla="*/ 0 w 3581400"/>
+              <a:gd name="connsiteY10" fmla="*/ 132056 h 1181099"/>
+              <a:gd name="connsiteX0" fmla="*/ 0 w 3581400"/>
+              <a:gd name="connsiteY0" fmla="*/ 129723 h 1178766"/>
+              <a:gd name="connsiteX1" fmla="*/ 1468505 w 3581400"/>
+              <a:gd name="connsiteY1" fmla="*/ 565357 h 1178766"/>
+              <a:gd name="connsiteX2" fmla="*/ 3030605 w 3581400"/>
+              <a:gd name="connsiteY2" fmla="*/ 1477 h 1178766"/>
+              <a:gd name="connsiteX3" fmla="*/ 3451677 w 3581400"/>
+              <a:gd name="connsiteY3" fmla="*/ 0 h 1178766"/>
+              <a:gd name="connsiteX4" fmla="*/ 3581400 w 3581400"/>
+              <a:gd name="connsiteY4" fmla="*/ 129723 h 1178766"/>
+              <a:gd name="connsiteX5" fmla="*/ 3581400 w 3581400"/>
+              <a:gd name="connsiteY5" fmla="*/ 1049043 h 1178766"/>
+              <a:gd name="connsiteX6" fmla="*/ 3451677 w 3581400"/>
+              <a:gd name="connsiteY6" fmla="*/ 1178766 h 1178766"/>
+              <a:gd name="connsiteX7" fmla="*/ 129723 w 3581400"/>
+              <a:gd name="connsiteY7" fmla="*/ 1178766 h 1178766"/>
+              <a:gd name="connsiteX8" fmla="*/ 0 w 3581400"/>
+              <a:gd name="connsiteY8" fmla="*/ 1049043 h 1178766"/>
+              <a:gd name="connsiteX9" fmla="*/ 0 w 3581400"/>
+              <a:gd name="connsiteY9" fmla="*/ 129723 h 1178766"/>
+              <a:gd name="connsiteX0" fmla="*/ 0 w 3581400"/>
+              <a:gd name="connsiteY0" fmla="*/ 129723 h 1178766"/>
+              <a:gd name="connsiteX1" fmla="*/ 1468505 w 3581400"/>
+              <a:gd name="connsiteY1" fmla="*/ 565357 h 1178766"/>
+              <a:gd name="connsiteX2" fmla="*/ 2965835 w 3581400"/>
+              <a:gd name="connsiteY2" fmla="*/ 466297 h 1178766"/>
+              <a:gd name="connsiteX3" fmla="*/ 3451677 w 3581400"/>
+              <a:gd name="connsiteY3" fmla="*/ 0 h 1178766"/>
+              <a:gd name="connsiteX4" fmla="*/ 3581400 w 3581400"/>
+              <a:gd name="connsiteY4" fmla="*/ 129723 h 1178766"/>
+              <a:gd name="connsiteX5" fmla="*/ 3581400 w 3581400"/>
+              <a:gd name="connsiteY5" fmla="*/ 1049043 h 1178766"/>
+              <a:gd name="connsiteX6" fmla="*/ 3451677 w 3581400"/>
+              <a:gd name="connsiteY6" fmla="*/ 1178766 h 1178766"/>
+              <a:gd name="connsiteX7" fmla="*/ 129723 w 3581400"/>
+              <a:gd name="connsiteY7" fmla="*/ 1178766 h 1178766"/>
+              <a:gd name="connsiteX8" fmla="*/ 0 w 3581400"/>
+              <a:gd name="connsiteY8" fmla="*/ 1049043 h 1178766"/>
+              <a:gd name="connsiteX9" fmla="*/ 0 w 3581400"/>
+              <a:gd name="connsiteY9" fmla="*/ 129723 h 1178766"/>
+              <a:gd name="connsiteX0" fmla="*/ 0 w 3581400"/>
+              <a:gd name="connsiteY0" fmla="*/ 30529 h 1079572"/>
+              <a:gd name="connsiteX1" fmla="*/ 1468505 w 3581400"/>
+              <a:gd name="connsiteY1" fmla="*/ 466163 h 1079572"/>
+              <a:gd name="connsiteX2" fmla="*/ 2965835 w 3581400"/>
+              <a:gd name="connsiteY2" fmla="*/ 367103 h 1079572"/>
+              <a:gd name="connsiteX3" fmla="*/ 3581400 w 3581400"/>
+              <a:gd name="connsiteY3" fmla="*/ 30529 h 1079572"/>
+              <a:gd name="connsiteX4" fmla="*/ 3581400 w 3581400"/>
+              <a:gd name="connsiteY4" fmla="*/ 949849 h 1079572"/>
+              <a:gd name="connsiteX5" fmla="*/ 3451677 w 3581400"/>
+              <a:gd name="connsiteY5" fmla="*/ 1079572 h 1079572"/>
+              <a:gd name="connsiteX6" fmla="*/ 129723 w 3581400"/>
+              <a:gd name="connsiteY6" fmla="*/ 1079572 h 1079572"/>
+              <a:gd name="connsiteX7" fmla="*/ 0 w 3581400"/>
+              <a:gd name="connsiteY7" fmla="*/ 949849 h 1079572"/>
+              <a:gd name="connsiteX8" fmla="*/ 0 w 3581400"/>
+              <a:gd name="connsiteY8" fmla="*/ 30529 h 1079572"/>
+              <a:gd name="connsiteX0" fmla="*/ 0 w 3581400"/>
+              <a:gd name="connsiteY0" fmla="*/ 30529 h 1079572"/>
+              <a:gd name="connsiteX1" fmla="*/ 1468505 w 3581400"/>
+              <a:gd name="connsiteY1" fmla="*/ 466163 h 1079572"/>
+              <a:gd name="connsiteX2" fmla="*/ 2965835 w 3581400"/>
+              <a:gd name="connsiteY2" fmla="*/ 367103 h 1079572"/>
+              <a:gd name="connsiteX3" fmla="*/ 3581400 w 3581400"/>
+              <a:gd name="connsiteY3" fmla="*/ 949849 h 1079572"/>
+              <a:gd name="connsiteX4" fmla="*/ 3451677 w 3581400"/>
+              <a:gd name="connsiteY4" fmla="*/ 1079572 h 1079572"/>
+              <a:gd name="connsiteX5" fmla="*/ 129723 w 3581400"/>
+              <a:gd name="connsiteY5" fmla="*/ 1079572 h 1079572"/>
+              <a:gd name="connsiteX6" fmla="*/ 0 w 3581400"/>
+              <a:gd name="connsiteY6" fmla="*/ 949849 h 1079572"/>
+              <a:gd name="connsiteX7" fmla="*/ 0 w 3581400"/>
+              <a:gd name="connsiteY7" fmla="*/ 30529 h 1079572"/>
+              <a:gd name="connsiteX0" fmla="*/ 0 w 3586865"/>
+              <a:gd name="connsiteY0" fmla="*/ 30529 h 1079572"/>
+              <a:gd name="connsiteX1" fmla="*/ 1468505 w 3586865"/>
+              <a:gd name="connsiteY1" fmla="*/ 466163 h 1079572"/>
+              <a:gd name="connsiteX2" fmla="*/ 3586865 w 3586865"/>
+              <a:gd name="connsiteY2" fmla="*/ 161363 h 1079572"/>
+              <a:gd name="connsiteX3" fmla="*/ 3581400 w 3586865"/>
+              <a:gd name="connsiteY3" fmla="*/ 949849 h 1079572"/>
+              <a:gd name="connsiteX4" fmla="*/ 3451677 w 3586865"/>
+              <a:gd name="connsiteY4" fmla="*/ 1079572 h 1079572"/>
+              <a:gd name="connsiteX5" fmla="*/ 129723 w 3586865"/>
+              <a:gd name="connsiteY5" fmla="*/ 1079572 h 1079572"/>
+              <a:gd name="connsiteX6" fmla="*/ 0 w 3586865"/>
+              <a:gd name="connsiteY6" fmla="*/ 949849 h 1079572"/>
+              <a:gd name="connsiteX7" fmla="*/ 0 w 3586865"/>
+              <a:gd name="connsiteY7" fmla="*/ 30529 h 1079572"/>
+              <a:gd name="connsiteX0" fmla="*/ 0 w 3586865"/>
+              <a:gd name="connsiteY0" fmla="*/ 30529 h 1079572"/>
+              <a:gd name="connsiteX1" fmla="*/ 1468505 w 3586865"/>
+              <a:gd name="connsiteY1" fmla="*/ 466163 h 1079572"/>
+              <a:gd name="connsiteX2" fmla="*/ 3586865 w 3586865"/>
+              <a:gd name="connsiteY2" fmla="*/ 161363 h 1079572"/>
+              <a:gd name="connsiteX3" fmla="*/ 3581400 w 3586865"/>
+              <a:gd name="connsiteY3" fmla="*/ 949849 h 1079572"/>
+              <a:gd name="connsiteX4" fmla="*/ 3451677 w 3586865"/>
+              <a:gd name="connsiteY4" fmla="*/ 1079572 h 1079572"/>
+              <a:gd name="connsiteX5" fmla="*/ 129723 w 3586865"/>
+              <a:gd name="connsiteY5" fmla="*/ 1079572 h 1079572"/>
+              <a:gd name="connsiteX6" fmla="*/ 0 w 3586865"/>
+              <a:gd name="connsiteY6" fmla="*/ 949849 h 1079572"/>
+              <a:gd name="connsiteX7" fmla="*/ 0 w 3586865"/>
+              <a:gd name="connsiteY7" fmla="*/ 30529 h 1079572"/>
+              <a:gd name="connsiteX0" fmla="*/ 0 w 3586865"/>
+              <a:gd name="connsiteY0" fmla="*/ 30529 h 1079572"/>
+              <a:gd name="connsiteX1" fmla="*/ 1468505 w 3586865"/>
+              <a:gd name="connsiteY1" fmla="*/ 466163 h 1079572"/>
+              <a:gd name="connsiteX2" fmla="*/ 3586865 w 3586865"/>
+              <a:gd name="connsiteY2" fmla="*/ 161363 h 1079572"/>
+              <a:gd name="connsiteX3" fmla="*/ 3581400 w 3586865"/>
+              <a:gd name="connsiteY3" fmla="*/ 949849 h 1079572"/>
+              <a:gd name="connsiteX4" fmla="*/ 3451677 w 3586865"/>
+              <a:gd name="connsiteY4" fmla="*/ 1079572 h 1079572"/>
+              <a:gd name="connsiteX5" fmla="*/ 129723 w 3586865"/>
+              <a:gd name="connsiteY5" fmla="*/ 1079572 h 1079572"/>
+              <a:gd name="connsiteX6" fmla="*/ 0 w 3586865"/>
+              <a:gd name="connsiteY6" fmla="*/ 949849 h 1079572"/>
+              <a:gd name="connsiteX7" fmla="*/ 0 w 3586865"/>
+              <a:gd name="connsiteY7" fmla="*/ 30529 h 1079572"/>
+              <a:gd name="connsiteX0" fmla="*/ 125730 w 3586865"/>
+              <a:gd name="connsiteY0" fmla="*/ 494006 h 918209"/>
+              <a:gd name="connsiteX1" fmla="*/ 1468505 w 3586865"/>
+              <a:gd name="connsiteY1" fmla="*/ 304800 h 918209"/>
+              <a:gd name="connsiteX2" fmla="*/ 3586865 w 3586865"/>
+              <a:gd name="connsiteY2" fmla="*/ 0 h 918209"/>
+              <a:gd name="connsiteX3" fmla="*/ 3581400 w 3586865"/>
+              <a:gd name="connsiteY3" fmla="*/ 788486 h 918209"/>
+              <a:gd name="connsiteX4" fmla="*/ 3451677 w 3586865"/>
+              <a:gd name="connsiteY4" fmla="*/ 918209 h 918209"/>
+              <a:gd name="connsiteX5" fmla="*/ 129723 w 3586865"/>
+              <a:gd name="connsiteY5" fmla="*/ 918209 h 918209"/>
+              <a:gd name="connsiteX6" fmla="*/ 0 w 3586865"/>
+              <a:gd name="connsiteY6" fmla="*/ 788486 h 918209"/>
+              <a:gd name="connsiteX7" fmla="*/ 125730 w 3586865"/>
+              <a:gd name="connsiteY7" fmla="*/ 494006 h 918209"/>
+              <a:gd name="connsiteX0" fmla="*/ 388620 w 3586865"/>
+              <a:gd name="connsiteY0" fmla="*/ 520676 h 918209"/>
+              <a:gd name="connsiteX1" fmla="*/ 1468505 w 3586865"/>
+              <a:gd name="connsiteY1" fmla="*/ 304800 h 918209"/>
+              <a:gd name="connsiteX2" fmla="*/ 3586865 w 3586865"/>
+              <a:gd name="connsiteY2" fmla="*/ 0 h 918209"/>
+              <a:gd name="connsiteX3" fmla="*/ 3581400 w 3586865"/>
+              <a:gd name="connsiteY3" fmla="*/ 788486 h 918209"/>
+              <a:gd name="connsiteX4" fmla="*/ 3451677 w 3586865"/>
+              <a:gd name="connsiteY4" fmla="*/ 918209 h 918209"/>
+              <a:gd name="connsiteX5" fmla="*/ 129723 w 3586865"/>
+              <a:gd name="connsiteY5" fmla="*/ 918209 h 918209"/>
+              <a:gd name="connsiteX6" fmla="*/ 0 w 3586865"/>
+              <a:gd name="connsiteY6" fmla="*/ 788486 h 918209"/>
+              <a:gd name="connsiteX7" fmla="*/ 388620 w 3586865"/>
+              <a:gd name="connsiteY7" fmla="*/ 520676 h 918209"/>
+              <a:gd name="connsiteX0" fmla="*/ 388620 w 3586865"/>
+              <a:gd name="connsiteY0" fmla="*/ 520676 h 918209"/>
+              <a:gd name="connsiteX1" fmla="*/ 1468505 w 3586865"/>
+              <a:gd name="connsiteY1" fmla="*/ 304800 h 918209"/>
+              <a:gd name="connsiteX2" fmla="*/ 3586865 w 3586865"/>
+              <a:gd name="connsiteY2" fmla="*/ 0 h 918209"/>
+              <a:gd name="connsiteX3" fmla="*/ 3581400 w 3586865"/>
+              <a:gd name="connsiteY3" fmla="*/ 788486 h 918209"/>
+              <a:gd name="connsiteX4" fmla="*/ 3451677 w 3586865"/>
+              <a:gd name="connsiteY4" fmla="*/ 918209 h 918209"/>
+              <a:gd name="connsiteX5" fmla="*/ 129723 w 3586865"/>
+              <a:gd name="connsiteY5" fmla="*/ 918209 h 918209"/>
+              <a:gd name="connsiteX6" fmla="*/ 0 w 3586865"/>
+              <a:gd name="connsiteY6" fmla="*/ 788486 h 918209"/>
+              <a:gd name="connsiteX7" fmla="*/ 388620 w 3586865"/>
+              <a:gd name="connsiteY7" fmla="*/ 520676 h 918209"/>
+              <a:gd name="connsiteX0" fmla="*/ 388620 w 3586865"/>
+              <a:gd name="connsiteY0" fmla="*/ 520676 h 918209"/>
+              <a:gd name="connsiteX1" fmla="*/ 1468505 w 3586865"/>
+              <a:gd name="connsiteY1" fmla="*/ 304800 h 918209"/>
+              <a:gd name="connsiteX2" fmla="*/ 3586865 w 3586865"/>
+              <a:gd name="connsiteY2" fmla="*/ 0 h 918209"/>
+              <a:gd name="connsiteX3" fmla="*/ 3581400 w 3586865"/>
+              <a:gd name="connsiteY3" fmla="*/ 788486 h 918209"/>
+              <a:gd name="connsiteX4" fmla="*/ 3451677 w 3586865"/>
+              <a:gd name="connsiteY4" fmla="*/ 918209 h 918209"/>
+              <a:gd name="connsiteX5" fmla="*/ 129723 w 3586865"/>
+              <a:gd name="connsiteY5" fmla="*/ 918209 h 918209"/>
+              <a:gd name="connsiteX6" fmla="*/ 0 w 3586865"/>
+              <a:gd name="connsiteY6" fmla="*/ 788486 h 918209"/>
+              <a:gd name="connsiteX7" fmla="*/ 388620 w 3586865"/>
+              <a:gd name="connsiteY7" fmla="*/ 520676 h 918209"/>
+              <a:gd name="connsiteX0" fmla="*/ 388620 w 3586865"/>
+              <a:gd name="connsiteY0" fmla="*/ 520676 h 918209"/>
+              <a:gd name="connsiteX1" fmla="*/ 1468505 w 3586865"/>
+              <a:gd name="connsiteY1" fmla="*/ 304800 h 918209"/>
+              <a:gd name="connsiteX2" fmla="*/ 3586865 w 3586865"/>
+              <a:gd name="connsiteY2" fmla="*/ 0 h 918209"/>
+              <a:gd name="connsiteX3" fmla="*/ 3581400 w 3586865"/>
+              <a:gd name="connsiteY3" fmla="*/ 788486 h 918209"/>
+              <a:gd name="connsiteX4" fmla="*/ 3451677 w 3586865"/>
+              <a:gd name="connsiteY4" fmla="*/ 918209 h 918209"/>
+              <a:gd name="connsiteX5" fmla="*/ 129723 w 3586865"/>
+              <a:gd name="connsiteY5" fmla="*/ 918209 h 918209"/>
+              <a:gd name="connsiteX6" fmla="*/ 0 w 3586865"/>
+              <a:gd name="connsiteY6" fmla="*/ 788486 h 918209"/>
+              <a:gd name="connsiteX7" fmla="*/ 388620 w 3586865"/>
+              <a:gd name="connsiteY7" fmla="*/ 520676 h 918209"/>
+              <a:gd name="connsiteX0" fmla="*/ 388620 w 3586865"/>
+              <a:gd name="connsiteY0" fmla="*/ 520676 h 918209"/>
+              <a:gd name="connsiteX1" fmla="*/ 1468505 w 3586865"/>
+              <a:gd name="connsiteY1" fmla="*/ 304800 h 918209"/>
+              <a:gd name="connsiteX2" fmla="*/ 3586865 w 3586865"/>
+              <a:gd name="connsiteY2" fmla="*/ 0 h 918209"/>
+              <a:gd name="connsiteX3" fmla="*/ 3581400 w 3586865"/>
+              <a:gd name="connsiteY3" fmla="*/ 788486 h 918209"/>
+              <a:gd name="connsiteX4" fmla="*/ 3451677 w 3586865"/>
+              <a:gd name="connsiteY4" fmla="*/ 918209 h 918209"/>
+              <a:gd name="connsiteX5" fmla="*/ 129723 w 3586865"/>
+              <a:gd name="connsiteY5" fmla="*/ 918209 h 918209"/>
+              <a:gd name="connsiteX6" fmla="*/ 0 w 3586865"/>
+              <a:gd name="connsiteY6" fmla="*/ 788486 h 918209"/>
+              <a:gd name="connsiteX7" fmla="*/ 388620 w 3586865"/>
+              <a:gd name="connsiteY7" fmla="*/ 520676 h 918209"/>
+              <a:gd name="connsiteX0" fmla="*/ 388620 w 3581400"/>
+              <a:gd name="connsiteY0" fmla="*/ 215876 h 613409"/>
+              <a:gd name="connsiteX1" fmla="*/ 1468505 w 3581400"/>
+              <a:gd name="connsiteY1" fmla="*/ 0 h 613409"/>
+              <a:gd name="connsiteX2" fmla="*/ 3581400 w 3581400"/>
+              <a:gd name="connsiteY2" fmla="*/ 483686 h 613409"/>
+              <a:gd name="connsiteX3" fmla="*/ 3451677 w 3581400"/>
+              <a:gd name="connsiteY3" fmla="*/ 613409 h 613409"/>
+              <a:gd name="connsiteX4" fmla="*/ 129723 w 3581400"/>
+              <a:gd name="connsiteY4" fmla="*/ 613409 h 613409"/>
+              <a:gd name="connsiteX5" fmla="*/ 0 w 3581400"/>
+              <a:gd name="connsiteY5" fmla="*/ 483686 h 613409"/>
+              <a:gd name="connsiteX6" fmla="*/ 388620 w 3581400"/>
+              <a:gd name="connsiteY6" fmla="*/ 215876 h 613409"/>
+              <a:gd name="connsiteX0" fmla="*/ 388620 w 3581400"/>
+              <a:gd name="connsiteY0" fmla="*/ 112613 h 510146"/>
+              <a:gd name="connsiteX1" fmla="*/ 2315849 w 3581400"/>
+              <a:gd name="connsiteY1" fmla="*/ 369 h 510146"/>
+              <a:gd name="connsiteX2" fmla="*/ 3581400 w 3581400"/>
+              <a:gd name="connsiteY2" fmla="*/ 380423 h 510146"/>
+              <a:gd name="connsiteX3" fmla="*/ 3451677 w 3581400"/>
+              <a:gd name="connsiteY3" fmla="*/ 510146 h 510146"/>
+              <a:gd name="connsiteX4" fmla="*/ 129723 w 3581400"/>
+              <a:gd name="connsiteY4" fmla="*/ 510146 h 510146"/>
+              <a:gd name="connsiteX5" fmla="*/ 0 w 3581400"/>
+              <a:gd name="connsiteY5" fmla="*/ 380423 h 510146"/>
+              <a:gd name="connsiteX6" fmla="*/ 388620 w 3581400"/>
+              <a:gd name="connsiteY6" fmla="*/ 112613 h 510146"/>
+              <a:gd name="connsiteX0" fmla="*/ 388620 w 3581400"/>
+              <a:gd name="connsiteY0" fmla="*/ 154916 h 552449"/>
+              <a:gd name="connsiteX1" fmla="*/ 2224409 w 3581400"/>
+              <a:gd name="connsiteY1" fmla="*/ 0 h 552449"/>
+              <a:gd name="connsiteX2" fmla="*/ 3581400 w 3581400"/>
+              <a:gd name="connsiteY2" fmla="*/ 422726 h 552449"/>
+              <a:gd name="connsiteX3" fmla="*/ 3451677 w 3581400"/>
+              <a:gd name="connsiteY3" fmla="*/ 552449 h 552449"/>
+              <a:gd name="connsiteX4" fmla="*/ 129723 w 3581400"/>
+              <a:gd name="connsiteY4" fmla="*/ 552449 h 552449"/>
+              <a:gd name="connsiteX5" fmla="*/ 0 w 3581400"/>
+              <a:gd name="connsiteY5" fmla="*/ 422726 h 552449"/>
+              <a:gd name="connsiteX6" fmla="*/ 388620 w 3581400"/>
+              <a:gd name="connsiteY6" fmla="*/ 154916 h 552449"/>
+              <a:gd name="connsiteX0" fmla="*/ 388620 w 3581400"/>
+              <a:gd name="connsiteY0" fmla="*/ 154916 h 552449"/>
+              <a:gd name="connsiteX1" fmla="*/ 2224409 w 3581400"/>
+              <a:gd name="connsiteY1" fmla="*/ 0 h 552449"/>
+              <a:gd name="connsiteX2" fmla="*/ 3581400 w 3581400"/>
+              <a:gd name="connsiteY2" fmla="*/ 422726 h 552449"/>
+              <a:gd name="connsiteX3" fmla="*/ 3451677 w 3581400"/>
+              <a:gd name="connsiteY3" fmla="*/ 552449 h 552449"/>
+              <a:gd name="connsiteX4" fmla="*/ 0 w 3581400"/>
+              <a:gd name="connsiteY4" fmla="*/ 422726 h 552449"/>
+              <a:gd name="connsiteX5" fmla="*/ 388620 w 3581400"/>
+              <a:gd name="connsiteY5" fmla="*/ 154916 h 552449"/>
+              <a:gd name="connsiteX0" fmla="*/ 388620 w 3581400"/>
+              <a:gd name="connsiteY0" fmla="*/ 154916 h 654374"/>
+              <a:gd name="connsiteX1" fmla="*/ 2224409 w 3581400"/>
+              <a:gd name="connsiteY1" fmla="*/ 0 h 654374"/>
+              <a:gd name="connsiteX2" fmla="*/ 3581400 w 3581400"/>
+              <a:gd name="connsiteY2" fmla="*/ 422726 h 654374"/>
+              <a:gd name="connsiteX3" fmla="*/ 3451677 w 3581400"/>
+              <a:gd name="connsiteY3" fmla="*/ 552449 h 654374"/>
+              <a:gd name="connsiteX4" fmla="*/ 0 w 3581400"/>
+              <a:gd name="connsiteY4" fmla="*/ 654374 h 654374"/>
+              <a:gd name="connsiteX5" fmla="*/ 388620 w 3581400"/>
+              <a:gd name="connsiteY5" fmla="*/ 154916 h 654374"/>
+            </a:gdLst>
+            <a:ahLst/>
+            <a:cxnLst>
+              <a:cxn ang="0">
+                <a:pos x="connsiteX0" y="connsiteY0"/>
+              </a:cxn>
+              <a:cxn ang="0">
+                <a:pos x="connsiteX1" y="connsiteY1"/>
+              </a:cxn>
+              <a:cxn ang="0">
+                <a:pos x="connsiteX2" y="connsiteY2"/>
+              </a:cxn>
+              <a:cxn ang="0">
+                <a:pos x="connsiteX3" y="connsiteY3"/>
+              </a:cxn>
+              <a:cxn ang="0">
+                <a:pos x="connsiteX4" y="connsiteY4"/>
+              </a:cxn>
+              <a:cxn ang="0">
+                <a:pos x="connsiteX5" y="connsiteY5"/>
+              </a:cxn>
+            </a:cxnLst>
+            <a:rect l="l" t="t" r="r" b="b"/>
+            <a:pathLst>
+              <a:path w="3581400" h="654374">
+                <a:moveTo>
+                  <a:pt x="388620" y="154916"/>
+                </a:moveTo>
+                <a:cubicBezTo>
+                  <a:pt x="696236" y="-15868"/>
+                  <a:pt x="1872978" y="22009"/>
+                  <a:pt x="2224409" y="0"/>
+                </a:cubicBezTo>
+                <a:cubicBezTo>
+                  <a:pt x="2756539" y="44635"/>
+                  <a:pt x="3250871" y="320491"/>
+                  <a:pt x="3581400" y="422726"/>
+                </a:cubicBezTo>
+                <a:cubicBezTo>
+                  <a:pt x="3581400" y="494370"/>
+                  <a:pt x="3523321" y="552449"/>
+                  <a:pt x="3451677" y="552449"/>
+                </a:cubicBezTo>
+                <a:lnTo>
+                  <a:pt x="0" y="654374"/>
+                </a:lnTo>
+                <a:cubicBezTo>
+                  <a:pt x="72390" y="473664"/>
+                  <a:pt x="163830" y="236566"/>
+                  <a:pt x="388620" y="154916"/>
+                </a:cubicBezTo>
+                <a:close/>
+              </a:path>
+            </a:pathLst>
+          </a:custGeom>
+          <a:solidFill>
+            <a:srgbClr val="78547B"/>
+          </a:solidFill>
+          <a:ln>
+            <a:solidFill>
+              <a:srgbClr val="002060"/>
+            </a:solidFill>
+          </a:ln>
+        </p:spPr>
+        <p:style>
+          <a:lnRef idx="2">
+            <a:schemeClr val="accent1">
+              <a:shade val="50000"/>
+            </a:schemeClr>
+          </a:lnRef>
+          <a:fillRef idx="1">
+            <a:schemeClr val="accent1"/>
+          </a:fillRef>
+          <a:effectRef idx="0">
+            <a:schemeClr val="accent1"/>
+          </a:effectRef>
+          <a:fontRef idx="minor">
+            <a:schemeClr val="lt1"/>
+          </a:fontRef>
+        </p:style>
+        <p:txBody>
+          <a:bodyPr rtlCol="0" anchor="ctr"/>
+          <a:lstStyle/>
+          <a:p>
+            <a:pPr algn="ctr"/>
+            <a:endParaRPr lang="ko-KR" altLang="en-US"/>
+          </a:p>
+        </p:txBody>
+      </p:sp>
+      <p:sp>
+        <p:nvSpPr>
+          <p:cNvPr id="38" name="모서리가 둥근 직사각형 7"/>
+          <p:cNvSpPr/>
+          <p:nvPr/>
+        </p:nvSpPr>
+        <p:spPr>
+          <a:xfrm>
+            <a:off x="4463665" y="2282190"/>
+            <a:ext cx="3586865" cy="918209"/>
+          </a:xfrm>
+          <a:custGeom>
+            <a:avLst/>
+            <a:gdLst>
+              <a:gd name="connsiteX0" fmla="*/ 0 w 3581400"/>
+              <a:gd name="connsiteY0" fmla="*/ 129723 h 1178766"/>
+              <a:gd name="connsiteX1" fmla="*/ 129723 w 3581400"/>
+              <a:gd name="connsiteY1" fmla="*/ 0 h 1178766"/>
+              <a:gd name="connsiteX2" fmla="*/ 3451677 w 3581400"/>
+              <a:gd name="connsiteY2" fmla="*/ 0 h 1178766"/>
+              <a:gd name="connsiteX3" fmla="*/ 3581400 w 3581400"/>
+              <a:gd name="connsiteY3" fmla="*/ 129723 h 1178766"/>
+              <a:gd name="connsiteX4" fmla="*/ 3581400 w 3581400"/>
+              <a:gd name="connsiteY4" fmla="*/ 1049043 h 1178766"/>
+              <a:gd name="connsiteX5" fmla="*/ 3451677 w 3581400"/>
+              <a:gd name="connsiteY5" fmla="*/ 1178766 h 1178766"/>
+              <a:gd name="connsiteX6" fmla="*/ 129723 w 3581400"/>
+              <a:gd name="connsiteY6" fmla="*/ 1178766 h 1178766"/>
+              <a:gd name="connsiteX7" fmla="*/ 0 w 3581400"/>
+              <a:gd name="connsiteY7" fmla="*/ 1049043 h 1178766"/>
+              <a:gd name="connsiteX8" fmla="*/ 0 w 3581400"/>
+              <a:gd name="connsiteY8" fmla="*/ 129723 h 1178766"/>
+              <a:gd name="connsiteX0" fmla="*/ 0 w 3581400"/>
+              <a:gd name="connsiteY0" fmla="*/ 129723 h 1178766"/>
+              <a:gd name="connsiteX1" fmla="*/ 129723 w 3581400"/>
+              <a:gd name="connsiteY1" fmla="*/ 0 h 1178766"/>
+              <a:gd name="connsiteX2" fmla="*/ 1319915 w 3581400"/>
+              <a:gd name="connsiteY2" fmla="*/ 1477 h 1178766"/>
+              <a:gd name="connsiteX3" fmla="*/ 3451677 w 3581400"/>
+              <a:gd name="connsiteY3" fmla="*/ 0 h 1178766"/>
+              <a:gd name="connsiteX4" fmla="*/ 3581400 w 3581400"/>
+              <a:gd name="connsiteY4" fmla="*/ 129723 h 1178766"/>
+              <a:gd name="connsiteX5" fmla="*/ 3581400 w 3581400"/>
+              <a:gd name="connsiteY5" fmla="*/ 1049043 h 1178766"/>
+              <a:gd name="connsiteX6" fmla="*/ 3451677 w 3581400"/>
+              <a:gd name="connsiteY6" fmla="*/ 1178766 h 1178766"/>
+              <a:gd name="connsiteX7" fmla="*/ 129723 w 3581400"/>
+              <a:gd name="connsiteY7" fmla="*/ 1178766 h 1178766"/>
+              <a:gd name="connsiteX8" fmla="*/ 0 w 3581400"/>
+              <a:gd name="connsiteY8" fmla="*/ 1049043 h 1178766"/>
+              <a:gd name="connsiteX9" fmla="*/ 0 w 3581400"/>
+              <a:gd name="connsiteY9" fmla="*/ 129723 h 1178766"/>
+              <a:gd name="connsiteX0" fmla="*/ 0 w 3581400"/>
+              <a:gd name="connsiteY0" fmla="*/ 129723 h 1178766"/>
+              <a:gd name="connsiteX1" fmla="*/ 129723 w 3581400"/>
+              <a:gd name="connsiteY1" fmla="*/ 0 h 1178766"/>
+              <a:gd name="connsiteX2" fmla="*/ 1319915 w 3581400"/>
+              <a:gd name="connsiteY2" fmla="*/ 1477 h 1178766"/>
+              <a:gd name="connsiteX3" fmla="*/ 3030605 w 3581400"/>
+              <a:gd name="connsiteY3" fmla="*/ 1477 h 1178766"/>
+              <a:gd name="connsiteX4" fmla="*/ 3451677 w 3581400"/>
+              <a:gd name="connsiteY4" fmla="*/ 0 h 1178766"/>
+              <a:gd name="connsiteX5" fmla="*/ 3581400 w 3581400"/>
+              <a:gd name="connsiteY5" fmla="*/ 129723 h 1178766"/>
+              <a:gd name="connsiteX6" fmla="*/ 3581400 w 3581400"/>
+              <a:gd name="connsiteY6" fmla="*/ 1049043 h 1178766"/>
+              <a:gd name="connsiteX7" fmla="*/ 3451677 w 3581400"/>
+              <a:gd name="connsiteY7" fmla="*/ 1178766 h 1178766"/>
+              <a:gd name="connsiteX8" fmla="*/ 129723 w 3581400"/>
+              <a:gd name="connsiteY8" fmla="*/ 1178766 h 1178766"/>
+              <a:gd name="connsiteX9" fmla="*/ 0 w 3581400"/>
+              <a:gd name="connsiteY9" fmla="*/ 1049043 h 1178766"/>
+              <a:gd name="connsiteX10" fmla="*/ 0 w 3581400"/>
+              <a:gd name="connsiteY10" fmla="*/ 129723 h 1178766"/>
+              <a:gd name="connsiteX0" fmla="*/ 0 w 3581400"/>
+              <a:gd name="connsiteY0" fmla="*/ 132056 h 1181099"/>
+              <a:gd name="connsiteX1" fmla="*/ 129723 w 3581400"/>
+              <a:gd name="connsiteY1" fmla="*/ 2333 h 1181099"/>
+              <a:gd name="connsiteX2" fmla="*/ 1319915 w 3581400"/>
+              <a:gd name="connsiteY2" fmla="*/ 3810 h 1181099"/>
+              <a:gd name="connsiteX3" fmla="*/ 2108585 w 3581400"/>
+              <a:gd name="connsiteY3" fmla="*/ 0 h 1181099"/>
+              <a:gd name="connsiteX4" fmla="*/ 3030605 w 3581400"/>
+              <a:gd name="connsiteY4" fmla="*/ 3810 h 1181099"/>
+              <a:gd name="connsiteX5" fmla="*/ 3451677 w 3581400"/>
+              <a:gd name="connsiteY5" fmla="*/ 2333 h 1181099"/>
+              <a:gd name="connsiteX6" fmla="*/ 3581400 w 3581400"/>
+              <a:gd name="connsiteY6" fmla="*/ 132056 h 1181099"/>
+              <a:gd name="connsiteX7" fmla="*/ 3581400 w 3581400"/>
+              <a:gd name="connsiteY7" fmla="*/ 1051376 h 1181099"/>
+              <a:gd name="connsiteX8" fmla="*/ 3451677 w 3581400"/>
+              <a:gd name="connsiteY8" fmla="*/ 1181099 h 1181099"/>
+              <a:gd name="connsiteX9" fmla="*/ 129723 w 3581400"/>
+              <a:gd name="connsiteY9" fmla="*/ 1181099 h 1181099"/>
+              <a:gd name="connsiteX10" fmla="*/ 0 w 3581400"/>
+              <a:gd name="connsiteY10" fmla="*/ 1051376 h 1181099"/>
+              <a:gd name="connsiteX11" fmla="*/ 0 w 3581400"/>
+              <a:gd name="connsiteY11" fmla="*/ 132056 h 1181099"/>
+              <a:gd name="connsiteX0" fmla="*/ 0 w 3581400"/>
+              <a:gd name="connsiteY0" fmla="*/ 132056 h 1181099"/>
+              <a:gd name="connsiteX1" fmla="*/ 129723 w 3581400"/>
+              <a:gd name="connsiteY1" fmla="*/ 2333 h 1181099"/>
+              <a:gd name="connsiteX2" fmla="*/ 706505 w 3581400"/>
+              <a:gd name="connsiteY2" fmla="*/ 3811 h 1181099"/>
+              <a:gd name="connsiteX3" fmla="*/ 1319915 w 3581400"/>
+              <a:gd name="connsiteY3" fmla="*/ 3810 h 1181099"/>
+              <a:gd name="connsiteX4" fmla="*/ 2108585 w 3581400"/>
+              <a:gd name="connsiteY4" fmla="*/ 0 h 1181099"/>
+              <a:gd name="connsiteX5" fmla="*/ 3030605 w 3581400"/>
+              <a:gd name="connsiteY5" fmla="*/ 3810 h 1181099"/>
+              <a:gd name="connsiteX6" fmla="*/ 3451677 w 3581400"/>
+              <a:gd name="connsiteY6" fmla="*/ 2333 h 1181099"/>
+              <a:gd name="connsiteX7" fmla="*/ 3581400 w 3581400"/>
+              <a:gd name="connsiteY7" fmla="*/ 132056 h 1181099"/>
+              <a:gd name="connsiteX8" fmla="*/ 3581400 w 3581400"/>
+              <a:gd name="connsiteY8" fmla="*/ 1051376 h 1181099"/>
+              <a:gd name="connsiteX9" fmla="*/ 3451677 w 3581400"/>
+              <a:gd name="connsiteY9" fmla="*/ 1181099 h 1181099"/>
+              <a:gd name="connsiteX10" fmla="*/ 129723 w 3581400"/>
+              <a:gd name="connsiteY10" fmla="*/ 1181099 h 1181099"/>
+              <a:gd name="connsiteX11" fmla="*/ 0 w 3581400"/>
+              <a:gd name="connsiteY11" fmla="*/ 1051376 h 1181099"/>
+              <a:gd name="connsiteX12" fmla="*/ 0 w 3581400"/>
+              <a:gd name="connsiteY12" fmla="*/ 132056 h 1181099"/>
+              <a:gd name="connsiteX0" fmla="*/ 0 w 3581400"/>
+              <a:gd name="connsiteY0" fmla="*/ 132056 h 1181099"/>
+              <a:gd name="connsiteX1" fmla="*/ 706505 w 3581400"/>
+              <a:gd name="connsiteY1" fmla="*/ 3811 h 1181099"/>
+              <a:gd name="connsiteX2" fmla="*/ 1319915 w 3581400"/>
+              <a:gd name="connsiteY2" fmla="*/ 3810 h 1181099"/>
+              <a:gd name="connsiteX3" fmla="*/ 2108585 w 3581400"/>
+              <a:gd name="connsiteY3" fmla="*/ 0 h 1181099"/>
+              <a:gd name="connsiteX4" fmla="*/ 3030605 w 3581400"/>
+              <a:gd name="connsiteY4" fmla="*/ 3810 h 1181099"/>
+              <a:gd name="connsiteX5" fmla="*/ 3451677 w 3581400"/>
+              <a:gd name="connsiteY5" fmla="*/ 2333 h 1181099"/>
+              <a:gd name="connsiteX6" fmla="*/ 3581400 w 3581400"/>
+              <a:gd name="connsiteY6" fmla="*/ 132056 h 1181099"/>
+              <a:gd name="connsiteX7" fmla="*/ 3581400 w 3581400"/>
+              <a:gd name="connsiteY7" fmla="*/ 1051376 h 1181099"/>
+              <a:gd name="connsiteX8" fmla="*/ 3451677 w 3581400"/>
+              <a:gd name="connsiteY8" fmla="*/ 1181099 h 1181099"/>
+              <a:gd name="connsiteX9" fmla="*/ 129723 w 3581400"/>
+              <a:gd name="connsiteY9" fmla="*/ 1181099 h 1181099"/>
+              <a:gd name="connsiteX10" fmla="*/ 0 w 3581400"/>
+              <a:gd name="connsiteY10" fmla="*/ 1051376 h 1181099"/>
+              <a:gd name="connsiteX11" fmla="*/ 0 w 3581400"/>
+              <a:gd name="connsiteY11" fmla="*/ 132056 h 1181099"/>
+              <a:gd name="connsiteX0" fmla="*/ 0 w 3581400"/>
+              <a:gd name="connsiteY0" fmla="*/ 132056 h 1181099"/>
+              <a:gd name="connsiteX1" fmla="*/ 1319915 w 3581400"/>
+              <a:gd name="connsiteY1" fmla="*/ 3810 h 1181099"/>
+              <a:gd name="connsiteX2" fmla="*/ 2108585 w 3581400"/>
+              <a:gd name="connsiteY2" fmla="*/ 0 h 1181099"/>
+              <a:gd name="connsiteX3" fmla="*/ 3030605 w 3581400"/>
+              <a:gd name="connsiteY3" fmla="*/ 3810 h 1181099"/>
+              <a:gd name="connsiteX4" fmla="*/ 3451677 w 3581400"/>
+              <a:gd name="connsiteY4" fmla="*/ 2333 h 1181099"/>
+              <a:gd name="connsiteX5" fmla="*/ 3581400 w 3581400"/>
+              <a:gd name="connsiteY5" fmla="*/ 132056 h 1181099"/>
+              <a:gd name="connsiteX6" fmla="*/ 3581400 w 3581400"/>
+              <a:gd name="connsiteY6" fmla="*/ 1051376 h 1181099"/>
+              <a:gd name="connsiteX7" fmla="*/ 3451677 w 3581400"/>
+              <a:gd name="connsiteY7" fmla="*/ 1181099 h 1181099"/>
+              <a:gd name="connsiteX8" fmla="*/ 129723 w 3581400"/>
+              <a:gd name="connsiteY8" fmla="*/ 1181099 h 1181099"/>
+              <a:gd name="connsiteX9" fmla="*/ 0 w 3581400"/>
+              <a:gd name="connsiteY9" fmla="*/ 1051376 h 1181099"/>
+              <a:gd name="connsiteX10" fmla="*/ 0 w 3581400"/>
+              <a:gd name="connsiteY10" fmla="*/ 132056 h 1181099"/>
+              <a:gd name="connsiteX0" fmla="*/ 0 w 3581400"/>
+              <a:gd name="connsiteY0" fmla="*/ 132056 h 1181099"/>
+              <a:gd name="connsiteX1" fmla="*/ 1453265 w 3581400"/>
+              <a:gd name="connsiteY1" fmla="*/ 198120 h 1181099"/>
+              <a:gd name="connsiteX2" fmla="*/ 2108585 w 3581400"/>
+              <a:gd name="connsiteY2" fmla="*/ 0 h 1181099"/>
+              <a:gd name="connsiteX3" fmla="*/ 3030605 w 3581400"/>
+              <a:gd name="connsiteY3" fmla="*/ 3810 h 1181099"/>
+              <a:gd name="connsiteX4" fmla="*/ 3451677 w 3581400"/>
+              <a:gd name="connsiteY4" fmla="*/ 2333 h 1181099"/>
+              <a:gd name="connsiteX5" fmla="*/ 3581400 w 3581400"/>
+              <a:gd name="connsiteY5" fmla="*/ 132056 h 1181099"/>
+              <a:gd name="connsiteX6" fmla="*/ 3581400 w 3581400"/>
+              <a:gd name="connsiteY6" fmla="*/ 1051376 h 1181099"/>
+              <a:gd name="connsiteX7" fmla="*/ 3451677 w 3581400"/>
+              <a:gd name="connsiteY7" fmla="*/ 1181099 h 1181099"/>
+              <a:gd name="connsiteX8" fmla="*/ 129723 w 3581400"/>
+              <a:gd name="connsiteY8" fmla="*/ 1181099 h 1181099"/>
+              <a:gd name="connsiteX9" fmla="*/ 0 w 3581400"/>
+              <a:gd name="connsiteY9" fmla="*/ 1051376 h 1181099"/>
+              <a:gd name="connsiteX10" fmla="*/ 0 w 3581400"/>
+              <a:gd name="connsiteY10" fmla="*/ 132056 h 1181099"/>
+              <a:gd name="connsiteX0" fmla="*/ 0 w 3581400"/>
+              <a:gd name="connsiteY0" fmla="*/ 132056 h 1181099"/>
+              <a:gd name="connsiteX1" fmla="*/ 1377065 w 3581400"/>
+              <a:gd name="connsiteY1" fmla="*/ 567690 h 1181099"/>
+              <a:gd name="connsiteX2" fmla="*/ 2108585 w 3581400"/>
+              <a:gd name="connsiteY2" fmla="*/ 0 h 1181099"/>
+              <a:gd name="connsiteX3" fmla="*/ 3030605 w 3581400"/>
+              <a:gd name="connsiteY3" fmla="*/ 3810 h 1181099"/>
+              <a:gd name="connsiteX4" fmla="*/ 3451677 w 3581400"/>
+              <a:gd name="connsiteY4" fmla="*/ 2333 h 1181099"/>
+              <a:gd name="connsiteX5" fmla="*/ 3581400 w 3581400"/>
+              <a:gd name="connsiteY5" fmla="*/ 132056 h 1181099"/>
+              <a:gd name="connsiteX6" fmla="*/ 3581400 w 3581400"/>
+              <a:gd name="connsiteY6" fmla="*/ 1051376 h 1181099"/>
+              <a:gd name="connsiteX7" fmla="*/ 3451677 w 3581400"/>
+              <a:gd name="connsiteY7" fmla="*/ 1181099 h 1181099"/>
+              <a:gd name="connsiteX8" fmla="*/ 129723 w 3581400"/>
+              <a:gd name="connsiteY8" fmla="*/ 1181099 h 1181099"/>
+              <a:gd name="connsiteX9" fmla="*/ 0 w 3581400"/>
+              <a:gd name="connsiteY9" fmla="*/ 1051376 h 1181099"/>
+              <a:gd name="connsiteX10" fmla="*/ 0 w 3581400"/>
+              <a:gd name="connsiteY10" fmla="*/ 132056 h 1181099"/>
+              <a:gd name="connsiteX0" fmla="*/ 0 w 3581400"/>
+              <a:gd name="connsiteY0" fmla="*/ 132056 h 1181099"/>
+              <a:gd name="connsiteX1" fmla="*/ 1468505 w 3581400"/>
+              <a:gd name="connsiteY1" fmla="*/ 567690 h 1181099"/>
+              <a:gd name="connsiteX2" fmla="*/ 2108585 w 3581400"/>
+              <a:gd name="connsiteY2" fmla="*/ 0 h 1181099"/>
+              <a:gd name="connsiteX3" fmla="*/ 3030605 w 3581400"/>
+              <a:gd name="connsiteY3" fmla="*/ 3810 h 1181099"/>
+              <a:gd name="connsiteX4" fmla="*/ 3451677 w 3581400"/>
+              <a:gd name="connsiteY4" fmla="*/ 2333 h 1181099"/>
+              <a:gd name="connsiteX5" fmla="*/ 3581400 w 3581400"/>
+              <a:gd name="connsiteY5" fmla="*/ 132056 h 1181099"/>
+              <a:gd name="connsiteX6" fmla="*/ 3581400 w 3581400"/>
+              <a:gd name="connsiteY6" fmla="*/ 1051376 h 1181099"/>
+              <a:gd name="connsiteX7" fmla="*/ 3451677 w 3581400"/>
+              <a:gd name="connsiteY7" fmla="*/ 1181099 h 1181099"/>
+              <a:gd name="connsiteX8" fmla="*/ 129723 w 3581400"/>
+              <a:gd name="connsiteY8" fmla="*/ 1181099 h 1181099"/>
+              <a:gd name="connsiteX9" fmla="*/ 0 w 3581400"/>
+              <a:gd name="connsiteY9" fmla="*/ 1051376 h 1181099"/>
+              <a:gd name="connsiteX10" fmla="*/ 0 w 3581400"/>
+              <a:gd name="connsiteY10" fmla="*/ 132056 h 1181099"/>
+              <a:gd name="connsiteX0" fmla="*/ 0 w 3581400"/>
+              <a:gd name="connsiteY0" fmla="*/ 129723 h 1178766"/>
+              <a:gd name="connsiteX1" fmla="*/ 1468505 w 3581400"/>
+              <a:gd name="connsiteY1" fmla="*/ 565357 h 1178766"/>
+              <a:gd name="connsiteX2" fmla="*/ 3030605 w 3581400"/>
+              <a:gd name="connsiteY2" fmla="*/ 1477 h 1178766"/>
+              <a:gd name="connsiteX3" fmla="*/ 3451677 w 3581400"/>
+              <a:gd name="connsiteY3" fmla="*/ 0 h 1178766"/>
+              <a:gd name="connsiteX4" fmla="*/ 3581400 w 3581400"/>
+              <a:gd name="connsiteY4" fmla="*/ 129723 h 1178766"/>
+              <a:gd name="connsiteX5" fmla="*/ 3581400 w 3581400"/>
+              <a:gd name="connsiteY5" fmla="*/ 1049043 h 1178766"/>
+              <a:gd name="connsiteX6" fmla="*/ 3451677 w 3581400"/>
+              <a:gd name="connsiteY6" fmla="*/ 1178766 h 1178766"/>
+              <a:gd name="connsiteX7" fmla="*/ 129723 w 3581400"/>
+              <a:gd name="connsiteY7" fmla="*/ 1178766 h 1178766"/>
+              <a:gd name="connsiteX8" fmla="*/ 0 w 3581400"/>
+              <a:gd name="connsiteY8" fmla="*/ 1049043 h 1178766"/>
+              <a:gd name="connsiteX9" fmla="*/ 0 w 3581400"/>
+              <a:gd name="connsiteY9" fmla="*/ 129723 h 1178766"/>
+              <a:gd name="connsiteX0" fmla="*/ 0 w 3581400"/>
+              <a:gd name="connsiteY0" fmla="*/ 129723 h 1178766"/>
+              <a:gd name="connsiteX1" fmla="*/ 1468505 w 3581400"/>
+              <a:gd name="connsiteY1" fmla="*/ 565357 h 1178766"/>
+              <a:gd name="connsiteX2" fmla="*/ 2965835 w 3581400"/>
+              <a:gd name="connsiteY2" fmla="*/ 466297 h 1178766"/>
+              <a:gd name="connsiteX3" fmla="*/ 3451677 w 3581400"/>
+              <a:gd name="connsiteY3" fmla="*/ 0 h 1178766"/>
+              <a:gd name="connsiteX4" fmla="*/ 3581400 w 3581400"/>
+              <a:gd name="connsiteY4" fmla="*/ 129723 h 1178766"/>
+              <a:gd name="connsiteX5" fmla="*/ 3581400 w 3581400"/>
+              <a:gd name="connsiteY5" fmla="*/ 1049043 h 1178766"/>
+              <a:gd name="connsiteX6" fmla="*/ 3451677 w 3581400"/>
+              <a:gd name="connsiteY6" fmla="*/ 1178766 h 1178766"/>
+              <a:gd name="connsiteX7" fmla="*/ 129723 w 3581400"/>
+              <a:gd name="connsiteY7" fmla="*/ 1178766 h 1178766"/>
+              <a:gd name="connsiteX8" fmla="*/ 0 w 3581400"/>
+              <a:gd name="connsiteY8" fmla="*/ 1049043 h 1178766"/>
+              <a:gd name="connsiteX9" fmla="*/ 0 w 3581400"/>
+              <a:gd name="connsiteY9" fmla="*/ 129723 h 1178766"/>
+              <a:gd name="connsiteX0" fmla="*/ 0 w 3581400"/>
+              <a:gd name="connsiteY0" fmla="*/ 30529 h 1079572"/>
+              <a:gd name="connsiteX1" fmla="*/ 1468505 w 3581400"/>
+              <a:gd name="connsiteY1" fmla="*/ 466163 h 1079572"/>
+              <a:gd name="connsiteX2" fmla="*/ 2965835 w 3581400"/>
+              <a:gd name="connsiteY2" fmla="*/ 367103 h 1079572"/>
+              <a:gd name="connsiteX3" fmla="*/ 3581400 w 3581400"/>
+              <a:gd name="connsiteY3" fmla="*/ 30529 h 1079572"/>
+              <a:gd name="connsiteX4" fmla="*/ 3581400 w 3581400"/>
+              <a:gd name="connsiteY4" fmla="*/ 949849 h 1079572"/>
+              <a:gd name="connsiteX5" fmla="*/ 3451677 w 3581400"/>
+              <a:gd name="connsiteY5" fmla="*/ 1079572 h 1079572"/>
+              <a:gd name="connsiteX6" fmla="*/ 129723 w 3581400"/>
+              <a:gd name="connsiteY6" fmla="*/ 1079572 h 1079572"/>
+              <a:gd name="connsiteX7" fmla="*/ 0 w 3581400"/>
+              <a:gd name="connsiteY7" fmla="*/ 949849 h 1079572"/>
+              <a:gd name="connsiteX8" fmla="*/ 0 w 3581400"/>
+              <a:gd name="connsiteY8" fmla="*/ 30529 h 1079572"/>
+              <a:gd name="connsiteX0" fmla="*/ 0 w 3581400"/>
+              <a:gd name="connsiteY0" fmla="*/ 30529 h 1079572"/>
+              <a:gd name="connsiteX1" fmla="*/ 1468505 w 3581400"/>
+              <a:gd name="connsiteY1" fmla="*/ 466163 h 1079572"/>
+              <a:gd name="connsiteX2" fmla="*/ 2965835 w 3581400"/>
+              <a:gd name="connsiteY2" fmla="*/ 367103 h 1079572"/>
+              <a:gd name="connsiteX3" fmla="*/ 3581400 w 3581400"/>
+              <a:gd name="connsiteY3" fmla="*/ 949849 h 1079572"/>
+              <a:gd name="connsiteX4" fmla="*/ 3451677 w 3581400"/>
+              <a:gd name="connsiteY4" fmla="*/ 1079572 h 1079572"/>
+              <a:gd name="connsiteX5" fmla="*/ 129723 w 3581400"/>
+              <a:gd name="connsiteY5" fmla="*/ 1079572 h 1079572"/>
+              <a:gd name="connsiteX6" fmla="*/ 0 w 3581400"/>
+              <a:gd name="connsiteY6" fmla="*/ 949849 h 1079572"/>
+              <a:gd name="connsiteX7" fmla="*/ 0 w 3581400"/>
+              <a:gd name="connsiteY7" fmla="*/ 30529 h 1079572"/>
+              <a:gd name="connsiteX0" fmla="*/ 0 w 3586865"/>
+              <a:gd name="connsiteY0" fmla="*/ 30529 h 1079572"/>
+              <a:gd name="connsiteX1" fmla="*/ 1468505 w 3586865"/>
+              <a:gd name="connsiteY1" fmla="*/ 466163 h 1079572"/>
+              <a:gd name="connsiteX2" fmla="*/ 3586865 w 3586865"/>
+              <a:gd name="connsiteY2" fmla="*/ 161363 h 1079572"/>
+              <a:gd name="connsiteX3" fmla="*/ 3581400 w 3586865"/>
+              <a:gd name="connsiteY3" fmla="*/ 949849 h 1079572"/>
+              <a:gd name="connsiteX4" fmla="*/ 3451677 w 3586865"/>
+              <a:gd name="connsiteY4" fmla="*/ 1079572 h 1079572"/>
+              <a:gd name="connsiteX5" fmla="*/ 129723 w 3586865"/>
+              <a:gd name="connsiteY5" fmla="*/ 1079572 h 1079572"/>
+              <a:gd name="connsiteX6" fmla="*/ 0 w 3586865"/>
+              <a:gd name="connsiteY6" fmla="*/ 949849 h 1079572"/>
+              <a:gd name="connsiteX7" fmla="*/ 0 w 3586865"/>
+              <a:gd name="connsiteY7" fmla="*/ 30529 h 1079572"/>
+              <a:gd name="connsiteX0" fmla="*/ 0 w 3586865"/>
+              <a:gd name="connsiteY0" fmla="*/ 30529 h 1079572"/>
+              <a:gd name="connsiteX1" fmla="*/ 1468505 w 3586865"/>
+              <a:gd name="connsiteY1" fmla="*/ 466163 h 1079572"/>
+              <a:gd name="connsiteX2" fmla="*/ 3586865 w 3586865"/>
+              <a:gd name="connsiteY2" fmla="*/ 161363 h 1079572"/>
+              <a:gd name="connsiteX3" fmla="*/ 3581400 w 3586865"/>
+              <a:gd name="connsiteY3" fmla="*/ 949849 h 1079572"/>
+              <a:gd name="connsiteX4" fmla="*/ 3451677 w 3586865"/>
+              <a:gd name="connsiteY4" fmla="*/ 1079572 h 1079572"/>
+              <a:gd name="connsiteX5" fmla="*/ 129723 w 3586865"/>
+              <a:gd name="connsiteY5" fmla="*/ 1079572 h 1079572"/>
+              <a:gd name="connsiteX6" fmla="*/ 0 w 3586865"/>
+              <a:gd name="connsiteY6" fmla="*/ 949849 h 1079572"/>
+              <a:gd name="connsiteX7" fmla="*/ 0 w 3586865"/>
+              <a:gd name="connsiteY7" fmla="*/ 30529 h 1079572"/>
+              <a:gd name="connsiteX0" fmla="*/ 0 w 3586865"/>
+              <a:gd name="connsiteY0" fmla="*/ 30529 h 1079572"/>
+              <a:gd name="connsiteX1" fmla="*/ 1468505 w 3586865"/>
+              <a:gd name="connsiteY1" fmla="*/ 466163 h 1079572"/>
+              <a:gd name="connsiteX2" fmla="*/ 3586865 w 3586865"/>
+              <a:gd name="connsiteY2" fmla="*/ 161363 h 1079572"/>
+              <a:gd name="connsiteX3" fmla="*/ 3581400 w 3586865"/>
+              <a:gd name="connsiteY3" fmla="*/ 949849 h 1079572"/>
+              <a:gd name="connsiteX4" fmla="*/ 3451677 w 3586865"/>
+              <a:gd name="connsiteY4" fmla="*/ 1079572 h 1079572"/>
+              <a:gd name="connsiteX5" fmla="*/ 129723 w 3586865"/>
+              <a:gd name="connsiteY5" fmla="*/ 1079572 h 1079572"/>
+              <a:gd name="connsiteX6" fmla="*/ 0 w 3586865"/>
+              <a:gd name="connsiteY6" fmla="*/ 949849 h 1079572"/>
+              <a:gd name="connsiteX7" fmla="*/ 0 w 3586865"/>
+              <a:gd name="connsiteY7" fmla="*/ 30529 h 1079572"/>
+              <a:gd name="connsiteX0" fmla="*/ 125730 w 3586865"/>
+              <a:gd name="connsiteY0" fmla="*/ 494006 h 918209"/>
+              <a:gd name="connsiteX1" fmla="*/ 1468505 w 3586865"/>
+              <a:gd name="connsiteY1" fmla="*/ 304800 h 918209"/>
+              <a:gd name="connsiteX2" fmla="*/ 3586865 w 3586865"/>
+              <a:gd name="connsiteY2" fmla="*/ 0 h 918209"/>
+              <a:gd name="connsiteX3" fmla="*/ 3581400 w 3586865"/>
+              <a:gd name="connsiteY3" fmla="*/ 788486 h 918209"/>
+              <a:gd name="connsiteX4" fmla="*/ 3451677 w 3586865"/>
+              <a:gd name="connsiteY4" fmla="*/ 918209 h 918209"/>
+              <a:gd name="connsiteX5" fmla="*/ 129723 w 3586865"/>
+              <a:gd name="connsiteY5" fmla="*/ 918209 h 918209"/>
+              <a:gd name="connsiteX6" fmla="*/ 0 w 3586865"/>
+              <a:gd name="connsiteY6" fmla="*/ 788486 h 918209"/>
+              <a:gd name="connsiteX7" fmla="*/ 125730 w 3586865"/>
+              <a:gd name="connsiteY7" fmla="*/ 494006 h 918209"/>
+              <a:gd name="connsiteX0" fmla="*/ 388620 w 3586865"/>
+              <a:gd name="connsiteY0" fmla="*/ 520676 h 918209"/>
+              <a:gd name="connsiteX1" fmla="*/ 1468505 w 3586865"/>
+              <a:gd name="connsiteY1" fmla="*/ 304800 h 918209"/>
+              <a:gd name="connsiteX2" fmla="*/ 3586865 w 3586865"/>
+              <a:gd name="connsiteY2" fmla="*/ 0 h 918209"/>
+              <a:gd name="connsiteX3" fmla="*/ 3581400 w 3586865"/>
+              <a:gd name="connsiteY3" fmla="*/ 788486 h 918209"/>
+              <a:gd name="connsiteX4" fmla="*/ 3451677 w 3586865"/>
+              <a:gd name="connsiteY4" fmla="*/ 918209 h 918209"/>
+              <a:gd name="connsiteX5" fmla="*/ 129723 w 3586865"/>
+              <a:gd name="connsiteY5" fmla="*/ 918209 h 918209"/>
+              <a:gd name="connsiteX6" fmla="*/ 0 w 3586865"/>
+              <a:gd name="connsiteY6" fmla="*/ 788486 h 918209"/>
+              <a:gd name="connsiteX7" fmla="*/ 388620 w 3586865"/>
+              <a:gd name="connsiteY7" fmla="*/ 520676 h 918209"/>
+              <a:gd name="connsiteX0" fmla="*/ 388620 w 3586865"/>
+              <a:gd name="connsiteY0" fmla="*/ 520676 h 918209"/>
+              <a:gd name="connsiteX1" fmla="*/ 1468505 w 3586865"/>
+              <a:gd name="connsiteY1" fmla="*/ 304800 h 918209"/>
+              <a:gd name="connsiteX2" fmla="*/ 3586865 w 3586865"/>
+              <a:gd name="connsiteY2" fmla="*/ 0 h 918209"/>
+              <a:gd name="connsiteX3" fmla="*/ 3581400 w 3586865"/>
+              <a:gd name="connsiteY3" fmla="*/ 788486 h 918209"/>
+              <a:gd name="connsiteX4" fmla="*/ 3451677 w 3586865"/>
+              <a:gd name="connsiteY4" fmla="*/ 918209 h 918209"/>
+              <a:gd name="connsiteX5" fmla="*/ 129723 w 3586865"/>
+              <a:gd name="connsiteY5" fmla="*/ 918209 h 918209"/>
+              <a:gd name="connsiteX6" fmla="*/ 0 w 3586865"/>
+              <a:gd name="connsiteY6" fmla="*/ 788486 h 918209"/>
+              <a:gd name="connsiteX7" fmla="*/ 388620 w 3586865"/>
+              <a:gd name="connsiteY7" fmla="*/ 520676 h 918209"/>
+              <a:gd name="connsiteX0" fmla="*/ 388620 w 3586865"/>
+              <a:gd name="connsiteY0" fmla="*/ 520676 h 918209"/>
+              <a:gd name="connsiteX1" fmla="*/ 1468505 w 3586865"/>
+              <a:gd name="connsiteY1" fmla="*/ 304800 h 918209"/>
+              <a:gd name="connsiteX2" fmla="*/ 3586865 w 3586865"/>
+              <a:gd name="connsiteY2" fmla="*/ 0 h 918209"/>
+              <a:gd name="connsiteX3" fmla="*/ 3581400 w 3586865"/>
+              <a:gd name="connsiteY3" fmla="*/ 788486 h 918209"/>
+              <a:gd name="connsiteX4" fmla="*/ 3451677 w 3586865"/>
+              <a:gd name="connsiteY4" fmla="*/ 918209 h 918209"/>
+              <a:gd name="connsiteX5" fmla="*/ 129723 w 3586865"/>
+              <a:gd name="connsiteY5" fmla="*/ 918209 h 918209"/>
+              <a:gd name="connsiteX6" fmla="*/ 0 w 3586865"/>
+              <a:gd name="connsiteY6" fmla="*/ 788486 h 918209"/>
+              <a:gd name="connsiteX7" fmla="*/ 388620 w 3586865"/>
+              <a:gd name="connsiteY7" fmla="*/ 520676 h 918209"/>
+              <a:gd name="connsiteX0" fmla="*/ 388620 w 3586865"/>
+              <a:gd name="connsiteY0" fmla="*/ 520676 h 918209"/>
+              <a:gd name="connsiteX1" fmla="*/ 1468505 w 3586865"/>
+              <a:gd name="connsiteY1" fmla="*/ 304800 h 918209"/>
+              <a:gd name="connsiteX2" fmla="*/ 3586865 w 3586865"/>
+              <a:gd name="connsiteY2" fmla="*/ 0 h 918209"/>
+              <a:gd name="connsiteX3" fmla="*/ 3581400 w 3586865"/>
+              <a:gd name="connsiteY3" fmla="*/ 788486 h 918209"/>
+              <a:gd name="connsiteX4" fmla="*/ 3451677 w 3586865"/>
+              <a:gd name="connsiteY4" fmla="*/ 918209 h 918209"/>
+              <a:gd name="connsiteX5" fmla="*/ 129723 w 3586865"/>
+              <a:gd name="connsiteY5" fmla="*/ 918209 h 918209"/>
+              <a:gd name="connsiteX6" fmla="*/ 0 w 3586865"/>
+              <a:gd name="connsiteY6" fmla="*/ 788486 h 918209"/>
+              <a:gd name="connsiteX7" fmla="*/ 388620 w 3586865"/>
+              <a:gd name="connsiteY7" fmla="*/ 520676 h 918209"/>
+              <a:gd name="connsiteX0" fmla="*/ 388620 w 3586865"/>
+              <a:gd name="connsiteY0" fmla="*/ 520676 h 918209"/>
+              <a:gd name="connsiteX1" fmla="*/ 1468505 w 3586865"/>
+              <a:gd name="connsiteY1" fmla="*/ 304800 h 918209"/>
+              <a:gd name="connsiteX2" fmla="*/ 3586865 w 3586865"/>
+              <a:gd name="connsiteY2" fmla="*/ 0 h 918209"/>
+              <a:gd name="connsiteX3" fmla="*/ 3581400 w 3586865"/>
+              <a:gd name="connsiteY3" fmla="*/ 788486 h 918209"/>
+              <a:gd name="connsiteX4" fmla="*/ 3451677 w 3586865"/>
+              <a:gd name="connsiteY4" fmla="*/ 918209 h 918209"/>
+              <a:gd name="connsiteX5" fmla="*/ 129723 w 3586865"/>
+              <a:gd name="connsiteY5" fmla="*/ 918209 h 918209"/>
+              <a:gd name="connsiteX6" fmla="*/ 0 w 3586865"/>
+              <a:gd name="connsiteY6" fmla="*/ 788486 h 918209"/>
+              <a:gd name="connsiteX7" fmla="*/ 388620 w 3586865"/>
+              <a:gd name="connsiteY7" fmla="*/ 520676 h 918209"/>
+            </a:gdLst>
+            <a:ahLst/>
+            <a:cxnLst>
+              <a:cxn ang="0">
+                <a:pos x="connsiteX0" y="connsiteY0"/>
+              </a:cxn>
+              <a:cxn ang="0">
+                <a:pos x="connsiteX1" y="connsiteY1"/>
+              </a:cxn>
+              <a:cxn ang="0">
+                <a:pos x="connsiteX2" y="connsiteY2"/>
+              </a:cxn>
+              <a:cxn ang="0">
+                <a:pos x="connsiteX3" y="connsiteY3"/>
+              </a:cxn>
+              <a:cxn ang="0">
+                <a:pos x="connsiteX4" y="connsiteY4"/>
+              </a:cxn>
+              <a:cxn ang="0">
+                <a:pos x="connsiteX5" y="connsiteY5"/>
+              </a:cxn>
+              <a:cxn ang="0">
+                <a:pos x="connsiteX6" y="connsiteY6"/>
+              </a:cxn>
+              <a:cxn ang="0">
+                <a:pos x="connsiteX7" y="connsiteY7"/>
+              </a:cxn>
+            </a:cxnLst>
+            <a:rect l="l" t="t" r="r" b="b"/>
+            <a:pathLst>
+              <a:path w="3586865" h="918209">
+                <a:moveTo>
+                  <a:pt x="388620" y="520676"/>
+                </a:moveTo>
+                <a:cubicBezTo>
+                  <a:pt x="696236" y="349892"/>
+                  <a:pt x="1117074" y="326809"/>
+                  <a:pt x="1468505" y="304800"/>
+                </a:cubicBezTo>
+                <a:cubicBezTo>
+                  <a:pt x="2174625" y="203200"/>
+                  <a:pt x="2865505" y="417830"/>
+                  <a:pt x="3586865" y="0"/>
+                </a:cubicBezTo>
+                <a:cubicBezTo>
+                  <a:pt x="3585043" y="262829"/>
+                  <a:pt x="3583222" y="525657"/>
+                  <a:pt x="3581400" y="788486"/>
+                </a:cubicBezTo>
+                <a:cubicBezTo>
+                  <a:pt x="3581400" y="860130"/>
+                  <a:pt x="3523321" y="918209"/>
+                  <a:pt x="3451677" y="918209"/>
+                </a:cubicBezTo>
+                <a:lnTo>
+                  <a:pt x="129723" y="918209"/>
+                </a:lnTo>
+                <a:cubicBezTo>
+                  <a:pt x="58079" y="918209"/>
+                  <a:pt x="0" y="860130"/>
+                  <a:pt x="0" y="788486"/>
+                </a:cubicBezTo>
+                <a:cubicBezTo>
+                  <a:pt x="72390" y="607776"/>
+                  <a:pt x="163830" y="602326"/>
+                  <a:pt x="388620" y="520676"/>
+                </a:cubicBezTo>
+                <a:close/>
+              </a:path>
+            </a:pathLst>
+          </a:custGeom>
+          <a:solidFill>
+            <a:srgbClr val="473352"/>
+          </a:solidFill>
+          <a:ln>
+            <a:solidFill>
+              <a:srgbClr val="002060"/>
+            </a:solidFill>
+          </a:ln>
+        </p:spPr>
+        <p:style>
+          <a:lnRef idx="2">
+            <a:schemeClr val="accent1">
+              <a:shade val="50000"/>
+            </a:schemeClr>
+          </a:lnRef>
+          <a:fillRef idx="1">
+            <a:schemeClr val="accent1"/>
+          </a:fillRef>
+          <a:effectRef idx="0">
+            <a:schemeClr val="accent1"/>
+          </a:effectRef>
+          <a:fontRef idx="minor">
+            <a:schemeClr val="lt1"/>
+          </a:fontRef>
+        </p:style>
+        <p:txBody>
+          <a:bodyPr rtlCol="0" anchor="ctr"/>
+          <a:lstStyle/>
+          <a:p>
+            <a:pPr algn="ctr"/>
+            <a:endParaRPr lang="ko-KR" altLang="en-US"/>
+          </a:p>
+        </p:txBody>
+      </p:sp>
+      <p:pic>
+        <p:nvPicPr>
+          <p:cNvPr id="39" name="그림 38"/>
+          <p:cNvPicPr>
+            <a:picLocks noChangeAspect="1"/>
+          </p:cNvPicPr>
+          <p:nvPr/>
+        </p:nvPicPr>
+        <p:blipFill>
+          <a:blip r:embed="rId4">
+            <a:extLst>
+              <a:ext uri="{28A0092B-C50C-407E-A947-70E740481C1C}">
+                <a14:useLocalDpi xmlns:a14="http://schemas.microsoft.com/office/drawing/2010/main" val="0"/>
+              </a:ext>
+            </a:extLst>
+          </a:blip>
+          <a:stretch>
+            <a:fillRect/>
+          </a:stretch>
+        </p:blipFill>
+        <p:spPr>
+          <a:xfrm>
+            <a:off x="6556316" y="1316736"/>
+            <a:ext cx="1362615" cy="1875281"/>
+          </a:xfrm>
+          <a:prstGeom prst="rect">
+            <a:avLst/>
+          </a:prstGeom>
+        </p:spPr>
+      </p:pic>
+      <p:sp>
+        <p:nvSpPr>
+          <p:cNvPr id="40" name="모서리가 둥근 직사각형 39"/>
+          <p:cNvSpPr/>
+          <p:nvPr/>
+        </p:nvSpPr>
+        <p:spPr>
+          <a:xfrm>
+            <a:off x="4463665" y="3031045"/>
+            <a:ext cx="3581400" cy="559499"/>
+          </a:xfrm>
+          <a:prstGeom prst="roundRect">
+            <a:avLst>
+              <a:gd name="adj" fmla="val 4864"/>
+            </a:avLst>
+          </a:prstGeom>
+          <a:solidFill>
+            <a:schemeClr val="tx1"/>
+          </a:solidFill>
+          <a:ln>
+            <a:solidFill>
+              <a:srgbClr val="002060"/>
+            </a:solidFill>
+          </a:ln>
+        </p:spPr>
+        <p:style>
+          <a:lnRef idx="2">
+            <a:schemeClr val="accent1">
+              <a:shade val="50000"/>
+            </a:schemeClr>
+          </a:lnRef>
+          <a:fillRef idx="1">
+            <a:schemeClr val="accent1"/>
+          </a:fillRef>
+          <a:effectRef idx="0">
+            <a:schemeClr val="accent1"/>
+          </a:effectRef>
+          <a:fontRef idx="minor">
+            <a:schemeClr val="lt1"/>
+          </a:fontRef>
+        </p:style>
+        <p:txBody>
+          <a:bodyPr rtlCol="0" anchor="ctr"/>
+          <a:lstStyle/>
+          <a:p>
+            <a:pPr algn="ctr"/>
+            <a:endParaRPr lang="ko-KR" altLang="en-US"/>
+          </a:p>
+        </p:txBody>
+      </p:sp>
+      <p:sp>
+        <p:nvSpPr>
+          <p:cNvPr id="41" name="모서리가 둥근 직사각형 40"/>
+          <p:cNvSpPr/>
+          <p:nvPr/>
+        </p:nvSpPr>
+        <p:spPr>
+          <a:xfrm>
+            <a:off x="4463665" y="647700"/>
+            <a:ext cx="3581400" cy="533218"/>
+          </a:xfrm>
+          <a:prstGeom prst="roundRect">
+            <a:avLst>
+              <a:gd name="adj" fmla="val 4864"/>
+            </a:avLst>
+          </a:prstGeom>
+          <a:solidFill>
+            <a:schemeClr val="tx1"/>
+          </a:solidFill>
+          <a:ln>
+            <a:solidFill>
+              <a:srgbClr val="002060"/>
+            </a:solidFill>
+          </a:ln>
+        </p:spPr>
+        <p:style>
+          <a:lnRef idx="2">
+            <a:schemeClr val="accent1">
+              <a:shade val="50000"/>
+            </a:schemeClr>
+          </a:lnRef>
+          <a:fillRef idx="1">
+            <a:schemeClr val="accent1"/>
+          </a:fillRef>
+          <a:effectRef idx="0">
+            <a:schemeClr val="accent1"/>
+          </a:effectRef>
+          <a:fontRef idx="minor">
+            <a:schemeClr val="lt1"/>
+          </a:fontRef>
+        </p:style>
+        <p:txBody>
+          <a:bodyPr rtlCol="0" anchor="ctr"/>
+          <a:lstStyle/>
+          <a:p>
+            <a:pPr algn="ctr"/>
+            <a:endParaRPr lang="ko-KR" altLang="en-US"/>
+          </a:p>
+        </p:txBody>
+      </p:sp>
+      <p:sp>
+        <p:nvSpPr>
+          <p:cNvPr id="42" name="모서리가 둥근 직사각형 41"/>
+          <p:cNvSpPr/>
+          <p:nvPr/>
+        </p:nvSpPr>
+        <p:spPr>
+          <a:xfrm>
+            <a:off x="7107091" y="3104197"/>
+            <a:ext cx="874907" cy="413195"/>
+          </a:xfrm>
+          <a:prstGeom prst="roundRect">
+            <a:avLst>
+              <a:gd name="adj" fmla="val 4864"/>
+            </a:avLst>
+          </a:prstGeom>
+          <a:solidFill>
+            <a:schemeClr val="accent6"/>
+          </a:solidFill>
+          <a:ln>
+            <a:solidFill>
+              <a:srgbClr val="002060"/>
+            </a:solidFill>
+          </a:ln>
+        </p:spPr>
+        <p:style>
+          <a:lnRef idx="2">
+            <a:schemeClr val="accent1">
+              <a:shade val="50000"/>
+            </a:schemeClr>
+          </a:lnRef>
+          <a:fillRef idx="1">
+            <a:schemeClr val="accent1"/>
+          </a:fillRef>
+          <a:effectRef idx="0">
+            <a:schemeClr val="accent1"/>
+          </a:effectRef>
+          <a:fontRef idx="minor">
+            <a:schemeClr val="lt1"/>
+          </a:fontRef>
+        </p:style>
+        <p:txBody>
+          <a:bodyPr rtlCol="0" anchor="ctr"/>
+          <a:lstStyle/>
+          <a:p>
+            <a:pPr algn="ctr"/>
+            <a:endParaRPr lang="ko-KR" altLang="en-US"/>
+          </a:p>
+        </p:txBody>
+      </p:sp>
+      <p:sp>
+        <p:nvSpPr>
+          <p:cNvPr id="43" name="TextBox 42">
+            <a:extLst>
+              <a:ext uri="{FF2B5EF4-FFF2-40B4-BE49-F238E27FC236}">
+                <a16:creationId xmlns:a16="http://schemas.microsoft.com/office/drawing/2014/main" id="{A29A7CE9-CD09-CF14-2F69-73C1066071CD}"/>
+              </a:ext>
+            </a:extLst>
+          </p:cNvPr>
+          <p:cNvSpPr txBox="1"/>
+          <p:nvPr/>
+        </p:nvSpPr>
+        <p:spPr>
+          <a:xfrm>
+            <a:off x="7221378" y="3132608"/>
+            <a:ext cx="646331" cy="369332"/>
+          </a:xfrm>
+          <a:prstGeom prst="rect">
+            <a:avLst/>
+          </a:prstGeom>
+          <a:noFill/>
+        </p:spPr>
+        <p:txBody>
+          <a:bodyPr wrap="none" rtlCol="0">
+            <a:spAutoFit/>
+          </a:bodyPr>
+          <a:lstStyle/>
+          <a:p>
+            <a:pPr algn="ctr"/>
+            <a:r>
+              <a:rPr lang="ko-KR" altLang="en-US" smtClean="0">
+                <a:solidFill>
+                  <a:schemeClr val="bg1"/>
+                </a:solidFill>
+              </a:rPr>
+              <a:t>도전</a:t>
+            </a:r>
+            <a:endParaRPr lang="ko-KR" altLang="en-US" dirty="0">
+              <a:solidFill>
+                <a:schemeClr val="bg1"/>
+              </a:solidFill>
+            </a:endParaRPr>
+          </a:p>
+        </p:txBody>
+      </p:sp>
+      <p:sp>
+        <p:nvSpPr>
+          <p:cNvPr id="44" name="TextBox 43">
+            <a:extLst>
+              <a:ext uri="{FF2B5EF4-FFF2-40B4-BE49-F238E27FC236}">
+                <a16:creationId xmlns:a16="http://schemas.microsoft.com/office/drawing/2014/main" id="{A29A7CE9-CD09-CF14-2F69-73C1066071CD}"/>
+              </a:ext>
+            </a:extLst>
+          </p:cNvPr>
+          <p:cNvSpPr txBox="1"/>
+          <p:nvPr/>
+        </p:nvSpPr>
+        <p:spPr>
+          <a:xfrm>
+            <a:off x="4458200" y="692096"/>
+            <a:ext cx="1491114" cy="307777"/>
+          </a:xfrm>
+          <a:prstGeom prst="rect">
+            <a:avLst/>
+          </a:prstGeom>
+          <a:noFill/>
+        </p:spPr>
+        <p:txBody>
+          <a:bodyPr wrap="none" rtlCol="0">
+            <a:spAutoFit/>
+          </a:bodyPr>
+          <a:lstStyle/>
+          <a:p>
+            <a:pPr algn="ctr"/>
+            <a:r>
+              <a:rPr lang="ko-KR" altLang="en-US" sz="1400" b="1" dirty="0" err="1" smtClean="0">
+                <a:solidFill>
+                  <a:schemeClr val="bg1"/>
+                </a:solidFill>
+              </a:rPr>
+              <a:t>마왕성</a:t>
+            </a:r>
+            <a:r>
+              <a:rPr lang="ko-KR" altLang="en-US" sz="1400" b="1" dirty="0" smtClean="0">
+                <a:solidFill>
+                  <a:schemeClr val="bg1"/>
+                </a:solidFill>
+              </a:rPr>
+              <a:t> 지키기</a:t>
+            </a:r>
+            <a:r>
+              <a:rPr lang="en-US" altLang="ko-KR" sz="1400" b="1" dirty="0">
+                <a:solidFill>
+                  <a:schemeClr val="bg1"/>
+                </a:solidFill>
+              </a:rPr>
+              <a:t> </a:t>
+            </a:r>
+            <a:r>
+              <a:rPr lang="en-US" altLang="ko-KR" sz="1400" b="1" dirty="0" smtClean="0">
+                <a:solidFill>
+                  <a:schemeClr val="bg1"/>
+                </a:solidFill>
+              </a:rPr>
+              <a:t>1</a:t>
+            </a:r>
+            <a:endParaRPr lang="ko-KR" altLang="en-US" sz="1400" b="1" dirty="0">
+              <a:solidFill>
+                <a:schemeClr val="bg1"/>
+              </a:solidFill>
+            </a:endParaRPr>
+          </a:p>
+        </p:txBody>
+      </p:sp>
+      <p:sp>
+        <p:nvSpPr>
+          <p:cNvPr id="45" name="TextBox 44">
+            <a:extLst>
+              <a:ext uri="{FF2B5EF4-FFF2-40B4-BE49-F238E27FC236}">
+                <a16:creationId xmlns:a16="http://schemas.microsoft.com/office/drawing/2014/main" id="{A29A7CE9-CD09-CF14-2F69-73C1066071CD}"/>
+              </a:ext>
+            </a:extLst>
+          </p:cNvPr>
+          <p:cNvSpPr txBox="1"/>
+          <p:nvPr/>
+        </p:nvSpPr>
+        <p:spPr>
+          <a:xfrm>
+            <a:off x="4463665" y="963564"/>
+            <a:ext cx="1399742" cy="200055"/>
+          </a:xfrm>
+          <a:prstGeom prst="rect">
+            <a:avLst/>
+          </a:prstGeom>
+          <a:noFill/>
+        </p:spPr>
+        <p:txBody>
+          <a:bodyPr wrap="none" rtlCol="0">
+            <a:spAutoFit/>
+          </a:bodyPr>
+          <a:lstStyle/>
+          <a:p>
+            <a:pPr algn="ctr"/>
+            <a:r>
+              <a:rPr lang="en-US" altLang="ko-KR" sz="700" b="1" dirty="0" smtClean="0">
+                <a:solidFill>
+                  <a:schemeClr val="bg1">
+                    <a:lumMod val="75000"/>
+                  </a:schemeClr>
+                </a:solidFill>
+              </a:rPr>
+              <a:t>20</a:t>
+            </a:r>
+            <a:r>
+              <a:rPr lang="ko-KR" altLang="en-US" sz="700" b="1" dirty="0" smtClean="0">
+                <a:solidFill>
+                  <a:schemeClr val="bg1">
+                    <a:lumMod val="75000"/>
+                  </a:schemeClr>
+                </a:solidFill>
+              </a:rPr>
+              <a:t>분 간 </a:t>
+            </a:r>
+            <a:r>
+              <a:rPr lang="ko-KR" altLang="en-US" sz="700" b="1" dirty="0" err="1" smtClean="0">
+                <a:solidFill>
+                  <a:schemeClr val="bg1">
+                    <a:lumMod val="75000"/>
+                  </a:schemeClr>
+                </a:solidFill>
+              </a:rPr>
+              <a:t>마왕성을</a:t>
+            </a:r>
+            <a:r>
+              <a:rPr lang="ko-KR" altLang="en-US" sz="700" b="1" dirty="0" smtClean="0">
+                <a:solidFill>
+                  <a:schemeClr val="bg1">
+                    <a:lumMod val="75000"/>
+                  </a:schemeClr>
+                </a:solidFill>
+              </a:rPr>
+              <a:t> 지켜주세요</a:t>
+            </a:r>
+            <a:r>
+              <a:rPr lang="en-US" altLang="ko-KR" sz="700" b="1" dirty="0" smtClean="0">
+                <a:solidFill>
+                  <a:schemeClr val="bg1">
+                    <a:lumMod val="75000"/>
+                  </a:schemeClr>
+                </a:solidFill>
+              </a:rPr>
+              <a:t>!</a:t>
+            </a:r>
+            <a:endParaRPr lang="ko-KR" altLang="en-US" sz="700" b="1" dirty="0">
+              <a:solidFill>
+                <a:schemeClr val="bg1">
+                  <a:lumMod val="75000"/>
+                </a:schemeClr>
+              </a:solidFill>
+            </a:endParaRPr>
+          </a:p>
+        </p:txBody>
+      </p:sp>
+      <p:sp>
+        <p:nvSpPr>
+          <p:cNvPr id="46" name="모서리가 둥근 직사각형 45"/>
+          <p:cNvSpPr/>
+          <p:nvPr/>
+        </p:nvSpPr>
+        <p:spPr>
+          <a:xfrm>
+            <a:off x="5050242" y="3104197"/>
+            <a:ext cx="455064" cy="413195"/>
+          </a:xfrm>
+          <a:prstGeom prst="roundRect">
+            <a:avLst/>
+          </a:prstGeom>
+          <a:solidFill>
+            <a:schemeClr val="bg1"/>
+          </a:solidFill>
+        </p:spPr>
+        <p:style>
+          <a:lnRef idx="2">
+            <a:schemeClr val="accent1">
+              <a:shade val="50000"/>
+            </a:schemeClr>
+          </a:lnRef>
+          <a:fillRef idx="1">
+            <a:schemeClr val="accent1"/>
+          </a:fillRef>
+          <a:effectRef idx="0">
+            <a:schemeClr val="accent1"/>
+          </a:effectRef>
+          <a:fontRef idx="minor">
+            <a:schemeClr val="lt1"/>
+          </a:fontRef>
+        </p:style>
+        <p:txBody>
+          <a:bodyPr rtlCol="0" anchor="ctr"/>
+          <a:lstStyle/>
+          <a:p>
+            <a:pPr algn="ctr"/>
+            <a:endParaRPr lang="ko-KR" altLang="en-US"/>
+          </a:p>
+        </p:txBody>
+      </p:sp>
+      <p:sp>
+        <p:nvSpPr>
+          <p:cNvPr id="47" name="TextBox 46">
+            <a:extLst>
+              <a:ext uri="{FF2B5EF4-FFF2-40B4-BE49-F238E27FC236}">
+                <a16:creationId xmlns:a16="http://schemas.microsoft.com/office/drawing/2014/main" id="{A29A7CE9-CD09-CF14-2F69-73C1066071CD}"/>
+              </a:ext>
+            </a:extLst>
+          </p:cNvPr>
+          <p:cNvSpPr txBox="1"/>
+          <p:nvPr/>
+        </p:nvSpPr>
+        <p:spPr>
+          <a:xfrm>
+            <a:off x="4542411" y="3158612"/>
+            <a:ext cx="462660" cy="307777"/>
+          </a:xfrm>
+          <a:prstGeom prst="rect">
+            <a:avLst/>
+          </a:prstGeom>
+          <a:noFill/>
+        </p:spPr>
+        <p:txBody>
+          <a:bodyPr wrap="square" rtlCol="0">
+            <a:spAutoFit/>
+          </a:bodyPr>
+          <a:lstStyle/>
+          <a:p>
+            <a:pPr algn="ctr"/>
+            <a:r>
+              <a:rPr lang="ko-KR" altLang="en-US" sz="700" b="1" smtClean="0">
+                <a:solidFill>
+                  <a:schemeClr val="bg1">
+                    <a:lumMod val="75000"/>
+                  </a:schemeClr>
+                </a:solidFill>
+              </a:rPr>
+              <a:t>클리어</a:t>
+            </a:r>
+            <a:r>
+              <a:rPr lang="ko-KR" altLang="en-US" sz="700" b="1" dirty="0" smtClean="0">
+                <a:solidFill>
+                  <a:schemeClr val="bg1">
+                    <a:lumMod val="75000"/>
+                  </a:schemeClr>
+                </a:solidFill>
+              </a:rPr>
+              <a:t> 보상</a:t>
+            </a:r>
+            <a:endParaRPr lang="ko-KR" altLang="en-US" sz="700" b="1" dirty="0">
+              <a:solidFill>
+                <a:schemeClr val="bg1">
+                  <a:lumMod val="75000"/>
+                </a:schemeClr>
+              </a:solidFill>
+            </a:endParaRPr>
+          </a:p>
+        </p:txBody>
+      </p:sp>
+      <p:sp>
+        <p:nvSpPr>
+          <p:cNvPr id="48" name="모서리가 둥근 직사각형 47"/>
+          <p:cNvSpPr/>
+          <p:nvPr/>
+        </p:nvSpPr>
+        <p:spPr>
+          <a:xfrm>
+            <a:off x="5566536" y="3104197"/>
+            <a:ext cx="455064" cy="413195"/>
+          </a:xfrm>
+          <a:prstGeom prst="roundRect">
+            <a:avLst/>
+          </a:prstGeom>
+          <a:solidFill>
+            <a:schemeClr val="bg1"/>
+          </a:solidFill>
+        </p:spPr>
+        <p:style>
+          <a:lnRef idx="2">
+            <a:schemeClr val="accent1">
+              <a:shade val="50000"/>
+            </a:schemeClr>
+          </a:lnRef>
+          <a:fillRef idx="1">
+            <a:schemeClr val="accent1"/>
+          </a:fillRef>
+          <a:effectRef idx="0">
+            <a:schemeClr val="accent1"/>
+          </a:effectRef>
+          <a:fontRef idx="minor">
+            <a:schemeClr val="lt1"/>
+          </a:fontRef>
+        </p:style>
+        <p:txBody>
+          <a:bodyPr rtlCol="0" anchor="ctr"/>
+          <a:lstStyle/>
+          <a:p>
+            <a:pPr algn="ctr"/>
+            <a:endParaRPr lang="ko-KR" altLang="en-US"/>
+          </a:p>
+        </p:txBody>
+      </p:sp>
+      <p:sp>
+        <p:nvSpPr>
+          <p:cNvPr id="49" name="모서리가 둥근 직사각형 48"/>
+          <p:cNvSpPr/>
+          <p:nvPr/>
+        </p:nvSpPr>
+        <p:spPr>
+          <a:xfrm>
+            <a:off x="6082830" y="3104197"/>
+            <a:ext cx="455064" cy="413195"/>
+          </a:xfrm>
+          <a:prstGeom prst="roundRect">
+            <a:avLst/>
+          </a:prstGeom>
+          <a:solidFill>
+            <a:schemeClr val="bg1"/>
+          </a:solidFill>
+        </p:spPr>
+        <p:style>
+          <a:lnRef idx="2">
+            <a:schemeClr val="accent1">
+              <a:shade val="50000"/>
+            </a:schemeClr>
+          </a:lnRef>
+          <a:fillRef idx="1">
+            <a:schemeClr val="accent1"/>
+          </a:fillRef>
+          <a:effectRef idx="0">
+            <a:schemeClr val="accent1"/>
+          </a:effectRef>
+          <a:fontRef idx="minor">
+            <a:schemeClr val="lt1"/>
+          </a:fontRef>
+        </p:style>
+        <p:txBody>
+          <a:bodyPr rtlCol="0" anchor="ctr"/>
+          <a:lstStyle/>
+          <a:p>
+            <a:pPr algn="ctr"/>
+            <a:endParaRPr lang="ko-KR" altLang="en-US"/>
+          </a:p>
+        </p:txBody>
+      </p:sp>
+      <p:sp>
+        <p:nvSpPr>
+          <p:cNvPr id="52" name="모서리가 둥근 직사각형 51"/>
+          <p:cNvSpPr/>
+          <p:nvPr/>
+        </p:nvSpPr>
+        <p:spPr>
+          <a:xfrm>
+            <a:off x="2048125" y="2756725"/>
+            <a:ext cx="2004060" cy="292157"/>
+          </a:xfrm>
+          <a:prstGeom prst="roundRect">
+            <a:avLst>
+              <a:gd name="adj" fmla="val 4864"/>
+            </a:avLst>
+          </a:prstGeom>
+          <a:solidFill>
+            <a:schemeClr val="tx1">
+              <a:alpha val="32000"/>
+            </a:schemeClr>
+          </a:solidFill>
+          <a:ln>
+            <a:solidFill>
+              <a:srgbClr val="002060"/>
+            </a:solidFill>
+          </a:ln>
+        </p:spPr>
+        <p:style>
+          <a:lnRef idx="2">
+            <a:schemeClr val="accent1">
+              <a:shade val="50000"/>
+            </a:schemeClr>
+          </a:lnRef>
+          <a:fillRef idx="1">
+            <a:schemeClr val="accent1"/>
+          </a:fillRef>
+          <a:effectRef idx="0">
+            <a:schemeClr val="accent1"/>
+          </a:effectRef>
+          <a:fontRef idx="minor">
+            <a:schemeClr val="lt1"/>
+          </a:fontRef>
+        </p:style>
+        <p:txBody>
+          <a:bodyPr rtlCol="0" anchor="ctr"/>
+          <a:lstStyle/>
+          <a:p>
+            <a:pPr algn="ctr"/>
+            <a:endParaRPr lang="ko-KR" altLang="en-US"/>
+          </a:p>
+        </p:txBody>
+      </p:sp>
+      <p:sp>
+        <p:nvSpPr>
+          <p:cNvPr id="51" name="TextBox 50">
+            <a:extLst>
+              <a:ext uri="{FF2B5EF4-FFF2-40B4-BE49-F238E27FC236}">
+                <a16:creationId xmlns:a16="http://schemas.microsoft.com/office/drawing/2014/main" id="{A29A7CE9-CD09-CF14-2F69-73C1066071CD}"/>
+              </a:ext>
+            </a:extLst>
+          </p:cNvPr>
+          <p:cNvSpPr txBox="1"/>
+          <p:nvPr/>
+        </p:nvSpPr>
+        <p:spPr>
+          <a:xfrm>
+            <a:off x="2189440" y="2802775"/>
+            <a:ext cx="665567" cy="200055"/>
+          </a:xfrm>
+          <a:prstGeom prst="rect">
+            <a:avLst/>
+          </a:prstGeom>
+          <a:noFill/>
+        </p:spPr>
+        <p:txBody>
+          <a:bodyPr wrap="none" rtlCol="0">
+            <a:spAutoFit/>
+          </a:bodyPr>
+          <a:lstStyle/>
+          <a:p>
+            <a:pPr algn="ctr"/>
+            <a:r>
+              <a:rPr lang="ko-KR" altLang="en-US" sz="700" b="1" dirty="0" smtClean="0">
+                <a:solidFill>
+                  <a:schemeClr val="bg1"/>
+                </a:solidFill>
+              </a:rPr>
+              <a:t>권장 전투력</a:t>
+            </a:r>
+            <a:endParaRPr lang="ko-KR" altLang="en-US" sz="700" b="1" dirty="0">
+              <a:solidFill>
+                <a:schemeClr val="bg1"/>
+              </a:solidFill>
+            </a:endParaRPr>
+          </a:p>
+        </p:txBody>
+      </p:sp>
+      <p:sp>
+        <p:nvSpPr>
+          <p:cNvPr id="53" name="TextBox 52">
+            <a:extLst>
+              <a:ext uri="{FF2B5EF4-FFF2-40B4-BE49-F238E27FC236}">
+                <a16:creationId xmlns:a16="http://schemas.microsoft.com/office/drawing/2014/main" id="{A29A7CE9-CD09-CF14-2F69-73C1066071CD}"/>
+              </a:ext>
+            </a:extLst>
+          </p:cNvPr>
+          <p:cNvSpPr txBox="1"/>
+          <p:nvPr/>
+        </p:nvSpPr>
+        <p:spPr>
+          <a:xfrm>
+            <a:off x="3281595" y="2802775"/>
+            <a:ext cx="543739" cy="200055"/>
+          </a:xfrm>
+          <a:prstGeom prst="rect">
+            <a:avLst/>
+          </a:prstGeom>
+          <a:noFill/>
+        </p:spPr>
+        <p:txBody>
+          <a:bodyPr wrap="none" rtlCol="0">
+            <a:spAutoFit/>
+          </a:bodyPr>
+          <a:lstStyle/>
+          <a:p>
+            <a:pPr algn="ctr"/>
+            <a:r>
+              <a:rPr lang="en-US" altLang="ko-KR" sz="700" b="1" dirty="0" smtClean="0">
+                <a:solidFill>
+                  <a:schemeClr val="bg1"/>
+                </a:solidFill>
+              </a:rPr>
+              <a:t>4242211</a:t>
+            </a:r>
+            <a:endParaRPr lang="ko-KR" altLang="en-US" sz="700" b="1" dirty="0">
+              <a:solidFill>
+                <a:schemeClr val="bg1"/>
+              </a:solidFill>
+            </a:endParaRPr>
+          </a:p>
+        </p:txBody>
+      </p:sp>
+      <p:sp>
+        <p:nvSpPr>
+          <p:cNvPr id="54" name="모서리가 둥근 직사각형 53"/>
+          <p:cNvSpPr/>
+          <p:nvPr/>
+        </p:nvSpPr>
+        <p:spPr>
+          <a:xfrm>
+            <a:off x="4463665" y="655426"/>
+            <a:ext cx="3581400" cy="2935118"/>
+          </a:xfrm>
+          <a:prstGeom prst="roundRect">
+            <a:avLst>
+              <a:gd name="adj" fmla="val 4864"/>
+            </a:avLst>
+          </a:prstGeom>
+          <a:solidFill>
+            <a:schemeClr val="tx1">
+              <a:alpha val="31000"/>
+            </a:schemeClr>
+          </a:solidFill>
+          <a:ln>
+            <a:solidFill>
+              <a:srgbClr val="002060"/>
+            </a:solidFill>
+          </a:ln>
+        </p:spPr>
+        <p:style>
+          <a:lnRef idx="2">
+            <a:schemeClr val="accent1">
+              <a:shade val="50000"/>
+            </a:schemeClr>
+          </a:lnRef>
+          <a:fillRef idx="1">
+            <a:schemeClr val="accent1"/>
+          </a:fillRef>
+          <a:effectRef idx="0">
+            <a:schemeClr val="accent1"/>
+          </a:effectRef>
+          <a:fontRef idx="minor">
+            <a:schemeClr val="lt1"/>
+          </a:fontRef>
+        </p:style>
+        <p:txBody>
+          <a:bodyPr rtlCol="0" anchor="ctr"/>
+          <a:lstStyle/>
+          <a:p>
+            <a:pPr algn="ctr"/>
+            <a:endParaRPr lang="ko-KR" altLang="en-US"/>
+          </a:p>
+        </p:txBody>
+      </p:sp>
+      <p:pic>
+        <p:nvPicPr>
+          <p:cNvPr id="55" name="그림 54"/>
+          <p:cNvPicPr>
+            <a:picLocks noChangeAspect="1"/>
+          </p:cNvPicPr>
+          <p:nvPr/>
+        </p:nvPicPr>
+        <p:blipFill>
+          <a:blip r:embed="rId5">
+            <a:extLst>
+              <a:ext uri="{28A0092B-C50C-407E-A947-70E740481C1C}">
+                <a14:useLocalDpi xmlns:a14="http://schemas.microsoft.com/office/drawing/2010/main" val="0"/>
+              </a:ext>
+            </a:extLst>
+          </a:blip>
+          <a:stretch>
+            <a:fillRect/>
+          </a:stretch>
+        </p:blipFill>
+        <p:spPr>
+          <a:xfrm>
+            <a:off x="5763385" y="1569086"/>
+            <a:ext cx="894229" cy="894229"/>
+          </a:xfrm>
+          <a:prstGeom prst="rect">
+            <a:avLst/>
+          </a:prstGeom>
+        </p:spPr>
+      </p:pic>
+      <p:sp>
+        <p:nvSpPr>
+          <p:cNvPr id="56" name="TextBox 55">
+            <a:extLst>
+              <a:ext uri="{FF2B5EF4-FFF2-40B4-BE49-F238E27FC236}">
+                <a16:creationId xmlns:a16="http://schemas.microsoft.com/office/drawing/2014/main" id="{A29A7CE9-CD09-CF14-2F69-73C1066071CD}"/>
+              </a:ext>
+            </a:extLst>
+          </p:cNvPr>
+          <p:cNvSpPr txBox="1"/>
+          <p:nvPr/>
+        </p:nvSpPr>
+        <p:spPr>
+          <a:xfrm>
+            <a:off x="5249630" y="2390831"/>
+            <a:ext cx="1952779" cy="307777"/>
+          </a:xfrm>
+          <a:prstGeom prst="rect">
+            <a:avLst/>
+          </a:prstGeom>
+          <a:noFill/>
+        </p:spPr>
+        <p:txBody>
+          <a:bodyPr wrap="none" rtlCol="0">
+            <a:spAutoFit/>
+          </a:bodyPr>
+          <a:lstStyle/>
+          <a:p>
+            <a:pPr algn="ctr"/>
+            <a:r>
+              <a:rPr lang="ko-KR" altLang="en-US" sz="1400" b="1" smtClean="0">
+                <a:solidFill>
+                  <a:schemeClr val="bg1"/>
+                </a:solidFill>
+              </a:rPr>
+              <a:t>스테이지 </a:t>
+            </a:r>
+            <a:r>
+              <a:rPr lang="en-US" altLang="ko-KR" sz="1400" b="1" dirty="0" smtClean="0">
+                <a:solidFill>
+                  <a:schemeClr val="bg1"/>
+                </a:solidFill>
+              </a:rPr>
+              <a:t>1-10 </a:t>
+            </a:r>
+            <a:r>
+              <a:rPr lang="ko-KR" altLang="en-US" sz="1400" b="1" dirty="0" err="1" smtClean="0">
+                <a:solidFill>
+                  <a:schemeClr val="bg1"/>
+                </a:solidFill>
+              </a:rPr>
+              <a:t>클리어</a:t>
+            </a:r>
+            <a:endParaRPr lang="ko-KR" altLang="en-US" sz="1400" b="1" dirty="0">
+              <a:solidFill>
+                <a:schemeClr val="bg1"/>
+              </a:solidFill>
+            </a:endParaRPr>
+          </a:p>
+        </p:txBody>
+      </p:sp>
+    </p:spTree>
+    <p:extLst>
+      <p:ext uri="{BB962C8B-B14F-4D97-AF65-F5344CB8AC3E}">
+        <p14:creationId xmlns:p14="http://schemas.microsoft.com/office/powerpoint/2010/main" val="482589116"/>
+      </p:ext>
+    </p:extLst>
+  </p:cSld>
+  <p:clrMapOvr>
+    <a:masterClrMapping/>
+  </p:clrMapOvr>
+</p:sld>
+</file>
+
 <file path=ppt/theme/theme1.xml><?xml version="1.0" encoding="utf-8"?>
 <a:theme xmlns:a="http://schemas.openxmlformats.org/drawingml/2006/main" name="Office 테마">
   <a:themeElements>
